--- a/L13pp.pptx
+++ b/L13pp.pptx
@@ -1,67 +1,67 @@
 
 <file path=ppt/presentation.xml><?xml version="1.0" encoding="utf-8"?>
-<p:presentation xmlns:a="http://schemas.openxmlformats.org/drawingml/2006/main" xmlns:r="http://schemas.openxmlformats.org/officeDocument/2006/relationships" xmlns:p="http://schemas.openxmlformats.org/presentationml/2006/main" xmlns:m="http://schemas.openxmlformats.org/officeDocument/2006/math" xmlns:a14="http://schemas.microsoft.com/office/drawing/2010/main">
+<p:presentation xmlns:a="http://schemas.openxmlformats.org/drawingml/2006/main" xmlns:r="http://schemas.openxmlformats.org/officeDocument/2006/relationships" xmlns:p="http://schemas.openxmlformats.org/presentationml/2006/main">
   <p:sldMasterIdLst>
-    <p:sldMasterId id="2147483648" r:id="rId5"/>
+    <p:sldMasterId id="2147483648" r:id="rId1"/>
   </p:sldMasterIdLst>
   <p:notesMasterIdLst>
-    <p:notesMasterId r:id="rId7"/>
+    <p:notesMasterId r:id="rId56"/>
   </p:notesMasterIdLst>
   <p:sldIdLst>
-    <p:sldId id="256" r:id="rId8"/>
-    <p:sldId id="257" r:id="rId9"/>
-    <p:sldId id="258" r:id="rId10"/>
-    <p:sldId id="259" r:id="rId11"/>
-    <p:sldId id="260" r:id="rId12"/>
-    <p:sldId id="261" r:id="rId13"/>
-    <p:sldId id="262" r:id="rId14"/>
-    <p:sldId id="263" r:id="rId15"/>
-    <p:sldId id="264" r:id="rId16"/>
-    <p:sldId id="265" r:id="rId17"/>
-    <p:sldId id="266" r:id="rId18"/>
-    <p:sldId id="267" r:id="rId19"/>
-    <p:sldId id="268" r:id="rId20"/>
-    <p:sldId id="269" r:id="rId21"/>
-    <p:sldId id="270" r:id="rId22"/>
-    <p:sldId id="271" r:id="rId23"/>
-    <p:sldId id="272" r:id="rId24"/>
-    <p:sldId id="273" r:id="rId25"/>
-    <p:sldId id="274" r:id="rId26"/>
-    <p:sldId id="275" r:id="rId27"/>
-    <p:sldId id="276" r:id="rId28"/>
-    <p:sldId id="277" r:id="rId29"/>
-    <p:sldId id="278" r:id="rId30"/>
-    <p:sldId id="279" r:id="rId31"/>
-    <p:sldId id="280" r:id="rId32"/>
-    <p:sldId id="281" r:id="rId33"/>
-    <p:sldId id="282" r:id="rId34"/>
-    <p:sldId id="283" r:id="rId35"/>
-    <p:sldId id="284" r:id="rId36"/>
-    <p:sldId id="285" r:id="rId37"/>
-    <p:sldId id="286" r:id="rId38"/>
-    <p:sldId id="287" r:id="rId39"/>
-    <p:sldId id="288" r:id="rId40"/>
-    <p:sldId id="289" r:id="rId41"/>
-    <p:sldId id="290" r:id="rId42"/>
-    <p:sldId id="291" r:id="rId43"/>
-    <p:sldId id="292" r:id="rId44"/>
-    <p:sldId id="293" r:id="rId45"/>
-    <p:sldId id="294" r:id="rId46"/>
-    <p:sldId id="295" r:id="rId47"/>
-    <p:sldId id="296" r:id="rId48"/>
-    <p:sldId id="297" r:id="rId49"/>
-    <p:sldId id="298" r:id="rId50"/>
-    <p:sldId id="299" r:id="rId51"/>
-    <p:sldId id="300" r:id="rId52"/>
-    <p:sldId id="301" r:id="rId53"/>
-    <p:sldId id="302" r:id="rId54"/>
-    <p:sldId id="303" r:id="rId55"/>
-    <p:sldId id="304" r:id="rId56"/>
-    <p:sldId id="305" r:id="rId57"/>
-    <p:sldId id="306" r:id="rId58"/>
-    <p:sldId id="307" r:id="rId59"/>
-    <p:sldId id="308" r:id="rId60"/>
-    <p:sldId id="309" r:id="rId61"/>
+    <p:sldId id="256" r:id="rId2"/>
+    <p:sldId id="257" r:id="rId3"/>
+    <p:sldId id="258" r:id="rId4"/>
+    <p:sldId id="259" r:id="rId5"/>
+    <p:sldId id="260" r:id="rId6"/>
+    <p:sldId id="261" r:id="rId7"/>
+    <p:sldId id="262" r:id="rId8"/>
+    <p:sldId id="263" r:id="rId9"/>
+    <p:sldId id="264" r:id="rId10"/>
+    <p:sldId id="265" r:id="rId11"/>
+    <p:sldId id="266" r:id="rId12"/>
+    <p:sldId id="267" r:id="rId13"/>
+    <p:sldId id="268" r:id="rId14"/>
+    <p:sldId id="269" r:id="rId15"/>
+    <p:sldId id="270" r:id="rId16"/>
+    <p:sldId id="271" r:id="rId17"/>
+    <p:sldId id="272" r:id="rId18"/>
+    <p:sldId id="273" r:id="rId19"/>
+    <p:sldId id="274" r:id="rId20"/>
+    <p:sldId id="275" r:id="rId21"/>
+    <p:sldId id="276" r:id="rId22"/>
+    <p:sldId id="277" r:id="rId23"/>
+    <p:sldId id="278" r:id="rId24"/>
+    <p:sldId id="279" r:id="rId25"/>
+    <p:sldId id="280" r:id="rId26"/>
+    <p:sldId id="281" r:id="rId27"/>
+    <p:sldId id="282" r:id="rId28"/>
+    <p:sldId id="283" r:id="rId29"/>
+    <p:sldId id="284" r:id="rId30"/>
+    <p:sldId id="285" r:id="rId31"/>
+    <p:sldId id="286" r:id="rId32"/>
+    <p:sldId id="287" r:id="rId33"/>
+    <p:sldId id="288" r:id="rId34"/>
+    <p:sldId id="289" r:id="rId35"/>
+    <p:sldId id="290" r:id="rId36"/>
+    <p:sldId id="291" r:id="rId37"/>
+    <p:sldId id="292" r:id="rId38"/>
+    <p:sldId id="293" r:id="rId39"/>
+    <p:sldId id="294" r:id="rId40"/>
+    <p:sldId id="295" r:id="rId41"/>
+    <p:sldId id="296" r:id="rId42"/>
+    <p:sldId id="297" r:id="rId43"/>
+    <p:sldId id="298" r:id="rId44"/>
+    <p:sldId id="299" r:id="rId45"/>
+    <p:sldId id="300" r:id="rId46"/>
+    <p:sldId id="301" r:id="rId47"/>
+    <p:sldId id="302" r:id="rId48"/>
+    <p:sldId id="303" r:id="rId49"/>
+    <p:sldId id="304" r:id="rId50"/>
+    <p:sldId id="305" r:id="rId51"/>
+    <p:sldId id="306" r:id="rId52"/>
+    <p:sldId id="307" r:id="rId53"/>
+    <p:sldId id="308" r:id="rId54"/>
+    <p:sldId id="309" r:id="rId55"/>
   </p:sldIdLst>
   <p:sldSz cx="24384000" cy="13716000"/>
   <p:notesSz cx="6858000" cy="9144000"/>
@@ -81,7 +81,7 @@
       <a:buFontTx/>
       <a:buNone/>
       <a:tabLst/>
-      <a:defRPr b="0" baseline="0" cap="none" i="0" spc="0" strike="noStrike" sz="1800" u="none" kumimoji="0" normalizeH="0">
+      <a:defRPr kumimoji="0" sz="1800" b="0" i="0" u="none" strike="noStrike" cap="none" spc="0" normalizeH="0" baseline="0">
         <a:ln>
           <a:noFill/>
         </a:ln>
@@ -107,7 +107,7 @@
       <a:buFontTx/>
       <a:buNone/>
       <a:tabLst/>
-      <a:defRPr b="0" baseline="0" cap="none" i="0" spc="0" strike="noStrike" sz="3000" u="none" kumimoji="0" normalizeH="0">
+      <a:defRPr kumimoji="0" sz="3000" b="0" i="0" u="none" strike="noStrike" cap="none" spc="0" normalizeH="0" baseline="0">
         <a:ln>
           <a:noFill/>
         </a:ln>
@@ -137,7 +137,7 @@
       <a:buFontTx/>
       <a:buNone/>
       <a:tabLst/>
-      <a:defRPr b="0" baseline="0" cap="none" i="0" spc="0" strike="noStrike" sz="3000" u="none" kumimoji="0" normalizeH="0">
+      <a:defRPr kumimoji="0" sz="3000" b="0" i="0" u="none" strike="noStrike" cap="none" spc="0" normalizeH="0" baseline="0">
         <a:ln>
           <a:noFill/>
         </a:ln>
@@ -167,7 +167,7 @@
       <a:buFontTx/>
       <a:buNone/>
       <a:tabLst/>
-      <a:defRPr b="0" baseline="0" cap="none" i="0" spc="0" strike="noStrike" sz="3000" u="none" kumimoji="0" normalizeH="0">
+      <a:defRPr kumimoji="0" sz="3000" b="0" i="0" u="none" strike="noStrike" cap="none" spc="0" normalizeH="0" baseline="0">
         <a:ln>
           <a:noFill/>
         </a:ln>
@@ -197,7 +197,7 @@
       <a:buFontTx/>
       <a:buNone/>
       <a:tabLst/>
-      <a:defRPr b="0" baseline="0" cap="none" i="0" spc="0" strike="noStrike" sz="3000" u="none" kumimoji="0" normalizeH="0">
+      <a:defRPr kumimoji="0" sz="3000" b="0" i="0" u="none" strike="noStrike" cap="none" spc="0" normalizeH="0" baseline="0">
         <a:ln>
           <a:noFill/>
         </a:ln>
@@ -227,7 +227,7 @@
       <a:buFontTx/>
       <a:buNone/>
       <a:tabLst/>
-      <a:defRPr b="0" baseline="0" cap="none" i="0" spc="0" strike="noStrike" sz="3000" u="none" kumimoji="0" normalizeH="0">
+      <a:defRPr kumimoji="0" sz="3000" b="0" i="0" u="none" strike="noStrike" cap="none" spc="0" normalizeH="0" baseline="0">
         <a:ln>
           <a:noFill/>
         </a:ln>
@@ -257,7 +257,7 @@
       <a:buFontTx/>
       <a:buNone/>
       <a:tabLst/>
-      <a:defRPr b="0" baseline="0" cap="none" i="0" spc="0" strike="noStrike" sz="3000" u="none" kumimoji="0" normalizeH="0">
+      <a:defRPr kumimoji="0" sz="3000" b="0" i="0" u="none" strike="noStrike" cap="none" spc="0" normalizeH="0" baseline="0">
         <a:ln>
           <a:noFill/>
         </a:ln>
@@ -287,7 +287,7 @@
       <a:buFontTx/>
       <a:buNone/>
       <a:tabLst/>
-      <a:defRPr b="0" baseline="0" cap="none" i="0" spc="0" strike="noStrike" sz="3000" u="none" kumimoji="0" normalizeH="0">
+      <a:defRPr kumimoji="0" sz="3000" b="0" i="0" u="none" strike="noStrike" cap="none" spc="0" normalizeH="0" baseline="0">
         <a:ln>
           <a:noFill/>
         </a:ln>
@@ -317,7 +317,7 @@
       <a:buFontTx/>
       <a:buNone/>
       <a:tabLst/>
-      <a:defRPr b="0" baseline="0" cap="none" i="0" spc="0" strike="noStrike" sz="3000" u="none" kumimoji="0" normalizeH="0">
+      <a:defRPr kumimoji="0" sz="3000" b="0" i="0" u="none" strike="noStrike" cap="none" spc="0" normalizeH="0" baseline="0">
         <a:ln>
           <a:noFill/>
         </a:ln>
@@ -347,7 +347,7 @@
       <a:buFontTx/>
       <a:buNone/>
       <a:tabLst/>
-      <a:defRPr b="0" baseline="0" cap="none" i="0" spc="0" strike="noStrike" sz="3000" u="none" kumimoji="0" normalizeH="0">
+      <a:defRPr kumimoji="0" sz="3000" b="0" i="0" u="none" strike="noStrike" cap="none" spc="0" normalizeH="0" baseline="0">
         <a:ln>
           <a:noFill/>
         </a:ln>
@@ -366,13 +366,14 @@
 </p:presentation>
 </file>
 
-<file path=ppt/commentAuthors.xml><?xml version="1.0" encoding="utf-8"?>
-<p:cmAuthorLst xmlns:a="http://schemas.openxmlformats.org/drawingml/2006/main" xmlns:r="http://schemas.openxmlformats.org/officeDocument/2006/relationships" xmlns:p="http://schemas.openxmlformats.org/presentationml/2006/main" xmlns:m="http://schemas.openxmlformats.org/officeDocument/2006/math" xmlns:a14="http://schemas.microsoft.com/office/drawing/2010/main"/>
-</file>
-
 <file path=ppt/notesMasters/notesMaster1.xml><?xml version="1.0" encoding="utf-8"?>
-<p:notesMaster xmlns:a="http://schemas.openxmlformats.org/drawingml/2006/main" xmlns:r="http://schemas.openxmlformats.org/officeDocument/2006/relationships" xmlns:p="http://schemas.openxmlformats.org/presentationml/2006/main" xmlns:m="http://schemas.openxmlformats.org/officeDocument/2006/math" xmlns:a14="http://schemas.microsoft.com/office/drawing/2010/main">
+<p:notesMaster xmlns:a="http://schemas.openxmlformats.org/drawingml/2006/main" xmlns:r="http://schemas.openxmlformats.org/officeDocument/2006/relationships" xmlns:p="http://schemas.openxmlformats.org/presentationml/2006/main">
   <p:cSld>
+    <p:bg>
+      <p:bgRef idx="1001">
+        <a:schemeClr val="bg1"/>
+      </p:bgRef>
+    </p:bg>
     <p:spTree>
       <p:nvGrpSpPr>
         <p:cNvPr id="1" name=""/>
@@ -390,7 +391,9 @@
       <p:sp>
         <p:nvSpPr>
           <p:cNvPr id="163" name="Shape 163"/>
-          <p:cNvSpPr/>
+          <p:cNvSpPr>
+            <a:spLocks noGrp="1" noRot="1" noChangeAspect="1"/>
+          </p:cNvSpPr>
           <p:nvPr>
             <p:ph type="sldImg"/>
           </p:nvPr>
@@ -408,14 +411,16 @@
           <a:bodyPr/>
           <a:lstStyle/>
           <a:p>
-            <a:pPr/>
+            <a:endParaRPr/>
           </a:p>
         </p:txBody>
       </p:sp>
       <p:sp>
         <p:nvSpPr>
           <p:cNvPr id="164" name="Shape 164"/>
-          <p:cNvSpPr/>
+          <p:cNvSpPr>
+            <a:spLocks noGrp="1"/>
+          </p:cNvSpPr>
           <p:nvPr>
             <p:ph type="body" sz="quarter" idx="1"/>
           </p:nvPr>
@@ -433,7 +438,7 @@
           <a:bodyPr/>
           <a:lstStyle/>
           <a:p>
-            <a:pPr/>
+            <a:endParaRPr/>
           </a:p>
         </p:txBody>
       </p:sp>
@@ -545,13 +550,14 @@
 </file>
 
 <file path=ppt/slideLayouts/slideLayout1.xml><?xml version="1.0" encoding="utf-8"?>
-<p:sldLayout xmlns:a="http://schemas.openxmlformats.org/drawingml/2006/main" xmlns:r="http://schemas.openxmlformats.org/officeDocument/2006/relationships" xmlns:p="http://schemas.openxmlformats.org/presentationml/2006/main" xmlns:m="http://schemas.openxmlformats.org/officeDocument/2006/math" xmlns:a14="http://schemas.microsoft.com/office/drawing/2010/main" type="title" showMasterSp="0" showMasterPhAnim="1">
+<p:sldLayout xmlns:a="http://schemas.openxmlformats.org/drawingml/2006/main" xmlns:r="http://schemas.openxmlformats.org/officeDocument/2006/relationships" xmlns:p="http://schemas.openxmlformats.org/presentationml/2006/main" showMasterSp="0" type="title">
   <p:cSld name="Title &amp; Subtitle">
     <p:bg>
       <p:bgPr>
         <a:solidFill>
           <a:srgbClr val="222222"/>
         </a:solidFill>
+        <a:effectLst/>
       </p:bgPr>
     </p:bg>
     <p:spTree>
@@ -607,13 +613,16 @@
                 <a:sym typeface="Helvetica"/>
               </a:defRPr>
             </a:pPr>
+            <a:endParaRPr/>
           </a:p>
         </p:txBody>
       </p:sp>
       <p:sp>
         <p:nvSpPr>
           <p:cNvPr id="13" name="Title Text"/>
-          <p:cNvSpPr txBox="1"/>
+          <p:cNvSpPr txBox="1">
+            <a:spLocks noGrp="1"/>
+          </p:cNvSpPr>
           <p:nvPr>
             <p:ph type="title"/>
           </p:nvPr>
@@ -638,7 +647,6 @@
             </a:lvl1pPr>
           </a:lstStyle>
           <a:p>
-            <a:pPr/>
             <a:r>
               <a:t>Title Text</a:t>
             </a:r>
@@ -648,7 +656,9 @@
       <p:sp>
         <p:nvSpPr>
           <p:cNvPr id="14" name="Body Level One…"/>
-          <p:cNvSpPr txBox="1"/>
+          <p:cNvSpPr txBox="1">
+            <a:spLocks noGrp="1"/>
+          </p:cNvSpPr>
           <p:nvPr>
             <p:ph type="body" sz="quarter" idx="1"/>
           </p:nvPr>
@@ -676,7 +686,7 @@
               <a:buSzTx/>
               <a:buFontTx/>
               <a:buNone/>
-              <a:defRPr cap="all" sz="7700">
+              <a:defRPr sz="7700" cap="all">
                 <a:solidFill>
                   <a:srgbClr val="A6AAA9"/>
                 </a:solidFill>
@@ -697,7 +707,7 @@
               <a:buSzTx/>
               <a:buFontTx/>
               <a:buNone/>
-              <a:defRPr cap="all" sz="7700">
+              <a:defRPr sz="7700" cap="all">
                 <a:solidFill>
                   <a:srgbClr val="A6AAA9"/>
                 </a:solidFill>
@@ -718,7 +728,7 @@
               <a:buSzTx/>
               <a:buFontTx/>
               <a:buNone/>
-              <a:defRPr cap="all" sz="7700">
+              <a:defRPr sz="7700" cap="all">
                 <a:solidFill>
                   <a:srgbClr val="A6AAA9"/>
                 </a:solidFill>
@@ -739,7 +749,7 @@
               <a:buSzTx/>
               <a:buFontTx/>
               <a:buNone/>
-              <a:defRPr cap="all" sz="7700">
+              <a:defRPr sz="7700" cap="all">
                 <a:solidFill>
                   <a:srgbClr val="A6AAA9"/>
                 </a:solidFill>
@@ -760,7 +770,7 @@
               <a:buSzTx/>
               <a:buFontTx/>
               <a:buNone/>
-              <a:defRPr cap="all" sz="7700">
+              <a:defRPr sz="7700" cap="all">
                 <a:solidFill>
                   <a:srgbClr val="A6AAA9"/>
                 </a:solidFill>
@@ -772,7 +782,6 @@
             </a:lvl5pPr>
           </a:lstStyle>
           <a:p>
-            <a:pPr/>
             <a:r>
               <a:t>Body Level One</a:t>
             </a:r>
@@ -806,7 +815,9 @@
       <p:sp>
         <p:nvSpPr>
           <p:cNvPr id="15" name="Slide Number"/>
-          <p:cNvSpPr txBox="1"/>
+          <p:cNvSpPr txBox="1">
+            <a:spLocks noGrp="1"/>
+          </p:cNvSpPr>
           <p:nvPr>
             <p:ph type="sldNum" sz="quarter" idx="2"/>
           </p:nvPr>
@@ -824,8 +835,10 @@
           <a:bodyPr/>
           <a:lstStyle/>
           <a:p>
-            <a:pPr/>
-            <a:fld id="{86CB4B4D-7CA3-9044-876B-883B54F8677D}" type="slidenum"/>
+            <a:fld id="{86CB4B4D-7CA3-9044-876B-883B54F8677D}" type="slidenum">
+              <a:t>‹#›</a:t>
+            </a:fld>
+            <a:endParaRPr/>
           </a:p>
         </p:txBody>
       </p:sp>
@@ -834,18 +847,19 @@
   <p:clrMapOvr>
     <a:masterClrMapping/>
   </p:clrMapOvr>
-  <p:transition xmlns:p14="http://schemas.microsoft.com/office/powerpoint/2010/main" spd="med" advClick="1"/>
+  <p:transition spd="med"/>
 </p:sldLayout>
 </file>
 
 <file path=ppt/slideLayouts/slideLayout10.xml><?xml version="1.0" encoding="utf-8"?>
-<p:sldLayout xmlns:a="http://schemas.openxmlformats.org/drawingml/2006/main" xmlns:r="http://schemas.openxmlformats.org/officeDocument/2006/relationships" xmlns:p="http://schemas.openxmlformats.org/presentationml/2006/main" xmlns:m="http://schemas.openxmlformats.org/officeDocument/2006/math" xmlns:a14="http://schemas.microsoft.com/office/drawing/2010/main" type="tx" showMasterSp="1" showMasterPhAnim="1">
+<p:sldLayout xmlns:a="http://schemas.openxmlformats.org/drawingml/2006/main" xmlns:r="http://schemas.openxmlformats.org/officeDocument/2006/relationships" xmlns:p="http://schemas.openxmlformats.org/presentationml/2006/main" type="tx">
   <p:cSld name="Bullets">
     <p:bg>
       <p:bgPr>
         <a:solidFill>
           <a:srgbClr val="222222"/>
         </a:solidFill>
+        <a:effectLst/>
       </p:bgPr>
     </p:bg>
     <p:spTree>
@@ -865,7 +879,9 @@
       <p:sp>
         <p:nvSpPr>
           <p:cNvPr id="102" name="Text"/>
-          <p:cNvSpPr txBox="1"/>
+          <p:cNvSpPr txBox="1">
+            <a:spLocks noGrp="1"/>
+          </p:cNvSpPr>
           <p:nvPr>
             <p:ph type="body" sz="quarter" idx="21"/>
           </p:nvPr>
@@ -895,7 +911,7 @@
               <a:buSzTx/>
               <a:buFontTx/>
               <a:buNone/>
-              <a:defRPr cap="all" spc="180" sz="3600">
+              <a:defRPr sz="3600" cap="all" spc="180">
                 <a:latin typeface="DIN Alternate Bold"/>
                 <a:ea typeface="DIN Alternate Bold"/>
                 <a:cs typeface="DIN Alternate Bold"/>
@@ -904,7 +920,6 @@
             </a:lvl1pPr>
           </a:lstStyle>
           <a:p>
-            <a:pPr/>
             <a:r>
               <a:t>Text</a:t>
             </a:r>
@@ -914,7 +929,9 @@
       <p:sp>
         <p:nvSpPr>
           <p:cNvPr id="103" name="Body Level One…"/>
-          <p:cNvSpPr txBox="1"/>
+          <p:cNvSpPr txBox="1">
+            <a:spLocks noGrp="1"/>
+          </p:cNvSpPr>
           <p:nvPr>
             <p:ph type="body" idx="1"/>
           </p:nvPr>
@@ -964,7 +981,6 @@
             </a:lvl5pPr>
           </a:lstStyle>
           <a:p>
-            <a:pPr/>
             <a:r>
               <a:t>Body Level One</a:t>
             </a:r>
@@ -998,7 +1014,9 @@
       <p:sp>
         <p:nvSpPr>
           <p:cNvPr id="104" name="Slide Number"/>
-          <p:cNvSpPr txBox="1"/>
+          <p:cNvSpPr txBox="1">
+            <a:spLocks noGrp="1"/>
+          </p:cNvSpPr>
           <p:nvPr>
             <p:ph type="sldNum" sz="quarter" idx="2"/>
           </p:nvPr>
@@ -1012,8 +1030,10 @@
           <a:bodyPr/>
           <a:lstStyle/>
           <a:p>
-            <a:pPr/>
-            <a:fld id="{86CB4B4D-7CA3-9044-876B-883B54F8677D}" type="slidenum"/>
+            <a:fld id="{86CB4B4D-7CA3-9044-876B-883B54F8677D}" type="slidenum">
+              <a:t>‹#›</a:t>
+            </a:fld>
+            <a:endParaRPr/>
           </a:p>
         </p:txBody>
       </p:sp>
@@ -1022,18 +1042,19 @@
   <p:clrMapOvr>
     <a:masterClrMapping/>
   </p:clrMapOvr>
-  <p:transition xmlns:p14="http://schemas.microsoft.com/office/powerpoint/2010/main" spd="med" advClick="1"/>
+  <p:transition spd="med"/>
 </p:sldLayout>
 </file>
 
 <file path=ppt/slideLayouts/slideLayout11.xml><?xml version="1.0" encoding="utf-8"?>
-<p:sldLayout xmlns:a="http://schemas.openxmlformats.org/drawingml/2006/main" xmlns:r="http://schemas.openxmlformats.org/officeDocument/2006/relationships" xmlns:p="http://schemas.openxmlformats.org/presentationml/2006/main" xmlns:m="http://schemas.openxmlformats.org/officeDocument/2006/math" xmlns:a14="http://schemas.microsoft.com/office/drawing/2010/main" type="tx" showMasterSp="0" showMasterPhAnim="1">
+<p:sldLayout xmlns:a="http://schemas.openxmlformats.org/drawingml/2006/main" xmlns:r="http://schemas.openxmlformats.org/officeDocument/2006/relationships" xmlns:p="http://schemas.openxmlformats.org/presentationml/2006/main" showMasterSp="0" type="tx">
   <p:cSld name="Photo - 3 Up">
     <p:bg>
       <p:bgPr>
         <a:solidFill>
           <a:srgbClr val="222222"/>
         </a:solidFill>
+        <a:effectLst/>
       </p:bgPr>
     </p:bg>
     <p:spTree>
@@ -1053,7 +1074,9 @@
       <p:sp>
         <p:nvSpPr>
           <p:cNvPr id="111" name="Black and white photo of a solar panel"/>
-          <p:cNvSpPr/>
+          <p:cNvSpPr>
+            <a:spLocks noGrp="1"/>
+          </p:cNvSpPr>
           <p:nvPr>
             <p:ph type="pic" sz="half" idx="21"/>
           </p:nvPr>
@@ -1073,14 +1096,16 @@
           </a:bodyPr>
           <a:lstStyle/>
           <a:p>
-            <a:pPr/>
+            <a:endParaRPr/>
           </a:p>
         </p:txBody>
       </p:sp>
       <p:sp>
         <p:nvSpPr>
           <p:cNvPr id="112" name="Black and white photo of water flowing over the spillway gates of a dam"/>
-          <p:cNvSpPr/>
+          <p:cNvSpPr>
+            <a:spLocks noGrp="1"/>
+          </p:cNvSpPr>
           <p:nvPr>
             <p:ph type="pic" sz="half" idx="22"/>
           </p:nvPr>
@@ -1100,14 +1125,16 @@
           </a:bodyPr>
           <a:lstStyle/>
           <a:p>
-            <a:pPr/>
+            <a:endParaRPr/>
           </a:p>
         </p:txBody>
       </p:sp>
       <p:sp>
         <p:nvSpPr>
           <p:cNvPr id="113" name="Black and white photo of windmills under a cloudy sky"/>
-          <p:cNvSpPr/>
+          <p:cNvSpPr>
+            <a:spLocks noGrp="1"/>
+          </p:cNvSpPr>
           <p:nvPr>
             <p:ph type="pic" idx="23"/>
           </p:nvPr>
@@ -1127,14 +1154,16 @@
           </a:bodyPr>
           <a:lstStyle/>
           <a:p>
-            <a:pPr/>
+            <a:endParaRPr/>
           </a:p>
         </p:txBody>
       </p:sp>
       <p:sp>
         <p:nvSpPr>
           <p:cNvPr id="114" name="Slide Number"/>
-          <p:cNvSpPr txBox="1"/>
+          <p:cNvSpPr txBox="1">
+            <a:spLocks noGrp="1"/>
+          </p:cNvSpPr>
           <p:nvPr>
             <p:ph type="sldNum" sz="quarter" idx="2"/>
           </p:nvPr>
@@ -1148,8 +1177,10 @@
           <a:bodyPr/>
           <a:lstStyle/>
           <a:p>
-            <a:pPr/>
-            <a:fld id="{86CB4B4D-7CA3-9044-876B-883B54F8677D}" type="slidenum"/>
+            <a:fld id="{86CB4B4D-7CA3-9044-876B-883B54F8677D}" type="slidenum">
+              <a:t>‹#›</a:t>
+            </a:fld>
+            <a:endParaRPr/>
           </a:p>
         </p:txBody>
       </p:sp>
@@ -1158,18 +1189,19 @@
   <p:clrMapOvr>
     <a:masterClrMapping/>
   </p:clrMapOvr>
-  <p:transition xmlns:p14="http://schemas.microsoft.com/office/powerpoint/2010/main" spd="med" advClick="1"/>
+  <p:transition spd="med"/>
 </p:sldLayout>
 </file>
 
 <file path=ppt/slideLayouts/slideLayout12.xml><?xml version="1.0" encoding="utf-8"?>
-<p:sldLayout xmlns:a="http://schemas.openxmlformats.org/drawingml/2006/main" xmlns:r="http://schemas.openxmlformats.org/officeDocument/2006/relationships" xmlns:p="http://schemas.openxmlformats.org/presentationml/2006/main" xmlns:m="http://schemas.openxmlformats.org/officeDocument/2006/math" xmlns:a14="http://schemas.microsoft.com/office/drawing/2010/main" type="tx" showMasterSp="1" showMasterPhAnim="1">
+<p:sldLayout xmlns:a="http://schemas.openxmlformats.org/drawingml/2006/main" xmlns:r="http://schemas.openxmlformats.org/officeDocument/2006/relationships" xmlns:p="http://schemas.openxmlformats.org/presentationml/2006/main" type="tx">
   <p:cSld name="Quote">
     <p:bg>
       <p:bgPr>
         <a:solidFill>
           <a:srgbClr val="222222"/>
         </a:solidFill>
+        <a:effectLst/>
       </p:bgPr>
     </p:bg>
     <p:spTree>
@@ -1217,7 +1249,7 @@
             </a:cxnLst>
             <a:rect l="0" t="0" r="r" b="b"/>
             <a:pathLst>
-              <a:path w="21600" h="21600" fill="norm" stroke="1" extrusionOk="0">
+              <a:path w="21600" h="21600" extrusionOk="0">
                 <a:moveTo>
                   <a:pt x="119" y="0"/>
                 </a:moveTo>
@@ -1284,7 +1316,7 @@
               <a:spcBef>
                 <a:spcPts val="0"/>
               </a:spcBef>
-              <a:defRPr cap="all" sz="4000">
+              <a:defRPr sz="4000" cap="all">
                 <a:solidFill>
                   <a:srgbClr val="FFFFFF"/>
                 </a:solidFill>
@@ -1294,13 +1326,16 @@
                 <a:sym typeface="DIN Condensed Bold"/>
               </a:defRPr>
             </a:pPr>
+            <a:endParaRPr/>
           </a:p>
         </p:txBody>
       </p:sp>
       <p:sp>
         <p:nvSpPr>
           <p:cNvPr id="122" name="Type a quote here."/>
-          <p:cNvSpPr txBox="1"/>
+          <p:cNvSpPr txBox="1">
+            <a:spLocks noGrp="1"/>
+          </p:cNvSpPr>
           <p:nvPr>
             <p:ph type="body" sz="quarter" idx="21"/>
           </p:nvPr>
@@ -1330,7 +1365,7 @@
               <a:buSzTx/>
               <a:buFontTx/>
               <a:buNone/>
-              <a:defRPr cap="all" sz="13400">
+              <a:defRPr sz="13400" cap="all">
                 <a:solidFill>
                   <a:srgbClr val="FFFFFF"/>
                 </a:solidFill>
@@ -1342,7 +1377,6 @@
             </a:lvl1pPr>
           </a:lstStyle>
           <a:p>
-            <a:pPr/>
             <a:r>
               <a:t>Type a quote here.</a:t>
             </a:r>
@@ -1352,7 +1386,9 @@
       <p:sp>
         <p:nvSpPr>
           <p:cNvPr id="123" name="Johnny Appleseed"/>
-          <p:cNvSpPr txBox="1"/>
+          <p:cNvSpPr txBox="1">
+            <a:spLocks noGrp="1"/>
+          </p:cNvSpPr>
           <p:nvPr>
             <p:ph type="body" sz="quarter" idx="22"/>
           </p:nvPr>
@@ -1391,7 +1427,6 @@
             </a:lvl1pPr>
           </a:lstStyle>
           <a:p>
-            <a:pPr/>
             <a:r>
               <a:t>Johnny Appleseed</a:t>
             </a:r>
@@ -1401,7 +1436,9 @@
       <p:sp>
         <p:nvSpPr>
           <p:cNvPr id="124" name="Text"/>
-          <p:cNvSpPr txBox="1"/>
+          <p:cNvSpPr txBox="1">
+            <a:spLocks noGrp="1"/>
+          </p:cNvSpPr>
           <p:nvPr>
             <p:ph type="body" sz="quarter" idx="23"/>
           </p:nvPr>
@@ -1431,7 +1468,7 @@
               <a:buSzTx/>
               <a:buFontTx/>
               <a:buNone/>
-              <a:defRPr cap="all" spc="180" sz="3600">
+              <a:defRPr sz="3600" cap="all" spc="180">
                 <a:latin typeface="DIN Alternate Bold"/>
                 <a:ea typeface="DIN Alternate Bold"/>
                 <a:cs typeface="DIN Alternate Bold"/>
@@ -1440,7 +1477,6 @@
             </a:lvl1pPr>
           </a:lstStyle>
           <a:p>
-            <a:pPr/>
             <a:r>
               <a:t>Text</a:t>
             </a:r>
@@ -1450,7 +1486,9 @@
       <p:sp>
         <p:nvSpPr>
           <p:cNvPr id="125" name="Slide Number"/>
-          <p:cNvSpPr txBox="1"/>
+          <p:cNvSpPr txBox="1">
+            <a:spLocks noGrp="1"/>
+          </p:cNvSpPr>
           <p:nvPr>
             <p:ph type="sldNum" sz="quarter" idx="2"/>
           </p:nvPr>
@@ -1464,8 +1502,10 @@
           <a:bodyPr/>
           <a:lstStyle/>
           <a:p>
-            <a:pPr/>
-            <a:fld id="{86CB4B4D-7CA3-9044-876B-883B54F8677D}" type="slidenum"/>
+            <a:fld id="{86CB4B4D-7CA3-9044-876B-883B54F8677D}" type="slidenum">
+              <a:t>‹#›</a:t>
+            </a:fld>
+            <a:endParaRPr/>
           </a:p>
         </p:txBody>
       </p:sp>
@@ -1474,18 +1514,19 @@
   <p:clrMapOvr>
     <a:masterClrMapping/>
   </p:clrMapOvr>
-  <p:transition xmlns:p14="http://schemas.microsoft.com/office/powerpoint/2010/main" spd="med" advClick="1"/>
+  <p:transition spd="med"/>
 </p:sldLayout>
 </file>
 
 <file path=ppt/slideLayouts/slideLayout13.xml><?xml version="1.0" encoding="utf-8"?>
-<p:sldLayout xmlns:a="http://schemas.openxmlformats.org/drawingml/2006/main" xmlns:r="http://schemas.openxmlformats.org/officeDocument/2006/relationships" xmlns:p="http://schemas.openxmlformats.org/presentationml/2006/main" xmlns:m="http://schemas.openxmlformats.org/officeDocument/2006/math" xmlns:a14="http://schemas.microsoft.com/office/drawing/2010/main" type="tx" showMasterSp="0" showMasterPhAnim="1">
+<p:sldLayout xmlns:a="http://schemas.openxmlformats.org/drawingml/2006/main" xmlns:r="http://schemas.openxmlformats.org/officeDocument/2006/relationships" xmlns:p="http://schemas.openxmlformats.org/presentationml/2006/main" showMasterSp="0" type="tx">
   <p:cSld name="Quote Alt">
     <p:bg>
       <p:bgPr>
         <a:solidFill>
           <a:schemeClr val="accent1"/>
         </a:solidFill>
+        <a:effectLst/>
       </p:bgPr>
     </p:bg>
     <p:spTree>
@@ -1505,7 +1546,9 @@
       <p:sp>
         <p:nvSpPr>
           <p:cNvPr id="132" name="Type a quote here."/>
-          <p:cNvSpPr txBox="1"/>
+          <p:cNvSpPr txBox="1">
+            <a:spLocks noGrp="1"/>
+          </p:cNvSpPr>
           <p:nvPr>
             <p:ph type="body" sz="quarter" idx="21"/>
           </p:nvPr>
@@ -1535,7 +1578,7 @@
               <a:buSzTx/>
               <a:buFontTx/>
               <a:buNone/>
-              <a:defRPr cap="all" sz="13400">
+              <a:defRPr sz="13400" cap="all">
                 <a:solidFill>
                   <a:srgbClr val="FFFFFF"/>
                 </a:solidFill>
@@ -1547,7 +1590,6 @@
             </a:lvl1pPr>
           </a:lstStyle>
           <a:p>
-            <a:pPr/>
             <a:r>
               <a:t>Type a quote here.</a:t>
             </a:r>
@@ -1557,7 +1599,9 @@
       <p:sp>
         <p:nvSpPr>
           <p:cNvPr id="133" name="Black and white photo of windmills under a cloudy sky"/>
-          <p:cNvSpPr/>
+          <p:cNvSpPr>
+            <a:spLocks noGrp="1"/>
+          </p:cNvSpPr>
           <p:nvPr>
             <p:ph type="pic" idx="22"/>
           </p:nvPr>
@@ -1577,14 +1621,16 @@
           </a:bodyPr>
           <a:lstStyle/>
           <a:p>
-            <a:pPr/>
+            <a:endParaRPr/>
           </a:p>
         </p:txBody>
       </p:sp>
       <p:sp>
         <p:nvSpPr>
           <p:cNvPr id="134" name="Johnny Appleseed"/>
-          <p:cNvSpPr txBox="1"/>
+          <p:cNvSpPr txBox="1">
+            <a:spLocks noGrp="1"/>
+          </p:cNvSpPr>
           <p:nvPr>
             <p:ph type="body" sz="quarter" idx="23"/>
           </p:nvPr>
@@ -1623,7 +1669,6 @@
             </a:lvl1pPr>
           </a:lstStyle>
           <a:p>
-            <a:pPr/>
             <a:r>
               <a:t>Johnny Appleseed</a:t>
             </a:r>
@@ -1633,7 +1678,9 @@
       <p:sp>
         <p:nvSpPr>
           <p:cNvPr id="135" name="Slide Number"/>
-          <p:cNvSpPr txBox="1"/>
+          <p:cNvSpPr txBox="1">
+            <a:spLocks noGrp="1"/>
+          </p:cNvSpPr>
           <p:nvPr>
             <p:ph type="sldNum" sz="quarter" idx="2"/>
           </p:nvPr>
@@ -1647,8 +1694,10 @@
           <a:bodyPr/>
           <a:lstStyle/>
           <a:p>
-            <a:pPr/>
-            <a:fld id="{86CB4B4D-7CA3-9044-876B-883B54F8677D}" type="slidenum"/>
+            <a:fld id="{86CB4B4D-7CA3-9044-876B-883B54F8677D}" type="slidenum">
+              <a:t>‹#›</a:t>
+            </a:fld>
+            <a:endParaRPr/>
           </a:p>
         </p:txBody>
       </p:sp>
@@ -1657,18 +1706,19 @@
   <p:clrMapOvr>
     <a:masterClrMapping/>
   </p:clrMapOvr>
-  <p:transition xmlns:p14="http://schemas.microsoft.com/office/powerpoint/2010/main" spd="med" advClick="1"/>
+  <p:transition spd="med"/>
 </p:sldLayout>
 </file>
 
 <file path=ppt/slideLayouts/slideLayout14.xml><?xml version="1.0" encoding="utf-8"?>
-<p:sldLayout xmlns:a="http://schemas.openxmlformats.org/drawingml/2006/main" xmlns:r="http://schemas.openxmlformats.org/officeDocument/2006/relationships" xmlns:p="http://schemas.openxmlformats.org/presentationml/2006/main" xmlns:m="http://schemas.openxmlformats.org/officeDocument/2006/math" xmlns:a14="http://schemas.microsoft.com/office/drawing/2010/main" type="tx" showMasterSp="0" showMasterPhAnim="1">
+<p:sldLayout xmlns:a="http://schemas.openxmlformats.org/drawingml/2006/main" xmlns:r="http://schemas.openxmlformats.org/officeDocument/2006/relationships" xmlns:p="http://schemas.openxmlformats.org/presentationml/2006/main" showMasterSp="0" type="tx">
   <p:cSld name="Photo">
     <p:bg>
       <p:bgPr>
         <a:solidFill>
           <a:srgbClr val="222222"/>
         </a:solidFill>
+        <a:effectLst/>
       </p:bgPr>
     </p:bg>
     <p:spTree>
@@ -1688,7 +1738,9 @@
       <p:sp>
         <p:nvSpPr>
           <p:cNvPr id="142" name="Black and white aerial photo of a person standing on top of a dam"/>
-          <p:cNvSpPr/>
+          <p:cNvSpPr>
+            <a:spLocks noGrp="1"/>
+          </p:cNvSpPr>
           <p:nvPr>
             <p:ph type="pic" idx="21"/>
           </p:nvPr>
@@ -1708,14 +1760,16 @@
           </a:bodyPr>
           <a:lstStyle/>
           <a:p>
-            <a:pPr/>
+            <a:endParaRPr/>
           </a:p>
         </p:txBody>
       </p:sp>
       <p:sp>
         <p:nvSpPr>
           <p:cNvPr id="143" name="Slide Number"/>
-          <p:cNvSpPr txBox="1"/>
+          <p:cNvSpPr txBox="1">
+            <a:spLocks noGrp="1"/>
+          </p:cNvSpPr>
           <p:nvPr>
             <p:ph type="sldNum" sz="quarter" idx="2"/>
           </p:nvPr>
@@ -1729,8 +1783,10 @@
           <a:bodyPr/>
           <a:lstStyle/>
           <a:p>
-            <a:pPr/>
-            <a:fld id="{86CB4B4D-7CA3-9044-876B-883B54F8677D}" type="slidenum"/>
+            <a:fld id="{86CB4B4D-7CA3-9044-876B-883B54F8677D}" type="slidenum">
+              <a:t>‹#›</a:t>
+            </a:fld>
+            <a:endParaRPr/>
           </a:p>
         </p:txBody>
       </p:sp>
@@ -1739,18 +1795,19 @@
   <p:clrMapOvr>
     <a:masterClrMapping/>
   </p:clrMapOvr>
-  <p:transition xmlns:p14="http://schemas.microsoft.com/office/powerpoint/2010/main" spd="med" advClick="1"/>
+  <p:transition spd="med"/>
 </p:sldLayout>
 </file>
 
 <file path=ppt/slideLayouts/slideLayout15.xml><?xml version="1.0" encoding="utf-8"?>
-<p:sldLayout xmlns:a="http://schemas.openxmlformats.org/drawingml/2006/main" xmlns:r="http://schemas.openxmlformats.org/officeDocument/2006/relationships" xmlns:p="http://schemas.openxmlformats.org/presentationml/2006/main" xmlns:m="http://schemas.openxmlformats.org/officeDocument/2006/math" xmlns:a14="http://schemas.microsoft.com/office/drawing/2010/main" type="tx" showMasterSp="0" showMasterPhAnim="1">
+<p:sldLayout xmlns:a="http://schemas.openxmlformats.org/drawingml/2006/main" xmlns:r="http://schemas.openxmlformats.org/officeDocument/2006/relationships" xmlns:p="http://schemas.openxmlformats.org/presentationml/2006/main" showMasterSp="0" type="tx">
   <p:cSld name="Blank">
     <p:bg>
       <p:bgPr>
         <a:solidFill>
           <a:srgbClr val="222222"/>
         </a:solidFill>
+        <a:effectLst/>
       </p:bgPr>
     </p:bg>
     <p:spTree>
@@ -1770,7 +1827,9 @@
       <p:sp>
         <p:nvSpPr>
           <p:cNvPr id="150" name="Slide Number"/>
-          <p:cNvSpPr txBox="1"/>
+          <p:cNvSpPr txBox="1">
+            <a:spLocks noGrp="1"/>
+          </p:cNvSpPr>
           <p:nvPr>
             <p:ph type="sldNum" sz="quarter" idx="2"/>
           </p:nvPr>
@@ -1784,8 +1843,10 @@
           <a:bodyPr/>
           <a:lstStyle/>
           <a:p>
-            <a:pPr/>
-            <a:fld id="{86CB4B4D-7CA3-9044-876B-883B54F8677D}" type="slidenum"/>
+            <a:fld id="{86CB4B4D-7CA3-9044-876B-883B54F8677D}" type="slidenum">
+              <a:t>‹#›</a:t>
+            </a:fld>
+            <a:endParaRPr/>
           </a:p>
         </p:txBody>
       </p:sp>
@@ -1794,12 +1855,12 @@
   <p:clrMapOvr>
     <a:masterClrMapping/>
   </p:clrMapOvr>
-  <p:transition xmlns:p14="http://schemas.microsoft.com/office/powerpoint/2010/main" spd="med" advClick="1"/>
+  <p:transition spd="med"/>
 </p:sldLayout>
 </file>
 
 <file path=ppt/slideLayouts/slideLayout16.xml><?xml version="1.0" encoding="utf-8"?>
-<p:sldLayout xmlns:a="http://schemas.openxmlformats.org/drawingml/2006/main" xmlns:r="http://schemas.openxmlformats.org/officeDocument/2006/relationships" xmlns:p="http://schemas.openxmlformats.org/presentationml/2006/main" xmlns:m="http://schemas.openxmlformats.org/officeDocument/2006/math" xmlns:a14="http://schemas.microsoft.com/office/drawing/2010/main" type="tx" showMasterSp="0" showMasterPhAnim="1">
+<p:sldLayout xmlns:a="http://schemas.openxmlformats.org/drawingml/2006/main" xmlns:r="http://schemas.openxmlformats.org/officeDocument/2006/relationships" xmlns:p="http://schemas.openxmlformats.org/presentationml/2006/main" showMasterSp="0" type="tx">
   <p:cSld name="Blank Alt">
     <p:spTree>
       <p:nvGrpSpPr>
@@ -1818,7 +1879,9 @@
       <p:sp>
         <p:nvSpPr>
           <p:cNvPr id="157" name="Slide Number"/>
-          <p:cNvSpPr txBox="1"/>
+          <p:cNvSpPr txBox="1">
+            <a:spLocks noGrp="1"/>
+          </p:cNvSpPr>
           <p:nvPr>
             <p:ph type="sldNum" sz="quarter" idx="2"/>
           </p:nvPr>
@@ -1832,8 +1895,10 @@
           <a:bodyPr/>
           <a:lstStyle/>
           <a:p>
-            <a:pPr/>
-            <a:fld id="{86CB4B4D-7CA3-9044-876B-883B54F8677D}" type="slidenum"/>
+            <a:fld id="{86CB4B4D-7CA3-9044-876B-883B54F8677D}" type="slidenum">
+              <a:t>‹#›</a:t>
+            </a:fld>
+            <a:endParaRPr/>
           </a:p>
         </p:txBody>
       </p:sp>
@@ -1842,18 +1907,19 @@
   <p:clrMapOvr>
     <a:masterClrMapping/>
   </p:clrMapOvr>
-  <p:transition xmlns:p14="http://schemas.microsoft.com/office/powerpoint/2010/main" spd="med" advClick="1"/>
+  <p:transition spd="med"/>
 </p:sldLayout>
 </file>
 
 <file path=ppt/slideLayouts/slideLayout2.xml><?xml version="1.0" encoding="utf-8"?>
-<p:sldLayout xmlns:a="http://schemas.openxmlformats.org/drawingml/2006/main" xmlns:r="http://schemas.openxmlformats.org/officeDocument/2006/relationships" xmlns:p="http://schemas.openxmlformats.org/presentationml/2006/main" xmlns:m="http://schemas.openxmlformats.org/officeDocument/2006/math" xmlns:a14="http://schemas.microsoft.com/office/drawing/2010/main" type="tx" showMasterSp="0" showMasterPhAnim="1">
+<p:sldLayout xmlns:a="http://schemas.openxmlformats.org/drawingml/2006/main" xmlns:r="http://schemas.openxmlformats.org/officeDocument/2006/relationships" xmlns:p="http://schemas.openxmlformats.org/presentationml/2006/main" showMasterSp="0" type="tx">
   <p:cSld name="Photo - Horizontal">
     <p:bg>
       <p:bgPr>
         <a:solidFill>
           <a:srgbClr val="222222"/>
         </a:solidFill>
+        <a:effectLst/>
       </p:bgPr>
     </p:bg>
     <p:spTree>
@@ -1873,7 +1939,9 @@
       <p:sp>
         <p:nvSpPr>
           <p:cNvPr id="22" name="Black and white aerial photo of a person standing on top of a dam"/>
-          <p:cNvSpPr/>
+          <p:cNvSpPr>
+            <a:spLocks noGrp="1"/>
+          </p:cNvSpPr>
           <p:nvPr>
             <p:ph type="pic" idx="21"/>
           </p:nvPr>
@@ -1893,7 +1961,7 @@
           </a:bodyPr>
           <a:lstStyle/>
           <a:p>
-            <a:pPr/>
+            <a:endParaRPr/>
           </a:p>
         </p:txBody>
       </p:sp>
@@ -1936,13 +2004,16 @@
                 <a:sym typeface="Helvetica"/>
               </a:defRPr>
             </a:pPr>
+            <a:endParaRPr/>
           </a:p>
         </p:txBody>
       </p:sp>
       <p:sp>
         <p:nvSpPr>
           <p:cNvPr id="24" name="Title Text"/>
-          <p:cNvSpPr txBox="1"/>
+          <p:cNvSpPr txBox="1">
+            <a:spLocks noGrp="1"/>
+          </p:cNvSpPr>
           <p:nvPr>
             <p:ph type="title"/>
           </p:nvPr>
@@ -1967,7 +2038,6 @@
             </a:lvl1pPr>
           </a:lstStyle>
           <a:p>
-            <a:pPr/>
             <a:r>
               <a:t>Title Text</a:t>
             </a:r>
@@ -1977,7 +2047,9 @@
       <p:sp>
         <p:nvSpPr>
           <p:cNvPr id="25" name="Body Level One…"/>
-          <p:cNvSpPr txBox="1"/>
+          <p:cNvSpPr txBox="1">
+            <a:spLocks noGrp="1"/>
+          </p:cNvSpPr>
           <p:nvPr>
             <p:ph type="body" sz="quarter" idx="1"/>
           </p:nvPr>
@@ -2005,7 +2077,7 @@
               <a:buSzTx/>
               <a:buFontTx/>
               <a:buNone/>
-              <a:defRPr cap="all" sz="7700">
+              <a:defRPr sz="7700" cap="all">
                 <a:solidFill>
                   <a:srgbClr val="A6AAA9"/>
                 </a:solidFill>
@@ -2026,7 +2098,7 @@
               <a:buSzTx/>
               <a:buFontTx/>
               <a:buNone/>
-              <a:defRPr cap="all" sz="7700">
+              <a:defRPr sz="7700" cap="all">
                 <a:solidFill>
                   <a:srgbClr val="A6AAA9"/>
                 </a:solidFill>
@@ -2047,7 +2119,7 @@
               <a:buSzTx/>
               <a:buFontTx/>
               <a:buNone/>
-              <a:defRPr cap="all" sz="7700">
+              <a:defRPr sz="7700" cap="all">
                 <a:solidFill>
                   <a:srgbClr val="A6AAA9"/>
                 </a:solidFill>
@@ -2068,7 +2140,7 @@
               <a:buSzTx/>
               <a:buFontTx/>
               <a:buNone/>
-              <a:defRPr cap="all" sz="7700">
+              <a:defRPr sz="7700" cap="all">
                 <a:solidFill>
                   <a:srgbClr val="A6AAA9"/>
                 </a:solidFill>
@@ -2089,7 +2161,7 @@
               <a:buSzTx/>
               <a:buFontTx/>
               <a:buNone/>
-              <a:defRPr cap="all" sz="7700">
+              <a:defRPr sz="7700" cap="all">
                 <a:solidFill>
                   <a:srgbClr val="A6AAA9"/>
                 </a:solidFill>
@@ -2101,7 +2173,6 @@
             </a:lvl5pPr>
           </a:lstStyle>
           <a:p>
-            <a:pPr/>
             <a:r>
               <a:t>Body Level One</a:t>
             </a:r>
@@ -2135,7 +2206,9 @@
       <p:sp>
         <p:nvSpPr>
           <p:cNvPr id="26" name="Slide Number"/>
-          <p:cNvSpPr txBox="1"/>
+          <p:cNvSpPr txBox="1">
+            <a:spLocks noGrp="1"/>
+          </p:cNvSpPr>
           <p:nvPr>
             <p:ph type="sldNum" sz="quarter" idx="2"/>
           </p:nvPr>
@@ -2153,8 +2226,10 @@
           <a:bodyPr/>
           <a:lstStyle/>
           <a:p>
-            <a:pPr/>
-            <a:fld id="{86CB4B4D-7CA3-9044-876B-883B54F8677D}" type="slidenum"/>
+            <a:fld id="{86CB4B4D-7CA3-9044-876B-883B54F8677D}" type="slidenum">
+              <a:t>‹#›</a:t>
+            </a:fld>
+            <a:endParaRPr/>
           </a:p>
         </p:txBody>
       </p:sp>
@@ -2163,12 +2238,12 @@
   <p:clrMapOvr>
     <a:masterClrMapping/>
   </p:clrMapOvr>
-  <p:transition xmlns:p14="http://schemas.microsoft.com/office/powerpoint/2010/main" spd="med" advClick="1"/>
+  <p:transition spd="med"/>
 </p:sldLayout>
 </file>
 
 <file path=ppt/slideLayouts/slideLayout3.xml><?xml version="1.0" encoding="utf-8"?>
-<p:sldLayout xmlns:a="http://schemas.openxmlformats.org/drawingml/2006/main" xmlns:r="http://schemas.openxmlformats.org/officeDocument/2006/relationships" xmlns:p="http://schemas.openxmlformats.org/presentationml/2006/main" xmlns:m="http://schemas.openxmlformats.org/officeDocument/2006/math" xmlns:a14="http://schemas.microsoft.com/office/drawing/2010/main" type="tx" showMasterSp="0" showMasterPhAnim="1">
+<p:sldLayout xmlns:a="http://schemas.openxmlformats.org/drawingml/2006/main" xmlns:r="http://schemas.openxmlformats.org/officeDocument/2006/relationships" xmlns:p="http://schemas.openxmlformats.org/presentationml/2006/main" showMasterSp="0" type="tx">
   <p:cSld name="Title &amp; Subtitle Alt">
     <p:spTree>
       <p:nvGrpSpPr>
@@ -2223,13 +2298,16 @@
                 <a:sym typeface="Helvetica"/>
               </a:defRPr>
             </a:pPr>
+            <a:endParaRPr/>
           </a:p>
         </p:txBody>
       </p:sp>
       <p:sp>
         <p:nvSpPr>
           <p:cNvPr id="34" name="Title Text"/>
-          <p:cNvSpPr txBox="1"/>
+          <p:cNvSpPr txBox="1">
+            <a:spLocks noGrp="1"/>
+          </p:cNvSpPr>
           <p:nvPr>
             <p:ph type="title"/>
           </p:nvPr>
@@ -2254,7 +2332,6 @@
             </a:lvl1pPr>
           </a:lstStyle>
           <a:p>
-            <a:pPr/>
             <a:r>
               <a:t>Title Text</a:t>
             </a:r>
@@ -2264,7 +2341,9 @@
       <p:sp>
         <p:nvSpPr>
           <p:cNvPr id="35" name="Body Level One…"/>
-          <p:cNvSpPr txBox="1"/>
+          <p:cNvSpPr txBox="1">
+            <a:spLocks noGrp="1"/>
+          </p:cNvSpPr>
           <p:nvPr>
             <p:ph type="body" sz="quarter" idx="1"/>
           </p:nvPr>
@@ -2292,7 +2371,7 @@
               <a:buSzTx/>
               <a:buFontTx/>
               <a:buNone/>
-              <a:defRPr cap="all" sz="7700">
+              <a:defRPr sz="7700" cap="all">
                 <a:solidFill>
                   <a:srgbClr val="A6AAA9"/>
                 </a:solidFill>
@@ -2313,7 +2392,7 @@
               <a:buSzTx/>
               <a:buFontTx/>
               <a:buNone/>
-              <a:defRPr cap="all" sz="7700">
+              <a:defRPr sz="7700" cap="all">
                 <a:solidFill>
                   <a:srgbClr val="A6AAA9"/>
                 </a:solidFill>
@@ -2334,7 +2413,7 @@
               <a:buSzTx/>
               <a:buFontTx/>
               <a:buNone/>
-              <a:defRPr cap="all" sz="7700">
+              <a:defRPr sz="7700" cap="all">
                 <a:solidFill>
                   <a:srgbClr val="A6AAA9"/>
                 </a:solidFill>
@@ -2355,7 +2434,7 @@
               <a:buSzTx/>
               <a:buFontTx/>
               <a:buNone/>
-              <a:defRPr cap="all" sz="7700">
+              <a:defRPr sz="7700" cap="all">
                 <a:solidFill>
                   <a:srgbClr val="A6AAA9"/>
                 </a:solidFill>
@@ -2376,7 +2455,7 @@
               <a:buSzTx/>
               <a:buFontTx/>
               <a:buNone/>
-              <a:defRPr cap="all" sz="7700">
+              <a:defRPr sz="7700" cap="all">
                 <a:solidFill>
                   <a:srgbClr val="A6AAA9"/>
                 </a:solidFill>
@@ -2388,7 +2467,6 @@
             </a:lvl5pPr>
           </a:lstStyle>
           <a:p>
-            <a:pPr/>
             <a:r>
               <a:t>Body Level One</a:t>
             </a:r>
@@ -2422,7 +2500,9 @@
       <p:sp>
         <p:nvSpPr>
           <p:cNvPr id="36" name="Slide Number"/>
-          <p:cNvSpPr txBox="1"/>
+          <p:cNvSpPr txBox="1">
+            <a:spLocks noGrp="1"/>
+          </p:cNvSpPr>
           <p:nvPr>
             <p:ph type="sldNum" sz="quarter" idx="2"/>
           </p:nvPr>
@@ -2440,8 +2520,10 @@
           <a:bodyPr/>
           <a:lstStyle/>
           <a:p>
-            <a:pPr/>
-            <a:fld id="{86CB4B4D-7CA3-9044-876B-883B54F8677D}" type="slidenum"/>
+            <a:fld id="{86CB4B4D-7CA3-9044-876B-883B54F8677D}" type="slidenum">
+              <a:t>‹#›</a:t>
+            </a:fld>
+            <a:endParaRPr/>
           </a:p>
         </p:txBody>
       </p:sp>
@@ -2450,18 +2532,19 @@
   <p:clrMapOvr>
     <a:masterClrMapping/>
   </p:clrMapOvr>
-  <p:transition xmlns:p14="http://schemas.microsoft.com/office/powerpoint/2010/main" spd="med" advClick="1"/>
+  <p:transition spd="med"/>
 </p:sldLayout>
 </file>
 
 <file path=ppt/slideLayouts/slideLayout4.xml><?xml version="1.0" encoding="utf-8"?>
-<p:sldLayout xmlns:a="http://schemas.openxmlformats.org/drawingml/2006/main" xmlns:r="http://schemas.openxmlformats.org/officeDocument/2006/relationships" xmlns:p="http://schemas.openxmlformats.org/presentationml/2006/main" xmlns:m="http://schemas.openxmlformats.org/officeDocument/2006/math" xmlns:a14="http://schemas.microsoft.com/office/drawing/2010/main" type="tx" showMasterSp="0" showMasterPhAnim="1">
+<p:sldLayout xmlns:a="http://schemas.openxmlformats.org/drawingml/2006/main" xmlns:r="http://schemas.openxmlformats.org/officeDocument/2006/relationships" xmlns:p="http://schemas.openxmlformats.org/presentationml/2006/main" showMasterSp="0" type="tx">
   <p:cSld name="Title - Center">
     <p:bg>
       <p:bgPr>
         <a:solidFill>
           <a:srgbClr val="222222"/>
         </a:solidFill>
+        <a:effectLst/>
       </p:bgPr>
     </p:bg>
     <p:spTree>
@@ -2481,7 +2564,9 @@
       <p:sp>
         <p:nvSpPr>
           <p:cNvPr id="43" name="Title Text"/>
-          <p:cNvSpPr txBox="1"/>
+          <p:cNvSpPr txBox="1">
+            <a:spLocks noGrp="1"/>
+          </p:cNvSpPr>
           <p:nvPr>
             <p:ph type="title"/>
           </p:nvPr>
@@ -2506,7 +2591,6 @@
             </a:lvl1pPr>
           </a:lstStyle>
           <a:p>
-            <a:pPr/>
             <a:r>
               <a:t>Title Text</a:t>
             </a:r>
@@ -2516,7 +2600,9 @@
       <p:sp>
         <p:nvSpPr>
           <p:cNvPr id="44" name="Slide Number"/>
-          <p:cNvSpPr txBox="1"/>
+          <p:cNvSpPr txBox="1">
+            <a:spLocks noGrp="1"/>
+          </p:cNvSpPr>
           <p:nvPr>
             <p:ph type="sldNum" sz="quarter" idx="2"/>
           </p:nvPr>
@@ -2534,8 +2620,10 @@
           <a:bodyPr/>
           <a:lstStyle/>
           <a:p>
-            <a:pPr/>
-            <a:fld id="{86CB4B4D-7CA3-9044-876B-883B54F8677D}" type="slidenum"/>
+            <a:fld id="{86CB4B4D-7CA3-9044-876B-883B54F8677D}" type="slidenum">
+              <a:t>‹#›</a:t>
+            </a:fld>
+            <a:endParaRPr/>
           </a:p>
         </p:txBody>
       </p:sp>
@@ -2544,18 +2632,19 @@
   <p:clrMapOvr>
     <a:masterClrMapping/>
   </p:clrMapOvr>
-  <p:transition xmlns:p14="http://schemas.microsoft.com/office/powerpoint/2010/main" spd="med" advClick="1"/>
+  <p:transition spd="med"/>
 </p:sldLayout>
 </file>
 
 <file path=ppt/slideLayouts/slideLayout5.xml><?xml version="1.0" encoding="utf-8"?>
-<p:sldLayout xmlns:a="http://schemas.openxmlformats.org/drawingml/2006/main" xmlns:r="http://schemas.openxmlformats.org/officeDocument/2006/relationships" xmlns:p="http://schemas.openxmlformats.org/presentationml/2006/main" xmlns:m="http://schemas.openxmlformats.org/officeDocument/2006/math" xmlns:a14="http://schemas.microsoft.com/office/drawing/2010/main" type="tx" showMasterSp="0" showMasterPhAnim="1">
+<p:sldLayout xmlns:a="http://schemas.openxmlformats.org/drawingml/2006/main" xmlns:r="http://schemas.openxmlformats.org/officeDocument/2006/relationships" xmlns:p="http://schemas.openxmlformats.org/presentationml/2006/main" showMasterSp="0" type="tx">
   <p:cSld name="Photo - Vertical">
     <p:bg>
       <p:bgPr>
         <a:solidFill>
           <a:srgbClr val="222222"/>
         </a:solidFill>
+        <a:effectLst/>
       </p:bgPr>
     </p:bg>
     <p:spTree>
@@ -2611,13 +2700,16 @@
                 <a:sym typeface="Helvetica"/>
               </a:defRPr>
             </a:pPr>
+            <a:endParaRPr/>
           </a:p>
         </p:txBody>
       </p:sp>
       <p:sp>
         <p:nvSpPr>
           <p:cNvPr id="52" name="Black and white photo of windmills under a cloudy sky"/>
-          <p:cNvSpPr/>
+          <p:cNvSpPr>
+            <a:spLocks noGrp="1"/>
+          </p:cNvSpPr>
           <p:nvPr>
             <p:ph type="pic" idx="21"/>
           </p:nvPr>
@@ -2637,14 +2729,16 @@
           </a:bodyPr>
           <a:lstStyle/>
           <a:p>
-            <a:pPr/>
+            <a:endParaRPr/>
           </a:p>
         </p:txBody>
       </p:sp>
       <p:sp>
         <p:nvSpPr>
           <p:cNvPr id="53" name="Title Text"/>
-          <p:cNvSpPr txBox="1"/>
+          <p:cNvSpPr txBox="1">
+            <a:spLocks noGrp="1"/>
+          </p:cNvSpPr>
           <p:nvPr>
             <p:ph type="title"/>
           </p:nvPr>
@@ -2669,7 +2763,6 @@
             </a:lvl1pPr>
           </a:lstStyle>
           <a:p>
-            <a:pPr/>
             <a:r>
               <a:t>Title Text</a:t>
             </a:r>
@@ -2679,7 +2772,9 @@
       <p:sp>
         <p:nvSpPr>
           <p:cNvPr id="54" name="Body Level One…"/>
-          <p:cNvSpPr txBox="1"/>
+          <p:cNvSpPr txBox="1">
+            <a:spLocks noGrp="1"/>
+          </p:cNvSpPr>
           <p:nvPr>
             <p:ph type="body" sz="quarter" idx="1"/>
           </p:nvPr>
@@ -2707,7 +2802,7 @@
               <a:buSzTx/>
               <a:buFontTx/>
               <a:buNone/>
-              <a:defRPr cap="all" sz="7700">
+              <a:defRPr sz="7700" cap="all">
                 <a:solidFill>
                   <a:srgbClr val="A6AAA9"/>
                 </a:solidFill>
@@ -2728,7 +2823,7 @@
               <a:buSzTx/>
               <a:buFontTx/>
               <a:buNone/>
-              <a:defRPr cap="all" sz="7700">
+              <a:defRPr sz="7700" cap="all">
                 <a:solidFill>
                   <a:srgbClr val="A6AAA9"/>
                 </a:solidFill>
@@ -2749,7 +2844,7 @@
               <a:buSzTx/>
               <a:buFontTx/>
               <a:buNone/>
-              <a:defRPr cap="all" sz="7700">
+              <a:defRPr sz="7700" cap="all">
                 <a:solidFill>
                   <a:srgbClr val="A6AAA9"/>
                 </a:solidFill>
@@ -2770,7 +2865,7 @@
               <a:buSzTx/>
               <a:buFontTx/>
               <a:buNone/>
-              <a:defRPr cap="all" sz="7700">
+              <a:defRPr sz="7700" cap="all">
                 <a:solidFill>
                   <a:srgbClr val="A6AAA9"/>
                 </a:solidFill>
@@ -2791,7 +2886,7 @@
               <a:buSzTx/>
               <a:buFontTx/>
               <a:buNone/>
-              <a:defRPr cap="all" sz="7700">
+              <a:defRPr sz="7700" cap="all">
                 <a:solidFill>
                   <a:srgbClr val="A6AAA9"/>
                 </a:solidFill>
@@ -2803,7 +2898,6 @@
             </a:lvl5pPr>
           </a:lstStyle>
           <a:p>
-            <a:pPr/>
             <a:r>
               <a:t>Body Level One</a:t>
             </a:r>
@@ -2837,7 +2931,9 @@
       <p:sp>
         <p:nvSpPr>
           <p:cNvPr id="55" name="Slide Number"/>
-          <p:cNvSpPr txBox="1"/>
+          <p:cNvSpPr txBox="1">
+            <a:spLocks noGrp="1"/>
+          </p:cNvSpPr>
           <p:nvPr>
             <p:ph type="sldNum" sz="quarter" idx="2"/>
           </p:nvPr>
@@ -2855,8 +2951,10 @@
           <a:bodyPr/>
           <a:lstStyle/>
           <a:p>
-            <a:pPr/>
-            <a:fld id="{86CB4B4D-7CA3-9044-876B-883B54F8677D}" type="slidenum"/>
+            <a:fld id="{86CB4B4D-7CA3-9044-876B-883B54F8677D}" type="slidenum">
+              <a:t>‹#›</a:t>
+            </a:fld>
+            <a:endParaRPr/>
           </a:p>
         </p:txBody>
       </p:sp>
@@ -2865,12 +2963,12 @@
   <p:clrMapOvr>
     <a:masterClrMapping/>
   </p:clrMapOvr>
-  <p:transition xmlns:p14="http://schemas.microsoft.com/office/powerpoint/2010/main" spd="med" advClick="1"/>
+  <p:transition spd="med"/>
 </p:sldLayout>
 </file>
 
 <file path=ppt/slideLayouts/slideLayout6.xml><?xml version="1.0" encoding="utf-8"?>
-<p:sldLayout xmlns:a="http://schemas.openxmlformats.org/drawingml/2006/main" xmlns:r="http://schemas.openxmlformats.org/officeDocument/2006/relationships" xmlns:p="http://schemas.openxmlformats.org/presentationml/2006/main" xmlns:m="http://schemas.openxmlformats.org/officeDocument/2006/math" xmlns:a14="http://schemas.microsoft.com/office/drawing/2010/main" type="tx" showMasterSp="1" showMasterPhAnim="1">
+<p:sldLayout xmlns:a="http://schemas.openxmlformats.org/drawingml/2006/main" xmlns:r="http://schemas.openxmlformats.org/officeDocument/2006/relationships" xmlns:p="http://schemas.openxmlformats.org/presentationml/2006/main" type="tx">
   <p:cSld name="Title - Top">
     <p:spTree>
       <p:nvGrpSpPr>
@@ -2889,7 +2987,9 @@
       <p:sp>
         <p:nvSpPr>
           <p:cNvPr id="62" name="Text"/>
-          <p:cNvSpPr txBox="1"/>
+          <p:cNvSpPr txBox="1">
+            <a:spLocks noGrp="1"/>
+          </p:cNvSpPr>
           <p:nvPr>
             <p:ph type="body" sz="quarter" idx="21"/>
           </p:nvPr>
@@ -2919,7 +3019,7 @@
               <a:buSzTx/>
               <a:buFontTx/>
               <a:buNone/>
-              <a:defRPr cap="all" spc="180" sz="3600">
+              <a:defRPr sz="3600" cap="all" spc="180">
                 <a:latin typeface="DIN Alternate Bold"/>
                 <a:ea typeface="DIN Alternate Bold"/>
                 <a:cs typeface="DIN Alternate Bold"/>
@@ -2928,7 +3028,6 @@
             </a:lvl1pPr>
           </a:lstStyle>
           <a:p>
-            <a:pPr/>
             <a:r>
               <a:t>Text</a:t>
             </a:r>
@@ -2938,7 +3037,9 @@
       <p:sp>
         <p:nvSpPr>
           <p:cNvPr id="63" name="Title Text"/>
-          <p:cNvSpPr txBox="1"/>
+          <p:cNvSpPr txBox="1">
+            <a:spLocks noGrp="1"/>
+          </p:cNvSpPr>
           <p:nvPr>
             <p:ph type="title"/>
           </p:nvPr>
@@ -2952,7 +3053,6 @@
           <a:bodyPr/>
           <a:lstStyle/>
           <a:p>
-            <a:pPr/>
             <a:r>
               <a:t>Title Text</a:t>
             </a:r>
@@ -2962,7 +3062,9 @@
       <p:sp>
         <p:nvSpPr>
           <p:cNvPr id="64" name="Slide Number"/>
-          <p:cNvSpPr txBox="1"/>
+          <p:cNvSpPr txBox="1">
+            <a:spLocks noGrp="1"/>
+          </p:cNvSpPr>
           <p:nvPr>
             <p:ph type="sldNum" sz="quarter" idx="2"/>
           </p:nvPr>
@@ -2976,8 +3078,10 @@
           <a:bodyPr/>
           <a:lstStyle/>
           <a:p>
-            <a:pPr/>
-            <a:fld id="{86CB4B4D-7CA3-9044-876B-883B54F8677D}" type="slidenum"/>
+            <a:fld id="{86CB4B4D-7CA3-9044-876B-883B54F8677D}" type="slidenum">
+              <a:t>‹#›</a:t>
+            </a:fld>
+            <a:endParaRPr/>
           </a:p>
         </p:txBody>
       </p:sp>
@@ -2986,18 +3090,19 @@
   <p:clrMapOvr>
     <a:masterClrMapping/>
   </p:clrMapOvr>
-  <p:transition xmlns:p14="http://schemas.microsoft.com/office/powerpoint/2010/main" spd="med" advClick="1"/>
+  <p:transition spd="med"/>
 </p:sldLayout>
 </file>
 
 <file path=ppt/slideLayouts/slideLayout7.xml><?xml version="1.0" encoding="utf-8"?>
-<p:sldLayout xmlns:a="http://schemas.openxmlformats.org/drawingml/2006/main" xmlns:r="http://schemas.openxmlformats.org/officeDocument/2006/relationships" xmlns:p="http://schemas.openxmlformats.org/presentationml/2006/main" xmlns:m="http://schemas.openxmlformats.org/officeDocument/2006/math" xmlns:a14="http://schemas.microsoft.com/office/drawing/2010/main" type="tx" showMasterSp="1" showMasterPhAnim="1">
+<p:sldLayout xmlns:a="http://schemas.openxmlformats.org/drawingml/2006/main" xmlns:r="http://schemas.openxmlformats.org/officeDocument/2006/relationships" xmlns:p="http://schemas.openxmlformats.org/presentationml/2006/main" type="tx">
   <p:cSld name="Title &amp; Bullets">
     <p:bg>
       <p:bgPr>
         <a:solidFill>
           <a:srgbClr val="222222"/>
         </a:solidFill>
+        <a:effectLst/>
       </p:bgPr>
     </p:bg>
     <p:spTree>
@@ -3017,7 +3122,9 @@
       <p:sp>
         <p:nvSpPr>
           <p:cNvPr id="71" name="Text"/>
-          <p:cNvSpPr txBox="1"/>
+          <p:cNvSpPr txBox="1">
+            <a:spLocks noGrp="1"/>
+          </p:cNvSpPr>
           <p:nvPr>
             <p:ph type="body" sz="quarter" idx="21"/>
           </p:nvPr>
@@ -3047,7 +3154,7 @@
               <a:buSzTx/>
               <a:buFontTx/>
               <a:buNone/>
-              <a:defRPr cap="all" spc="180" sz="3600">
+              <a:defRPr sz="3600" cap="all" spc="180">
                 <a:latin typeface="DIN Alternate Bold"/>
                 <a:ea typeface="DIN Alternate Bold"/>
                 <a:cs typeface="DIN Alternate Bold"/>
@@ -3056,7 +3163,6 @@
             </a:lvl1pPr>
           </a:lstStyle>
           <a:p>
-            <a:pPr/>
             <a:r>
               <a:t>Text</a:t>
             </a:r>
@@ -3066,7 +3172,9 @@
       <p:sp>
         <p:nvSpPr>
           <p:cNvPr id="72" name="Title Text"/>
-          <p:cNvSpPr txBox="1"/>
+          <p:cNvSpPr txBox="1">
+            <a:spLocks noGrp="1"/>
+          </p:cNvSpPr>
           <p:nvPr>
             <p:ph type="title"/>
           </p:nvPr>
@@ -3080,7 +3188,6 @@
           <a:bodyPr/>
           <a:lstStyle/>
           <a:p>
-            <a:pPr/>
             <a:r>
               <a:t>Title Text</a:t>
             </a:r>
@@ -3090,7 +3197,9 @@
       <p:sp>
         <p:nvSpPr>
           <p:cNvPr id="73" name="Body Level One…"/>
-          <p:cNvSpPr txBox="1"/>
+          <p:cNvSpPr txBox="1">
+            <a:spLocks noGrp="1"/>
+          </p:cNvSpPr>
           <p:nvPr>
             <p:ph type="body" idx="1"/>
           </p:nvPr>
@@ -3135,7 +3244,6 @@
             </a:lvl5pPr>
           </a:lstStyle>
           <a:p>
-            <a:pPr/>
             <a:r>
               <a:t>Body Level One</a:t>
             </a:r>
@@ -3169,7 +3277,9 @@
       <p:sp>
         <p:nvSpPr>
           <p:cNvPr id="74" name="Slide Number"/>
-          <p:cNvSpPr txBox="1"/>
+          <p:cNvSpPr txBox="1">
+            <a:spLocks noGrp="1"/>
+          </p:cNvSpPr>
           <p:nvPr>
             <p:ph type="sldNum" sz="quarter" idx="2"/>
           </p:nvPr>
@@ -3183,8 +3293,10 @@
           <a:bodyPr/>
           <a:lstStyle/>
           <a:p>
-            <a:pPr/>
-            <a:fld id="{86CB4B4D-7CA3-9044-876B-883B54F8677D}" type="slidenum"/>
+            <a:fld id="{86CB4B4D-7CA3-9044-876B-883B54F8677D}" type="slidenum">
+              <a:t>‹#›</a:t>
+            </a:fld>
+            <a:endParaRPr/>
           </a:p>
         </p:txBody>
       </p:sp>
@@ -3193,12 +3305,12 @@
   <p:clrMapOvr>
     <a:masterClrMapping/>
   </p:clrMapOvr>
-  <p:transition xmlns:p14="http://schemas.microsoft.com/office/powerpoint/2010/main" spd="med" advClick="1"/>
+  <p:transition spd="med"/>
 </p:sldLayout>
 </file>
 
 <file path=ppt/slideLayouts/slideLayout8.xml><?xml version="1.0" encoding="utf-8"?>
-<p:sldLayout xmlns:a="http://schemas.openxmlformats.org/drawingml/2006/main" xmlns:r="http://schemas.openxmlformats.org/officeDocument/2006/relationships" xmlns:p="http://schemas.openxmlformats.org/presentationml/2006/main" xmlns:m="http://schemas.openxmlformats.org/officeDocument/2006/math" xmlns:a14="http://schemas.microsoft.com/office/drawing/2010/main" type="tx" showMasterSp="1" showMasterPhAnim="1">
+<p:sldLayout xmlns:a="http://schemas.openxmlformats.org/drawingml/2006/main" xmlns:r="http://schemas.openxmlformats.org/officeDocument/2006/relationships" xmlns:p="http://schemas.openxmlformats.org/presentationml/2006/main" type="tx">
   <p:cSld name="Title &amp; Bullets Alt">
     <p:spTree>
       <p:nvGrpSpPr>
@@ -3217,7 +3329,9 @@
       <p:sp>
         <p:nvSpPr>
           <p:cNvPr id="81" name="Text"/>
-          <p:cNvSpPr txBox="1"/>
+          <p:cNvSpPr txBox="1">
+            <a:spLocks noGrp="1"/>
+          </p:cNvSpPr>
           <p:nvPr>
             <p:ph type="body" sz="quarter" idx="21"/>
           </p:nvPr>
@@ -3247,7 +3361,7 @@
               <a:buSzTx/>
               <a:buFontTx/>
               <a:buNone/>
-              <a:defRPr cap="all" spc="180" sz="3600">
+              <a:defRPr sz="3600" cap="all" spc="180">
                 <a:latin typeface="DIN Alternate Bold"/>
                 <a:ea typeface="DIN Alternate Bold"/>
                 <a:cs typeface="DIN Alternate Bold"/>
@@ -3256,7 +3370,6 @@
             </a:lvl1pPr>
           </a:lstStyle>
           <a:p>
-            <a:pPr/>
             <a:r>
               <a:t>Text</a:t>
             </a:r>
@@ -3266,7 +3379,9 @@
       <p:sp>
         <p:nvSpPr>
           <p:cNvPr id="82" name="Title Text"/>
-          <p:cNvSpPr txBox="1"/>
+          <p:cNvSpPr txBox="1">
+            <a:spLocks noGrp="1"/>
+          </p:cNvSpPr>
           <p:nvPr>
             <p:ph type="title"/>
           </p:nvPr>
@@ -3280,7 +3395,6 @@
           <a:bodyPr/>
           <a:lstStyle/>
           <a:p>
-            <a:pPr/>
             <a:r>
               <a:t>Title Text</a:t>
             </a:r>
@@ -3290,7 +3404,9 @@
       <p:sp>
         <p:nvSpPr>
           <p:cNvPr id="83" name="Body Level One…"/>
-          <p:cNvSpPr txBox="1"/>
+          <p:cNvSpPr txBox="1">
+            <a:spLocks noGrp="1"/>
+          </p:cNvSpPr>
           <p:nvPr>
             <p:ph type="body" idx="1"/>
           </p:nvPr>
@@ -3335,7 +3451,6 @@
             </a:lvl5pPr>
           </a:lstStyle>
           <a:p>
-            <a:pPr/>
             <a:r>
               <a:t>Body Level One</a:t>
             </a:r>
@@ -3369,7 +3484,9 @@
       <p:sp>
         <p:nvSpPr>
           <p:cNvPr id="84" name="Slide Number"/>
-          <p:cNvSpPr txBox="1"/>
+          <p:cNvSpPr txBox="1">
+            <a:spLocks noGrp="1"/>
+          </p:cNvSpPr>
           <p:nvPr>
             <p:ph type="sldNum" sz="quarter" idx="2"/>
           </p:nvPr>
@@ -3383,8 +3500,10 @@
           <a:bodyPr/>
           <a:lstStyle/>
           <a:p>
-            <a:pPr/>
-            <a:fld id="{86CB4B4D-7CA3-9044-876B-883B54F8677D}" type="slidenum"/>
+            <a:fld id="{86CB4B4D-7CA3-9044-876B-883B54F8677D}" type="slidenum">
+              <a:t>‹#›</a:t>
+            </a:fld>
+            <a:endParaRPr/>
           </a:p>
         </p:txBody>
       </p:sp>
@@ -3393,18 +3512,19 @@
   <p:clrMapOvr>
     <a:masterClrMapping/>
   </p:clrMapOvr>
-  <p:transition xmlns:p14="http://schemas.microsoft.com/office/powerpoint/2010/main" spd="med" advClick="1"/>
+  <p:transition spd="med"/>
 </p:sldLayout>
 </file>
 
 <file path=ppt/slideLayouts/slideLayout9.xml><?xml version="1.0" encoding="utf-8"?>
-<p:sldLayout xmlns:a="http://schemas.openxmlformats.org/drawingml/2006/main" xmlns:r="http://schemas.openxmlformats.org/officeDocument/2006/relationships" xmlns:p="http://schemas.openxmlformats.org/presentationml/2006/main" xmlns:m="http://schemas.openxmlformats.org/officeDocument/2006/math" xmlns:a14="http://schemas.microsoft.com/office/drawing/2010/main" type="tx" showMasterSp="1" showMasterPhAnim="1">
+<p:sldLayout xmlns:a="http://schemas.openxmlformats.org/drawingml/2006/main" xmlns:r="http://schemas.openxmlformats.org/officeDocument/2006/relationships" xmlns:p="http://schemas.openxmlformats.org/presentationml/2006/main" type="tx">
   <p:cSld name="Title, Bullets &amp; Photo">
     <p:bg>
       <p:bgPr>
         <a:solidFill>
           <a:srgbClr val="222222"/>
         </a:solidFill>
+        <a:effectLst/>
       </p:bgPr>
     </p:bg>
     <p:spTree>
@@ -3424,7 +3544,9 @@
       <p:sp>
         <p:nvSpPr>
           <p:cNvPr id="91" name="Text"/>
-          <p:cNvSpPr txBox="1"/>
+          <p:cNvSpPr txBox="1">
+            <a:spLocks noGrp="1"/>
+          </p:cNvSpPr>
           <p:nvPr>
             <p:ph type="body" sz="quarter" idx="21"/>
           </p:nvPr>
@@ -3454,7 +3576,7 @@
               <a:buSzTx/>
               <a:buFontTx/>
               <a:buNone/>
-              <a:defRPr cap="all" spc="180" sz="3600">
+              <a:defRPr sz="3600" cap="all" spc="180">
                 <a:latin typeface="DIN Alternate Bold"/>
                 <a:ea typeface="DIN Alternate Bold"/>
                 <a:cs typeface="DIN Alternate Bold"/>
@@ -3463,7 +3585,6 @@
             </a:lvl1pPr>
           </a:lstStyle>
           <a:p>
-            <a:pPr/>
             <a:r>
               <a:t>Text</a:t>
             </a:r>
@@ -3473,7 +3594,9 @@
       <p:sp>
         <p:nvSpPr>
           <p:cNvPr id="92" name="Black and white photo of windmills under a cloudy sky"/>
-          <p:cNvSpPr/>
+          <p:cNvSpPr>
+            <a:spLocks noGrp="1"/>
+          </p:cNvSpPr>
           <p:nvPr>
             <p:ph type="pic" idx="22"/>
           </p:nvPr>
@@ -3493,14 +3616,16 @@
           </a:bodyPr>
           <a:lstStyle/>
           <a:p>
-            <a:pPr/>
+            <a:endParaRPr/>
           </a:p>
         </p:txBody>
       </p:sp>
       <p:sp>
         <p:nvSpPr>
           <p:cNvPr id="93" name="Title Text"/>
-          <p:cNvSpPr txBox="1"/>
+          <p:cNvSpPr txBox="1">
+            <a:spLocks noGrp="1"/>
+          </p:cNvSpPr>
           <p:nvPr>
             <p:ph type="title"/>
           </p:nvPr>
@@ -3518,7 +3643,6 @@
           <a:bodyPr/>
           <a:lstStyle/>
           <a:p>
-            <a:pPr/>
             <a:r>
               <a:t>Title Text</a:t>
             </a:r>
@@ -3528,7 +3652,9 @@
       <p:sp>
         <p:nvSpPr>
           <p:cNvPr id="94" name="Body Level One…"/>
-          <p:cNvSpPr txBox="1"/>
+          <p:cNvSpPr txBox="1">
+            <a:spLocks noGrp="1"/>
+          </p:cNvSpPr>
           <p:nvPr>
             <p:ph type="body" sz="half" idx="1"/>
           </p:nvPr>
@@ -3582,7 +3708,6 @@
             </a:lvl5pPr>
           </a:lstStyle>
           <a:p>
-            <a:pPr/>
             <a:r>
               <a:t>Body Level One</a:t>
             </a:r>
@@ -3616,7 +3741,9 @@
       <p:sp>
         <p:nvSpPr>
           <p:cNvPr id="95" name="Slide Number"/>
-          <p:cNvSpPr txBox="1"/>
+          <p:cNvSpPr txBox="1">
+            <a:spLocks noGrp="1"/>
+          </p:cNvSpPr>
           <p:nvPr>
             <p:ph type="sldNum" sz="quarter" idx="2"/>
           </p:nvPr>
@@ -3630,8 +3757,10 @@
           <a:bodyPr/>
           <a:lstStyle/>
           <a:p>
-            <a:pPr/>
-            <a:fld id="{86CB4B4D-7CA3-9044-876B-883B54F8677D}" type="slidenum"/>
+            <a:fld id="{86CB4B4D-7CA3-9044-876B-883B54F8677D}" type="slidenum">
+              <a:t>‹#›</a:t>
+            </a:fld>
+            <a:endParaRPr/>
           </a:p>
         </p:txBody>
       </p:sp>
@@ -3640,18 +3769,19 @@
   <p:clrMapOvr>
     <a:masterClrMapping/>
   </p:clrMapOvr>
-  <p:transition xmlns:p14="http://schemas.microsoft.com/office/powerpoint/2010/main" spd="med" advClick="1"/>
+  <p:transition spd="med"/>
 </p:sldLayout>
 </file>
 
 <file path=ppt/slideMasters/slideMaster1.xml><?xml version="1.0" encoding="utf-8"?>
-<p:sldMaster xmlns:a="http://schemas.openxmlformats.org/drawingml/2006/main" xmlns:r="http://schemas.openxmlformats.org/officeDocument/2006/relationships" xmlns:p="http://schemas.openxmlformats.org/presentationml/2006/main" xmlns:m="http://schemas.openxmlformats.org/officeDocument/2006/math" xmlns:a14="http://schemas.microsoft.com/office/drawing/2010/main">
+<p:sldMaster xmlns:a="http://schemas.openxmlformats.org/drawingml/2006/main" xmlns:r="http://schemas.openxmlformats.org/officeDocument/2006/relationships" xmlns:p="http://schemas.openxmlformats.org/presentationml/2006/main">
   <p:cSld>
     <p:bg>
       <p:bgPr>
         <a:solidFill>
           <a:srgbClr val="FFFFFF"/>
         </a:solidFill>
+        <a:effectLst/>
       </p:bgPr>
     </p:bg>
     <p:spTree>
@@ -3707,13 +3837,16 @@
                 <a:sym typeface="Helvetica"/>
               </a:defRPr>
             </a:pPr>
+            <a:endParaRPr/>
           </a:p>
         </p:txBody>
       </p:sp>
       <p:sp>
         <p:nvSpPr>
           <p:cNvPr id="3" name="Title Text"/>
-          <p:cNvSpPr txBox="1"/>
+          <p:cNvSpPr txBox="1">
+            <a:spLocks noGrp="1"/>
+          </p:cNvSpPr>
           <p:nvPr>
             <p:ph type="title"/>
           </p:nvPr>
@@ -3731,17 +3864,16 @@
           </a:ln>
           <a:extLst>
             <a:ext uri="{C572A759-6A51-4108-AA02-DFA0A04FC94B}">
-              <ma14:wrappingTextBoxFlag xmlns:ma14="http://schemas.microsoft.com/office/mac/drawingml/2011/main" val="1"/>
+              <ma14:wrappingTextBoxFlag xmlns:ma14="http://schemas.microsoft.com/office/mac/drawingml/2011/main" xmlns:a14="http://schemas.microsoft.com/office/drawing/2010/main" xmlns:m="http://schemas.openxmlformats.org/officeDocument/2006/math" xmlns="" val="1"/>
             </a:ext>
           </a:extLst>
         </p:spPr>
         <p:txBody>
           <a:bodyPr lIns="50800" tIns="50800" rIns="50800" bIns="50800">
-            <a:normAutofit fontScale="100000" lnSpcReduction="0"/>
+            <a:normAutofit/>
           </a:bodyPr>
           <a:lstStyle/>
           <a:p>
-            <a:pPr/>
             <a:r>
               <a:t>Title Text</a:t>
             </a:r>
@@ -3751,7 +3883,9 @@
       <p:sp>
         <p:nvSpPr>
           <p:cNvPr id="4" name="Body Level One…"/>
-          <p:cNvSpPr txBox="1"/>
+          <p:cNvSpPr txBox="1">
+            <a:spLocks noGrp="1"/>
+          </p:cNvSpPr>
           <p:nvPr>
             <p:ph type="body" idx="1"/>
           </p:nvPr>
@@ -3769,17 +3903,16 @@
           </a:ln>
           <a:extLst>
             <a:ext uri="{C572A759-6A51-4108-AA02-DFA0A04FC94B}">
-              <ma14:wrappingTextBoxFlag xmlns:ma14="http://schemas.microsoft.com/office/mac/drawingml/2011/main" val="1"/>
+              <ma14:wrappingTextBoxFlag xmlns:ma14="http://schemas.microsoft.com/office/mac/drawingml/2011/main" xmlns:a14="http://schemas.microsoft.com/office/drawing/2010/main" xmlns:m="http://schemas.openxmlformats.org/officeDocument/2006/math" xmlns="" val="1"/>
             </a:ext>
           </a:extLst>
         </p:spPr>
         <p:txBody>
           <a:bodyPr lIns="50800" tIns="50800" rIns="50800" bIns="50800">
-            <a:normAutofit fontScale="100000" lnSpcReduction="0"/>
+            <a:normAutofit/>
           </a:bodyPr>
           <a:lstStyle/>
           <a:p>
-            <a:pPr/>
             <a:r>
               <a:t>Body Level One</a:t>
             </a:r>
@@ -3813,7 +3946,9 @@
       <p:sp>
         <p:nvSpPr>
           <p:cNvPr id="5" name="Slide Number"/>
-          <p:cNvSpPr txBox="1"/>
+          <p:cNvSpPr txBox="1">
+            <a:spLocks noGrp="1"/>
+          </p:cNvSpPr>
           <p:nvPr>
             <p:ph type="sldNum" sz="quarter" idx="2"/>
           </p:nvPr>
@@ -3851,8 +3986,10 @@
             </a:lvl1pPr>
           </a:lstStyle>
           <a:p>
-            <a:pPr/>
-            <a:fld id="{86CB4B4D-7CA3-9044-876B-883B54F8677D}" type="slidenum"/>
+            <a:fld id="{86CB4B4D-7CA3-9044-876B-883B54F8677D}" type="slidenum">
+              <a:t>‹#›</a:t>
+            </a:fld>
+            <a:endParaRPr/>
           </a:p>
         </p:txBody>
       </p:sp>
@@ -3860,24 +3997,24 @@
   </p:cSld>
   <p:clrMap bg1="dk1" tx1="lt1" bg2="dk2" tx2="lt2" accent1="accent1" accent2="accent2" accent3="accent3" accent4="accent4" accent5="accent5" accent6="accent6" hlink="hlink" folHlink="folHlink"/>
   <p:sldLayoutIdLst>
-    <p:sldLayoutId id="2147483649" r:id="rId2"/>
-    <p:sldLayoutId id="2147483650" r:id="rId3"/>
-    <p:sldLayoutId id="2147483651" r:id="rId4"/>
-    <p:sldLayoutId id="2147483652" r:id="rId5"/>
-    <p:sldLayoutId id="2147483653" r:id="rId6"/>
-    <p:sldLayoutId id="2147483654" r:id="rId7"/>
-    <p:sldLayoutId id="2147483655" r:id="rId8"/>
-    <p:sldLayoutId id="2147483656" r:id="rId9"/>
-    <p:sldLayoutId id="2147483657" r:id="rId10"/>
-    <p:sldLayoutId id="2147483658" r:id="rId11"/>
-    <p:sldLayoutId id="2147483659" r:id="rId12"/>
-    <p:sldLayoutId id="2147483660" r:id="rId13"/>
-    <p:sldLayoutId id="2147483661" r:id="rId14"/>
-    <p:sldLayoutId id="2147483662" r:id="rId15"/>
-    <p:sldLayoutId id="2147483663" r:id="rId16"/>
-    <p:sldLayoutId id="2147483664" r:id="rId17"/>
+    <p:sldLayoutId id="2147483649" r:id="rId1"/>
+    <p:sldLayoutId id="2147483650" r:id="rId2"/>
+    <p:sldLayoutId id="2147483651" r:id="rId3"/>
+    <p:sldLayoutId id="2147483652" r:id="rId4"/>
+    <p:sldLayoutId id="2147483653" r:id="rId5"/>
+    <p:sldLayoutId id="2147483654" r:id="rId6"/>
+    <p:sldLayoutId id="2147483655" r:id="rId7"/>
+    <p:sldLayoutId id="2147483656" r:id="rId8"/>
+    <p:sldLayoutId id="2147483657" r:id="rId9"/>
+    <p:sldLayoutId id="2147483658" r:id="rId10"/>
+    <p:sldLayoutId id="2147483659" r:id="rId11"/>
+    <p:sldLayoutId id="2147483660" r:id="rId12"/>
+    <p:sldLayoutId id="2147483661" r:id="rId13"/>
+    <p:sldLayoutId id="2147483662" r:id="rId14"/>
+    <p:sldLayoutId id="2147483663" r:id="rId15"/>
+    <p:sldLayoutId id="2147483664" r:id="rId16"/>
   </p:sldLayoutIdLst>
-  <p:transition xmlns:p14="http://schemas.microsoft.com/office/powerpoint/2010/main" spd="med" advClick="1"/>
+  <p:transition spd="med"/>
   <p:txStyles>
     <p:titleStyle>
       <a:lvl1pPr marL="0" marR="0" indent="0" algn="l" defTabSz="825500" rtl="0" latinLnBrk="0">
@@ -3895,7 +4032,7 @@
         <a:buFontTx/>
         <a:buNone/>
         <a:tabLst/>
-        <a:defRPr b="0" baseline="0" cap="all" i="0" spc="0" strike="noStrike" sz="8700" u="none">
+        <a:defRPr sz="8700" b="0" i="0" u="none" strike="noStrike" cap="all" spc="0" baseline="0">
           <a:solidFill>
             <a:schemeClr val="accent1"/>
           </a:solidFill>
@@ -3921,7 +4058,7 @@
         <a:buFontTx/>
         <a:buNone/>
         <a:tabLst/>
-        <a:defRPr b="0" baseline="0" cap="all" i="0" spc="0" strike="noStrike" sz="8700" u="none">
+        <a:defRPr sz="8700" b="0" i="0" u="none" strike="noStrike" cap="all" spc="0" baseline="0">
           <a:solidFill>
             <a:schemeClr val="accent1"/>
           </a:solidFill>
@@ -3947,7 +4084,7 @@
         <a:buFontTx/>
         <a:buNone/>
         <a:tabLst/>
-        <a:defRPr b="0" baseline="0" cap="all" i="0" spc="0" strike="noStrike" sz="8700" u="none">
+        <a:defRPr sz="8700" b="0" i="0" u="none" strike="noStrike" cap="all" spc="0" baseline="0">
           <a:solidFill>
             <a:schemeClr val="accent1"/>
           </a:solidFill>
@@ -3973,7 +4110,7 @@
         <a:buFontTx/>
         <a:buNone/>
         <a:tabLst/>
-        <a:defRPr b="0" baseline="0" cap="all" i="0" spc="0" strike="noStrike" sz="8700" u="none">
+        <a:defRPr sz="8700" b="0" i="0" u="none" strike="noStrike" cap="all" spc="0" baseline="0">
           <a:solidFill>
             <a:schemeClr val="accent1"/>
           </a:solidFill>
@@ -3999,7 +4136,7 @@
         <a:buFontTx/>
         <a:buNone/>
         <a:tabLst/>
-        <a:defRPr b="0" baseline="0" cap="all" i="0" spc="0" strike="noStrike" sz="8700" u="none">
+        <a:defRPr sz="8700" b="0" i="0" u="none" strike="noStrike" cap="all" spc="0" baseline="0">
           <a:solidFill>
             <a:schemeClr val="accent1"/>
           </a:solidFill>
@@ -4025,7 +4162,7 @@
         <a:buFontTx/>
         <a:buNone/>
         <a:tabLst/>
-        <a:defRPr b="0" baseline="0" cap="all" i="0" spc="0" strike="noStrike" sz="8700" u="none">
+        <a:defRPr sz="8700" b="0" i="0" u="none" strike="noStrike" cap="all" spc="0" baseline="0">
           <a:solidFill>
             <a:schemeClr val="accent1"/>
           </a:solidFill>
@@ -4051,7 +4188,7 @@
         <a:buFontTx/>
         <a:buNone/>
         <a:tabLst/>
-        <a:defRPr b="0" baseline="0" cap="all" i="0" spc="0" strike="noStrike" sz="8700" u="none">
+        <a:defRPr sz="8700" b="0" i="0" u="none" strike="noStrike" cap="all" spc="0" baseline="0">
           <a:solidFill>
             <a:schemeClr val="accent1"/>
           </a:solidFill>
@@ -4077,7 +4214,7 @@
         <a:buFontTx/>
         <a:buNone/>
         <a:tabLst/>
-        <a:defRPr b="0" baseline="0" cap="all" i="0" spc="0" strike="noStrike" sz="8700" u="none">
+        <a:defRPr sz="8700" b="0" i="0" u="none" strike="noStrike" cap="all" spc="0" baseline="0">
           <a:solidFill>
             <a:schemeClr val="accent1"/>
           </a:solidFill>
@@ -4103,7 +4240,7 @@
         <a:buFontTx/>
         <a:buNone/>
         <a:tabLst/>
-        <a:defRPr b="0" baseline="0" cap="all" i="0" spc="0" strike="noStrike" sz="8700" u="none">
+        <a:defRPr sz="8700" b="0" i="0" u="none" strike="noStrike" cap="all" spc="0" baseline="0">
           <a:solidFill>
             <a:schemeClr val="accent1"/>
           </a:solidFill>
@@ -4135,7 +4272,7 @@
         <a:buFont typeface="Avenir Next Regular"/>
         <a:buChar char="‣"/>
         <a:tabLst/>
-        <a:defRPr b="0" baseline="0" cap="none" i="0" spc="0" strike="noStrike" sz="4800" u="none">
+        <a:defRPr sz="4800" b="0" i="0" u="none" strike="noStrike" cap="none" spc="0" baseline="0">
           <a:solidFill>
             <a:srgbClr val="838787"/>
           </a:solidFill>
@@ -4165,7 +4302,7 @@
         <a:buFont typeface="Avenir Next Regular"/>
         <a:buChar char="‣"/>
         <a:tabLst/>
-        <a:defRPr b="0" baseline="0" cap="none" i="0" spc="0" strike="noStrike" sz="4800" u="none">
+        <a:defRPr sz="4800" b="0" i="0" u="none" strike="noStrike" cap="none" spc="0" baseline="0">
           <a:solidFill>
             <a:srgbClr val="838787"/>
           </a:solidFill>
@@ -4195,7 +4332,7 @@
         <a:buFont typeface="Avenir Next Regular"/>
         <a:buChar char="‣"/>
         <a:tabLst/>
-        <a:defRPr b="0" baseline="0" cap="none" i="0" spc="0" strike="noStrike" sz="4800" u="none">
+        <a:defRPr sz="4800" b="0" i="0" u="none" strike="noStrike" cap="none" spc="0" baseline="0">
           <a:solidFill>
             <a:srgbClr val="838787"/>
           </a:solidFill>
@@ -4225,7 +4362,7 @@
         <a:buFont typeface="Avenir Next Regular"/>
         <a:buChar char="‣"/>
         <a:tabLst/>
-        <a:defRPr b="0" baseline="0" cap="none" i="0" spc="0" strike="noStrike" sz="4800" u="none">
+        <a:defRPr sz="4800" b="0" i="0" u="none" strike="noStrike" cap="none" spc="0" baseline="0">
           <a:solidFill>
             <a:srgbClr val="838787"/>
           </a:solidFill>
@@ -4255,7 +4392,7 @@
         <a:buFont typeface="Avenir Next Regular"/>
         <a:buChar char="‣"/>
         <a:tabLst/>
-        <a:defRPr b="0" baseline="0" cap="none" i="0" spc="0" strike="noStrike" sz="4800" u="none">
+        <a:defRPr sz="4800" b="0" i="0" u="none" strike="noStrike" cap="none" spc="0" baseline="0">
           <a:solidFill>
             <a:srgbClr val="838787"/>
           </a:solidFill>
@@ -4285,7 +4422,7 @@
         <a:buFont typeface="Avenir Next Regular"/>
         <a:buChar char="‣"/>
         <a:tabLst/>
-        <a:defRPr b="0" baseline="0" cap="none" i="0" spc="0" strike="noStrike" sz="4800" u="none">
+        <a:defRPr sz="4800" b="0" i="0" u="none" strike="noStrike" cap="none" spc="0" baseline="0">
           <a:solidFill>
             <a:srgbClr val="838787"/>
           </a:solidFill>
@@ -4315,7 +4452,7 @@
         <a:buFont typeface="Avenir Next Regular"/>
         <a:buChar char="‣"/>
         <a:tabLst/>
-        <a:defRPr b="0" baseline="0" cap="none" i="0" spc="0" strike="noStrike" sz="4800" u="none">
+        <a:defRPr sz="4800" b="0" i="0" u="none" strike="noStrike" cap="none" spc="0" baseline="0">
           <a:solidFill>
             <a:srgbClr val="838787"/>
           </a:solidFill>
@@ -4345,7 +4482,7 @@
         <a:buFont typeface="Avenir Next Regular"/>
         <a:buChar char="‣"/>
         <a:tabLst/>
-        <a:defRPr b="0" baseline="0" cap="none" i="0" spc="0" strike="noStrike" sz="4800" u="none">
+        <a:defRPr sz="4800" b="0" i="0" u="none" strike="noStrike" cap="none" spc="0" baseline="0">
           <a:solidFill>
             <a:srgbClr val="838787"/>
           </a:solidFill>
@@ -4375,7 +4512,7 @@
         <a:buFont typeface="Avenir Next Regular"/>
         <a:buChar char="‣"/>
         <a:tabLst/>
-        <a:defRPr b="0" baseline="0" cap="none" i="0" spc="0" strike="noStrike" sz="4800" u="none">
+        <a:defRPr sz="4800" b="0" i="0" u="none" strike="noStrike" cap="none" spc="0" baseline="0">
           <a:solidFill>
             <a:srgbClr val="838787"/>
           </a:solidFill>
@@ -4403,7 +4540,7 @@
         <a:buFontTx/>
         <a:buNone/>
         <a:tabLst/>
-        <a:defRPr b="0" baseline="0" cap="none" i="0" spc="0" strike="noStrike" sz="3600" u="none">
+        <a:defRPr sz="3600" b="0" i="0" u="none" strike="noStrike" cap="none" spc="0" baseline="0">
           <a:solidFill>
             <a:schemeClr val="tx1"/>
           </a:solidFill>
@@ -4429,7 +4566,7 @@
         <a:buFontTx/>
         <a:buNone/>
         <a:tabLst/>
-        <a:defRPr b="0" baseline="0" cap="none" i="0" spc="0" strike="noStrike" sz="3600" u="none">
+        <a:defRPr sz="3600" b="0" i="0" u="none" strike="noStrike" cap="none" spc="0" baseline="0">
           <a:solidFill>
             <a:schemeClr val="tx1"/>
           </a:solidFill>
@@ -4455,7 +4592,7 @@
         <a:buFontTx/>
         <a:buNone/>
         <a:tabLst/>
-        <a:defRPr b="0" baseline="0" cap="none" i="0" spc="0" strike="noStrike" sz="3600" u="none">
+        <a:defRPr sz="3600" b="0" i="0" u="none" strike="noStrike" cap="none" spc="0" baseline="0">
           <a:solidFill>
             <a:schemeClr val="tx1"/>
           </a:solidFill>
@@ -4481,7 +4618,7 @@
         <a:buFontTx/>
         <a:buNone/>
         <a:tabLst/>
-        <a:defRPr b="0" baseline="0" cap="none" i="0" spc="0" strike="noStrike" sz="3600" u="none">
+        <a:defRPr sz="3600" b="0" i="0" u="none" strike="noStrike" cap="none" spc="0" baseline="0">
           <a:solidFill>
             <a:schemeClr val="tx1"/>
           </a:solidFill>
@@ -4507,7 +4644,7 @@
         <a:buFontTx/>
         <a:buNone/>
         <a:tabLst/>
-        <a:defRPr b="0" baseline="0" cap="none" i="0" spc="0" strike="noStrike" sz="3600" u="none">
+        <a:defRPr sz="3600" b="0" i="0" u="none" strike="noStrike" cap="none" spc="0" baseline="0">
           <a:solidFill>
             <a:schemeClr val="tx1"/>
           </a:solidFill>
@@ -4533,7 +4670,7 @@
         <a:buFontTx/>
         <a:buNone/>
         <a:tabLst/>
-        <a:defRPr b="0" baseline="0" cap="none" i="0" spc="0" strike="noStrike" sz="3600" u="none">
+        <a:defRPr sz="3600" b="0" i="0" u="none" strike="noStrike" cap="none" spc="0" baseline="0">
           <a:solidFill>
             <a:schemeClr val="tx1"/>
           </a:solidFill>
@@ -4559,7 +4696,7 @@
         <a:buFontTx/>
         <a:buNone/>
         <a:tabLst/>
-        <a:defRPr b="0" baseline="0" cap="none" i="0" spc="0" strike="noStrike" sz="3600" u="none">
+        <a:defRPr sz="3600" b="0" i="0" u="none" strike="noStrike" cap="none" spc="0" baseline="0">
           <a:solidFill>
             <a:schemeClr val="tx1"/>
           </a:solidFill>
@@ -4585,7 +4722,7 @@
         <a:buFontTx/>
         <a:buNone/>
         <a:tabLst/>
-        <a:defRPr b="0" baseline="0" cap="none" i="0" spc="0" strike="noStrike" sz="3600" u="none">
+        <a:defRPr sz="3600" b="0" i="0" u="none" strike="noStrike" cap="none" spc="0" baseline="0">
           <a:solidFill>
             <a:schemeClr val="tx1"/>
           </a:solidFill>
@@ -4611,7 +4748,7 @@
         <a:buFontTx/>
         <a:buNone/>
         <a:tabLst/>
-        <a:defRPr b="0" baseline="0" cap="none" i="0" spc="0" strike="noStrike" sz="3600" u="none">
+        <a:defRPr sz="3600" b="0" i="0" u="none" strike="noStrike" cap="none" spc="0" baseline="0">
           <a:solidFill>
             <a:schemeClr val="tx1"/>
           </a:solidFill>
@@ -4628,7 +4765,7 @@
 </file>
 
 <file path=ppt/slides/slide1.xml><?xml version="1.0" encoding="utf-8"?>
-<p:sld xmlns:a="http://schemas.openxmlformats.org/drawingml/2006/main" xmlns:r="http://schemas.openxmlformats.org/officeDocument/2006/relationships" xmlns:p="http://schemas.openxmlformats.org/presentationml/2006/main" xmlns:m="http://schemas.openxmlformats.org/officeDocument/2006/math" xmlns:a14="http://schemas.microsoft.com/office/drawing/2010/main" showMasterSp="1" showMasterPhAnim="1">
+<p:sld xmlns:a="http://schemas.openxmlformats.org/drawingml/2006/main" xmlns:r="http://schemas.openxmlformats.org/officeDocument/2006/relationships" xmlns:p="http://schemas.openxmlformats.org/presentationml/2006/main">
   <p:cSld>
     <p:spTree>
       <p:nvGrpSpPr>
@@ -4647,7 +4784,9 @@
       <p:sp>
         <p:nvSpPr>
           <p:cNvPr id="166" name="Title 1"/>
-          <p:cNvSpPr txBox="1"/>
+          <p:cNvSpPr txBox="1">
+            <a:spLocks noGrp="1"/>
+          </p:cNvSpPr>
           <p:nvPr>
             <p:ph type="ctrTitle"/>
           </p:nvPr>
@@ -4677,7 +4816,9 @@
       <p:sp>
         <p:nvSpPr>
           <p:cNvPr id="167" name="Subtitle 2"/>
-          <p:cNvSpPr txBox="1"/>
+          <p:cNvSpPr txBox="1">
+            <a:spLocks noGrp="1"/>
+          </p:cNvSpPr>
           <p:nvPr>
             <p:ph type="subTitle" sz="quarter" idx="1"/>
           </p:nvPr>
@@ -4691,7 +4832,6 @@
           <a:bodyPr/>
           <a:lstStyle/>
           <a:p>
-            <a:pPr/>
             <a:r>
               <a:t>PSY 348: Lecture 14: </a:t>
             </a:r>
@@ -4703,12 +4843,12 @@
   <p:clrMapOvr>
     <a:masterClrMapping/>
   </p:clrMapOvr>
-  <p:transition xmlns:p14="http://schemas.microsoft.com/office/powerpoint/2010/main" spd="med" advClick="1"/>
+  <p:transition spd="med"/>
 </p:sld>
 </file>
 
 <file path=ppt/slides/slide10.xml><?xml version="1.0" encoding="utf-8"?>
-<p:sld xmlns:a="http://schemas.openxmlformats.org/drawingml/2006/main" xmlns:r="http://schemas.openxmlformats.org/officeDocument/2006/relationships" xmlns:p="http://schemas.openxmlformats.org/presentationml/2006/main" xmlns:m="http://schemas.openxmlformats.org/officeDocument/2006/math" xmlns:a14="http://schemas.microsoft.com/office/drawing/2010/main" showMasterSp="1" showMasterPhAnim="1">
+<p:sld xmlns:a="http://schemas.openxmlformats.org/drawingml/2006/main" xmlns:r="http://schemas.openxmlformats.org/officeDocument/2006/relationships" xmlns:p="http://schemas.openxmlformats.org/presentationml/2006/main">
   <p:cSld>
     <p:spTree>
       <p:nvGrpSpPr>
@@ -4727,7 +4867,9 @@
       <p:sp>
         <p:nvSpPr>
           <p:cNvPr id="211" name="PSY 348"/>
-          <p:cNvSpPr txBox="1"/>
+          <p:cNvSpPr txBox="1">
+            <a:spLocks noGrp="1"/>
+          </p:cNvSpPr>
           <p:nvPr>
             <p:ph type="body" idx="21"/>
           </p:nvPr>
@@ -4741,7 +4883,6 @@
           <a:bodyPr/>
           <a:lstStyle/>
           <a:p>
-            <a:pPr/>
             <a:r>
               <a:t>PSY 348</a:t>
             </a:r>
@@ -4751,7 +4892,9 @@
       <p:sp>
         <p:nvSpPr>
           <p:cNvPr id="212" name="Sampling Theory"/>
-          <p:cNvSpPr txBox="1"/>
+          <p:cNvSpPr txBox="1">
+            <a:spLocks noGrp="1"/>
+          </p:cNvSpPr>
           <p:nvPr>
             <p:ph type="title"/>
           </p:nvPr>
@@ -4772,7 +4915,6 @@
             </a:lvl1pPr>
           </a:lstStyle>
           <a:p>
-            <a:pPr/>
             <a:r>
               <a:t>Sampling Theory</a:t>
             </a:r>
@@ -4788,9 +4930,7 @@
           <p:nvPr/>
         </p:nvPicPr>
         <p:blipFill>
-          <a:blip r:embed="rId2">
-            <a:extLst/>
-          </a:blip>
+          <a:blip r:embed="rId2"/>
           <a:stretch>
             <a:fillRect/>
           </a:stretch>
@@ -4840,13 +4980,14 @@
               <a:spcBef>
                 <a:spcPts val="0"/>
               </a:spcBef>
-              <a:defRPr cap="all" sz="4000">
+              <a:defRPr sz="4000" cap="all">
                 <a:latin typeface="+mn-lt"/>
                 <a:ea typeface="+mn-ea"/>
                 <a:cs typeface="+mn-cs"/>
                 <a:sym typeface="DIN Condensed Bold"/>
               </a:defRPr>
             </a:pPr>
+            <a:endParaRPr/>
           </a:p>
         </p:txBody>
       </p:sp>
@@ -4882,13 +5023,14 @@
               <a:spcBef>
                 <a:spcPts val="0"/>
               </a:spcBef>
-              <a:defRPr cap="all" sz="4000">
+              <a:defRPr sz="4000" cap="all">
                 <a:latin typeface="+mn-lt"/>
                 <a:ea typeface="+mn-ea"/>
                 <a:cs typeface="+mn-cs"/>
                 <a:sym typeface="DIN Condensed Bold"/>
               </a:defRPr>
             </a:pPr>
+            <a:endParaRPr/>
           </a:p>
         </p:txBody>
       </p:sp>
@@ -4911,7 +5053,7 @@
           </a:ln>
           <a:extLst>
             <a:ext uri="{C572A759-6A51-4108-AA02-DFA0A04FC94B}">
-              <ma14:wrappingTextBoxFlag xmlns:ma14="http://schemas.microsoft.com/office/mac/drawingml/2011/main" val="1"/>
+              <ma14:wrappingTextBoxFlag xmlns:ma14="http://schemas.microsoft.com/office/mac/drawingml/2011/main" xmlns:a14="http://schemas.microsoft.com/office/drawing/2010/main" xmlns:m="http://schemas.openxmlformats.org/officeDocument/2006/math" xmlns="" val="1"/>
             </a:ext>
           </a:extLst>
         </p:spPr>
@@ -4921,7 +5063,7 @@
           </a:bodyPr>
           <a:lstStyle>
             <a:lvl1pPr>
-              <a:defRPr b="1" sz="4100">
+              <a:defRPr sz="4100" b="1">
                 <a:solidFill>
                   <a:schemeClr val="accent5"/>
                 </a:solidFill>
@@ -4933,7 +5075,6 @@
             </a:lvl1pPr>
           </a:lstStyle>
           <a:p>
-            <a:pPr/>
             <a:r>
               <a:t>Critical value</a:t>
             </a:r>
@@ -4943,7 +5084,9 @@
       <p:sp>
         <p:nvSpPr>
           <p:cNvPr id="217" name="Setting alpha to 0.05, puts the critical value at a point where 5% of the null distribution’s area is to the right of it."/>
-          <p:cNvSpPr txBox="1"/>
+          <p:cNvSpPr txBox="1">
+            <a:spLocks noGrp="1"/>
+          </p:cNvSpPr>
           <p:nvPr>
             <p:ph type="body" sz="quarter" idx="1"/>
           </p:nvPr>
@@ -4968,7 +5111,6 @@
             </a:lvl1pPr>
           </a:lstStyle>
           <a:p>
-            <a:pPr/>
             <a:r>
               <a:t>Setting alpha to 0.05, puts the critical value at a point where 5% of the null distribution’s area is to the right of it.</a:t>
             </a:r>
@@ -4980,12 +5122,12 @@
   <p:clrMapOvr>
     <a:masterClrMapping/>
   </p:clrMapOvr>
-  <p:transition xmlns:p14="http://schemas.microsoft.com/office/powerpoint/2010/main" spd="med" advClick="1"/>
+  <p:transition spd="med"/>
 </p:sld>
 </file>
 
 <file path=ppt/slides/slide11.xml><?xml version="1.0" encoding="utf-8"?>
-<p:sld xmlns:a="http://schemas.openxmlformats.org/drawingml/2006/main" xmlns:r="http://schemas.openxmlformats.org/officeDocument/2006/relationships" xmlns:p="http://schemas.openxmlformats.org/presentationml/2006/main" xmlns:m="http://schemas.openxmlformats.org/officeDocument/2006/math" xmlns:a14="http://schemas.microsoft.com/office/drawing/2010/main" showMasterSp="1" showMasterPhAnim="1">
+<p:sld xmlns:a="http://schemas.openxmlformats.org/drawingml/2006/main" xmlns:r="http://schemas.openxmlformats.org/officeDocument/2006/relationships" xmlns:p="http://schemas.openxmlformats.org/presentationml/2006/main">
   <p:cSld>
     <p:spTree>
       <p:nvGrpSpPr>
@@ -5004,7 +5146,9 @@
       <p:sp>
         <p:nvSpPr>
           <p:cNvPr id="219" name="PSY 348"/>
-          <p:cNvSpPr txBox="1"/>
+          <p:cNvSpPr txBox="1">
+            <a:spLocks noGrp="1"/>
+          </p:cNvSpPr>
           <p:nvPr>
             <p:ph type="body" idx="21"/>
           </p:nvPr>
@@ -5018,7 +5162,6 @@
           <a:bodyPr/>
           <a:lstStyle/>
           <a:p>
-            <a:pPr/>
             <a:r>
               <a:t>PSY 348</a:t>
             </a:r>
@@ -5028,7 +5171,9 @@
       <p:sp>
         <p:nvSpPr>
           <p:cNvPr id="220" name="T-tests"/>
-          <p:cNvSpPr txBox="1"/>
+          <p:cNvSpPr txBox="1">
+            <a:spLocks noGrp="1"/>
+          </p:cNvSpPr>
           <p:nvPr>
             <p:ph type="title"/>
           </p:nvPr>
@@ -5049,7 +5194,6 @@
             </a:lvl1pPr>
           </a:lstStyle>
           <a:p>
-            <a:pPr/>
             <a:r>
               <a:t>T-tests</a:t>
             </a:r>
@@ -5061,12 +5205,12 @@
   <p:clrMapOvr>
     <a:masterClrMapping/>
   </p:clrMapOvr>
-  <p:transition xmlns:p14="http://schemas.microsoft.com/office/powerpoint/2010/main" spd="med" advClick="1"/>
+  <p:transition spd="med"/>
 </p:sld>
 </file>
 
 <file path=ppt/slides/slide12.xml><?xml version="1.0" encoding="utf-8"?>
-<p:sld xmlns:a="http://schemas.openxmlformats.org/drawingml/2006/main" xmlns:r="http://schemas.openxmlformats.org/officeDocument/2006/relationships" xmlns:p="http://schemas.openxmlformats.org/presentationml/2006/main" xmlns:m="http://schemas.openxmlformats.org/officeDocument/2006/math" xmlns:a14="http://schemas.microsoft.com/office/drawing/2010/main" showMasterSp="1" showMasterPhAnim="1">
+<p:sld xmlns:a="http://schemas.openxmlformats.org/drawingml/2006/main" xmlns:r="http://schemas.openxmlformats.org/officeDocument/2006/relationships" xmlns:p="http://schemas.openxmlformats.org/presentationml/2006/main">
   <p:cSld>
     <p:spTree>
       <p:nvGrpSpPr>
@@ -5085,7 +5229,9 @@
       <p:sp>
         <p:nvSpPr>
           <p:cNvPr id="222" name="PSY 348"/>
-          <p:cNvSpPr txBox="1"/>
+          <p:cNvSpPr txBox="1">
+            <a:spLocks noGrp="1"/>
+          </p:cNvSpPr>
           <p:nvPr>
             <p:ph type="body" idx="21"/>
           </p:nvPr>
@@ -5099,7 +5245,6 @@
           <a:bodyPr/>
           <a:lstStyle/>
           <a:p>
-            <a:pPr/>
             <a:r>
               <a:t>PSY 348</a:t>
             </a:r>
@@ -5109,7 +5254,9 @@
       <p:sp>
         <p:nvSpPr>
           <p:cNvPr id="223" name="Title 1"/>
-          <p:cNvSpPr txBox="1"/>
+          <p:cNvSpPr txBox="1">
+            <a:spLocks noGrp="1"/>
+          </p:cNvSpPr>
           <p:nvPr>
             <p:ph type="title"/>
           </p:nvPr>
@@ -5130,7 +5277,6 @@
             </a:lvl1pPr>
           </a:lstStyle>
           <a:p>
-            <a:pPr/>
             <a:r>
               <a:t>T-tests</a:t>
             </a:r>
@@ -5140,7 +5286,9 @@
       <p:sp>
         <p:nvSpPr>
           <p:cNvPr id="224" name="Content Placeholder 2"/>
-          <p:cNvSpPr txBox="1"/>
+          <p:cNvSpPr txBox="1">
+            <a:spLocks noGrp="1"/>
+          </p:cNvSpPr>
           <p:nvPr>
             <p:ph type="body" idx="1"/>
           </p:nvPr>
@@ -5181,13 +5329,13 @@
             </a:r>
           </a:p>
           <a:p>
-            <a:pPr lvl="1" marL="1206500" indent="-571500"/>
+            <a:pPr marL="1206500" lvl="1" indent="-571500"/>
             <a:r>
               <a:t>Using experimental versus control</a:t>
             </a:r>
           </a:p>
           <a:p>
-            <a:pPr lvl="1" marL="1206500" indent="-571500"/>
+            <a:pPr marL="1206500" lvl="1" indent="-571500"/>
             <a:r>
               <a:t>Any two categories (young/old)</a:t>
             </a:r>
@@ -5211,13 +5359,13 @@
             </a:r>
           </a:p>
           <a:p>
-            <a:pPr lvl="1" marL="1206500" indent="-571500"/>
+            <a:pPr marL="1206500" lvl="1" indent="-571500"/>
             <a:r>
               <a:t>Scale of 1 to 10</a:t>
             </a:r>
           </a:p>
           <a:p>
-            <a:pPr lvl="1" marL="1206500" indent="-571500"/>
+            <a:pPr marL="1206500" lvl="1" indent="-571500"/>
             <a:r>
               <a:t>Count</a:t>
             </a:r>
@@ -5229,12 +5377,12 @@
   <p:clrMapOvr>
     <a:masterClrMapping/>
   </p:clrMapOvr>
-  <p:transition xmlns:p14="http://schemas.microsoft.com/office/powerpoint/2010/main" spd="med" advClick="1"/>
+  <p:transition spd="med"/>
 </p:sld>
 </file>
 
 <file path=ppt/slides/slide13.xml><?xml version="1.0" encoding="utf-8"?>
-<p:sld xmlns:a="http://schemas.openxmlformats.org/drawingml/2006/main" xmlns:r="http://schemas.openxmlformats.org/officeDocument/2006/relationships" xmlns:p="http://schemas.openxmlformats.org/presentationml/2006/main" xmlns:m="http://schemas.openxmlformats.org/officeDocument/2006/math" xmlns:a14="http://schemas.microsoft.com/office/drawing/2010/main" showMasterSp="1" showMasterPhAnim="1">
+<p:sld xmlns:a="http://schemas.openxmlformats.org/drawingml/2006/main" xmlns:r="http://schemas.openxmlformats.org/officeDocument/2006/relationships" xmlns:p="http://schemas.openxmlformats.org/presentationml/2006/main">
   <p:cSld>
     <p:spTree>
       <p:nvGrpSpPr>
@@ -5253,7 +5401,9 @@
       <p:sp>
         <p:nvSpPr>
           <p:cNvPr id="226" name="PSY 348"/>
-          <p:cNvSpPr txBox="1"/>
+          <p:cNvSpPr txBox="1">
+            <a:spLocks noGrp="1"/>
+          </p:cNvSpPr>
           <p:nvPr>
             <p:ph type="body" idx="21"/>
           </p:nvPr>
@@ -5267,7 +5417,6 @@
           <a:bodyPr/>
           <a:lstStyle/>
           <a:p>
-            <a:pPr/>
             <a:r>
               <a:t>PSY 348</a:t>
             </a:r>
@@ -5277,7 +5426,9 @@
       <p:sp>
         <p:nvSpPr>
           <p:cNvPr id="227" name="Title 1"/>
-          <p:cNvSpPr txBox="1"/>
+          <p:cNvSpPr txBox="1">
+            <a:spLocks noGrp="1"/>
+          </p:cNvSpPr>
           <p:nvPr>
             <p:ph type="title"/>
           </p:nvPr>
@@ -5298,7 +5449,6 @@
             </a:lvl1pPr>
           </a:lstStyle>
           <a:p>
-            <a:pPr/>
             <a:r>
               <a:t>Independent Samples t-test</a:t>
             </a:r>
@@ -5308,7 +5458,9 @@
       <p:sp>
         <p:nvSpPr>
           <p:cNvPr id="228" name="Content Placeholder 2"/>
-          <p:cNvSpPr txBox="1"/>
+          <p:cNvSpPr txBox="1">
+            <a:spLocks noGrp="1"/>
+          </p:cNvSpPr>
           <p:nvPr>
             <p:ph type="body" idx="1"/>
           </p:nvPr>
@@ -5362,12 +5514,12 @@
   <p:clrMapOvr>
     <a:masterClrMapping/>
   </p:clrMapOvr>
-  <p:transition xmlns:p14="http://schemas.microsoft.com/office/powerpoint/2010/main" spd="med" advClick="1"/>
+  <p:transition spd="med"/>
 </p:sld>
 </file>
 
 <file path=ppt/slides/slide14.xml><?xml version="1.0" encoding="utf-8"?>
-<p:sld xmlns:a="http://schemas.openxmlformats.org/drawingml/2006/main" xmlns:r="http://schemas.openxmlformats.org/officeDocument/2006/relationships" xmlns:p="http://schemas.openxmlformats.org/presentationml/2006/main" xmlns:m="http://schemas.openxmlformats.org/officeDocument/2006/math" xmlns:a14="http://schemas.microsoft.com/office/drawing/2010/main" showMasterSp="1" showMasterPhAnim="1">
+<p:sld xmlns:a="http://schemas.openxmlformats.org/drawingml/2006/main" xmlns:r="http://schemas.openxmlformats.org/officeDocument/2006/relationships" xmlns:p="http://schemas.openxmlformats.org/presentationml/2006/main">
   <p:cSld>
     <p:spTree>
       <p:nvGrpSpPr>
@@ -5386,7 +5538,9 @@
       <p:sp>
         <p:nvSpPr>
           <p:cNvPr id="230" name="PSY 348"/>
-          <p:cNvSpPr txBox="1"/>
+          <p:cNvSpPr txBox="1">
+            <a:spLocks noGrp="1"/>
+          </p:cNvSpPr>
           <p:nvPr>
             <p:ph type="body" idx="21"/>
           </p:nvPr>
@@ -5400,7 +5554,6 @@
           <a:bodyPr/>
           <a:lstStyle/>
           <a:p>
-            <a:pPr/>
             <a:r>
               <a:t>PSY 348</a:t>
             </a:r>
@@ -5410,7 +5563,9 @@
       <p:sp>
         <p:nvSpPr>
           <p:cNvPr id="231" name="Independent samples t-test"/>
-          <p:cNvSpPr txBox="1"/>
+          <p:cNvSpPr txBox="1">
+            <a:spLocks noGrp="1"/>
+          </p:cNvSpPr>
           <p:nvPr>
             <p:ph type="title"/>
           </p:nvPr>
@@ -5431,7 +5586,6 @@
             </a:lvl1pPr>
           </a:lstStyle>
           <a:p>
-            <a:pPr/>
             <a:r>
               <a:t>Independent samples t-test</a:t>
             </a:r>
@@ -5447,9 +5601,7 @@
           <p:nvPr/>
         </p:nvPicPr>
         <p:blipFill>
-          <a:blip r:embed="rId2">
-            <a:extLst/>
-          </a:blip>
+          <a:blip r:embed="rId2"/>
           <a:stretch>
             <a:fillRect/>
           </a:stretch>
@@ -5486,7 +5638,7 @@
           </a:ln>
           <a:extLst>
             <a:ext uri="{C572A759-6A51-4108-AA02-DFA0A04FC94B}">
-              <ma14:wrappingTextBoxFlag xmlns:ma14="http://schemas.microsoft.com/office/mac/drawingml/2011/main" val="1"/>
+              <ma14:wrappingTextBoxFlag xmlns:ma14="http://schemas.microsoft.com/office/mac/drawingml/2011/main" xmlns:a14="http://schemas.microsoft.com/office/drawing/2010/main" xmlns:m="http://schemas.openxmlformats.org/officeDocument/2006/math" xmlns="" val="1"/>
             </a:ext>
           </a:extLst>
         </p:spPr>
@@ -5504,7 +5656,6 @@
             </a:lvl1pPr>
           </a:lstStyle>
           <a:p>
-            <a:pPr/>
             <a:r>
               <a:t>Control M</a:t>
             </a:r>
@@ -5530,7 +5681,7 @@
           </a:ln>
           <a:extLst>
             <a:ext uri="{C572A759-6A51-4108-AA02-DFA0A04FC94B}">
-              <ma14:wrappingTextBoxFlag xmlns:ma14="http://schemas.microsoft.com/office/mac/drawingml/2011/main" val="1"/>
+              <ma14:wrappingTextBoxFlag xmlns:ma14="http://schemas.microsoft.com/office/mac/drawingml/2011/main" xmlns:a14="http://schemas.microsoft.com/office/drawing/2010/main" xmlns:m="http://schemas.openxmlformats.org/officeDocument/2006/math" xmlns="" val="1"/>
             </a:ext>
           </a:extLst>
         </p:spPr>
@@ -5548,7 +5699,6 @@
             </a:lvl1pPr>
           </a:lstStyle>
           <a:p>
-            <a:pPr/>
             <a:r>
               <a:t>Experimental M = 8</a:t>
             </a:r>
@@ -5587,13 +5737,14 @@
               <a:spcBef>
                 <a:spcPts val="0"/>
               </a:spcBef>
-              <a:defRPr cap="all" sz="4000">
+              <a:defRPr sz="4000" cap="all">
                 <a:latin typeface="+mn-lt"/>
                 <a:ea typeface="+mn-ea"/>
                 <a:cs typeface="+mn-cs"/>
                 <a:sym typeface="DIN Condensed Bold"/>
               </a:defRPr>
             </a:pPr>
+            <a:endParaRPr/>
           </a:p>
         </p:txBody>
       </p:sp>
@@ -5629,7 +5780,7 @@
               <a:spcBef>
                 <a:spcPts val="0"/>
               </a:spcBef>
-              <a:defRPr cap="all" sz="4000">
+              <a:defRPr sz="4000" cap="all">
                 <a:solidFill>
                   <a:srgbClr val="FFFFFF"/>
                 </a:solidFill>
@@ -5639,6 +5790,7 @@
                 <a:sym typeface="DIN Condensed Bold"/>
               </a:defRPr>
             </a:pPr>
+            <a:endParaRPr/>
           </a:p>
         </p:txBody>
       </p:sp>
@@ -5661,7 +5813,7 @@
           </a:ln>
           <a:extLst>
             <a:ext uri="{C572A759-6A51-4108-AA02-DFA0A04FC94B}">
-              <ma14:wrappingTextBoxFlag xmlns:ma14="http://schemas.microsoft.com/office/mac/drawingml/2011/main" val="1"/>
+              <ma14:wrappingTextBoxFlag xmlns:ma14="http://schemas.microsoft.com/office/mac/drawingml/2011/main" xmlns:a14="http://schemas.microsoft.com/office/drawing/2010/main" xmlns:m="http://schemas.openxmlformats.org/officeDocument/2006/math" xmlns="" val="1"/>
             </a:ext>
           </a:extLst>
         </p:spPr>
@@ -5679,7 +5831,6 @@
             </a:lvl1pPr>
           </a:lstStyle>
           <a:p>
-            <a:pPr/>
             <a:r>
               <a:t>6</a:t>
             </a:r>
@@ -5691,12 +5842,12 @@
   <p:clrMapOvr>
     <a:masterClrMapping/>
   </p:clrMapOvr>
-  <p:transition xmlns:p14="http://schemas.microsoft.com/office/powerpoint/2010/main" spd="med" advClick="1"/>
+  <p:transition spd="med"/>
 </p:sld>
 </file>
 
 <file path=ppt/slides/slide15.xml><?xml version="1.0" encoding="utf-8"?>
-<p:sld xmlns:a="http://schemas.openxmlformats.org/drawingml/2006/main" xmlns:r="http://schemas.openxmlformats.org/officeDocument/2006/relationships" xmlns:p="http://schemas.openxmlformats.org/presentationml/2006/main" xmlns:m="http://schemas.openxmlformats.org/officeDocument/2006/math" xmlns:a14="http://schemas.microsoft.com/office/drawing/2010/main" showMasterSp="1" showMasterPhAnim="1">
+<p:sld xmlns:a="http://schemas.openxmlformats.org/drawingml/2006/main" xmlns:r="http://schemas.openxmlformats.org/officeDocument/2006/relationships" xmlns:p="http://schemas.openxmlformats.org/presentationml/2006/main">
   <p:cSld>
     <p:spTree>
       <p:nvGrpSpPr>
@@ -5715,7 +5866,9 @@
       <p:sp>
         <p:nvSpPr>
           <p:cNvPr id="239" name="PSY 348"/>
-          <p:cNvSpPr txBox="1"/>
+          <p:cNvSpPr txBox="1">
+            <a:spLocks noGrp="1"/>
+          </p:cNvSpPr>
           <p:nvPr>
             <p:ph type="body" idx="21"/>
           </p:nvPr>
@@ -5729,7 +5882,6 @@
           <a:bodyPr/>
           <a:lstStyle/>
           <a:p>
-            <a:pPr/>
             <a:r>
               <a:t>PSY 348</a:t>
             </a:r>
@@ -5739,7 +5891,9 @@
       <p:sp>
         <p:nvSpPr>
           <p:cNvPr id="240" name="Title 1"/>
-          <p:cNvSpPr txBox="1"/>
+          <p:cNvSpPr txBox="1">
+            <a:spLocks noGrp="1"/>
+          </p:cNvSpPr>
           <p:nvPr>
             <p:ph type="title"/>
           </p:nvPr>
@@ -5760,7 +5914,6 @@
             </a:lvl1pPr>
           </a:lstStyle>
           <a:p>
-            <a:pPr/>
             <a:r>
               <a:t>Independent samples t-test</a:t>
             </a:r>
@@ -5770,7 +5923,9 @@
       <p:sp>
         <p:nvSpPr>
           <p:cNvPr id="241" name="Content Placeholder 2"/>
-          <p:cNvSpPr txBox="1"/>
+          <p:cNvSpPr txBox="1">
+            <a:spLocks noGrp="1"/>
+          </p:cNvSpPr>
           <p:nvPr>
             <p:ph type="body" idx="1"/>
           </p:nvPr>
@@ -5803,10 +5958,7 @@
           <a:p>
             <a:pPr marL="571500" indent="-571500"/>
             <a:r>
-              <a:t>Within group variance: h</a:t>
-            </a:r>
-            <a:r>
-              <a:t>ow much the answers of all participants differ from one another.</a:t>
+              <a:t>Within group variance: how much the answers of all participants differ from one another.</a:t>
             </a:r>
           </a:p>
         </p:txBody>
@@ -5816,12 +5968,12 @@
   <p:clrMapOvr>
     <a:masterClrMapping/>
   </p:clrMapOvr>
-  <p:transition xmlns:p14="http://schemas.microsoft.com/office/powerpoint/2010/main" spd="med" advClick="1"/>
+  <p:transition spd="med"/>
 </p:sld>
 </file>
 
 <file path=ppt/slides/slide16.xml><?xml version="1.0" encoding="utf-8"?>
-<p:sld xmlns:a="http://schemas.openxmlformats.org/drawingml/2006/main" xmlns:r="http://schemas.openxmlformats.org/officeDocument/2006/relationships" xmlns:p="http://schemas.openxmlformats.org/presentationml/2006/main" xmlns:m="http://schemas.openxmlformats.org/officeDocument/2006/math" xmlns:a14="http://schemas.microsoft.com/office/drawing/2010/main" showMasterSp="1" showMasterPhAnim="1">
+<p:sld xmlns:a="http://schemas.openxmlformats.org/drawingml/2006/main" xmlns:r="http://schemas.openxmlformats.org/officeDocument/2006/relationships" xmlns:p="http://schemas.openxmlformats.org/presentationml/2006/main">
   <p:cSld>
     <p:spTree>
       <p:nvGrpSpPr>
@@ -5840,7 +5992,9 @@
       <p:sp>
         <p:nvSpPr>
           <p:cNvPr id="243" name="PSY 348"/>
-          <p:cNvSpPr txBox="1"/>
+          <p:cNvSpPr txBox="1">
+            <a:spLocks noGrp="1"/>
+          </p:cNvSpPr>
           <p:nvPr>
             <p:ph type="body" idx="21"/>
           </p:nvPr>
@@ -5854,7 +6008,6 @@
           <a:bodyPr/>
           <a:lstStyle/>
           <a:p>
-            <a:pPr/>
             <a:r>
               <a:t>PSY 348</a:t>
             </a:r>
@@ -5864,7 +6017,9 @@
       <p:sp>
         <p:nvSpPr>
           <p:cNvPr id="244" name="Title 1"/>
-          <p:cNvSpPr txBox="1"/>
+          <p:cNvSpPr txBox="1">
+            <a:spLocks noGrp="1"/>
+          </p:cNvSpPr>
           <p:nvPr>
             <p:ph type="title"/>
           </p:nvPr>
@@ -5885,7 +6040,6 @@
             </a:lvl1pPr>
           </a:lstStyle>
           <a:p>
-            <a:pPr/>
             <a:r>
               <a:t>Independent samples t-test</a:t>
             </a:r>
@@ -5895,7 +6049,9 @@
       <p:sp>
         <p:nvSpPr>
           <p:cNvPr id="245" name="Content Placeholder 2"/>
-          <p:cNvSpPr txBox="1"/>
+          <p:cNvSpPr txBox="1">
+            <a:spLocks noGrp="1"/>
+          </p:cNvSpPr>
           <p:nvPr>
             <p:ph type="body" idx="1"/>
           </p:nvPr>
@@ -5942,9 +6098,7 @@
           <p:nvPr/>
         </p:nvPicPr>
         <p:blipFill>
-          <a:blip r:embed="rId2">
-            <a:extLst/>
-          </a:blip>
+          <a:blip r:embed="rId2"/>
           <a:stretch>
             <a:fillRect/>
           </a:stretch>
@@ -5967,12 +6121,12 @@
   <p:clrMapOvr>
     <a:masterClrMapping/>
   </p:clrMapOvr>
-  <p:transition xmlns:p14="http://schemas.microsoft.com/office/powerpoint/2010/main" spd="med" advClick="1"/>
+  <p:transition spd="med"/>
 </p:sld>
 </file>
 
 <file path=ppt/slides/slide17.xml><?xml version="1.0" encoding="utf-8"?>
-<p:sld xmlns:a="http://schemas.openxmlformats.org/drawingml/2006/main" xmlns:r="http://schemas.openxmlformats.org/officeDocument/2006/relationships" xmlns:p="http://schemas.openxmlformats.org/presentationml/2006/main" xmlns:m="http://schemas.openxmlformats.org/officeDocument/2006/math" xmlns:a14="http://schemas.microsoft.com/office/drawing/2010/main" showMasterSp="1" showMasterPhAnim="1">
+<p:sld xmlns:a="http://schemas.openxmlformats.org/drawingml/2006/main" xmlns:r="http://schemas.openxmlformats.org/officeDocument/2006/relationships" xmlns:p="http://schemas.openxmlformats.org/presentationml/2006/main">
   <p:cSld>
     <p:spTree>
       <p:nvGrpSpPr>
@@ -5991,7 +6145,9 @@
       <p:sp>
         <p:nvSpPr>
           <p:cNvPr id="248" name="PSY 348"/>
-          <p:cNvSpPr txBox="1"/>
+          <p:cNvSpPr txBox="1">
+            <a:spLocks noGrp="1"/>
+          </p:cNvSpPr>
           <p:nvPr>
             <p:ph type="body" idx="21"/>
           </p:nvPr>
@@ -6005,7 +6161,6 @@
           <a:bodyPr/>
           <a:lstStyle/>
           <a:p>
-            <a:pPr/>
             <a:r>
               <a:t>PSY 348</a:t>
             </a:r>
@@ -6015,7 +6170,9 @@
       <p:sp>
         <p:nvSpPr>
           <p:cNvPr id="249" name="Title 1"/>
-          <p:cNvSpPr txBox="1"/>
+          <p:cNvSpPr txBox="1">
+            <a:spLocks noGrp="1"/>
+          </p:cNvSpPr>
           <p:nvPr>
             <p:ph type="title"/>
           </p:nvPr>
@@ -6036,7 +6193,6 @@
             </a:lvl1pPr>
           </a:lstStyle>
           <a:p>
-            <a:pPr/>
             <a:r>
               <a:t>Independent samples t-test</a:t>
             </a:r>
@@ -6046,7 +6202,9 @@
       <p:sp>
         <p:nvSpPr>
           <p:cNvPr id="250" name="Content Placeholder 2"/>
-          <p:cNvSpPr txBox="1"/>
+          <p:cNvSpPr txBox="1">
+            <a:spLocks noGrp="1"/>
+          </p:cNvSpPr>
           <p:nvPr>
             <p:ph type="body" idx="1"/>
           </p:nvPr>
@@ -6093,9 +6251,7 @@
           <p:nvPr/>
         </p:nvPicPr>
         <p:blipFill>
-          <a:blip r:embed="rId2">
-            <a:extLst/>
-          </a:blip>
+          <a:blip r:embed="rId2"/>
           <a:stretch>
             <a:fillRect/>
           </a:stretch>
@@ -6118,12 +6274,12 @@
   <p:clrMapOvr>
     <a:masterClrMapping/>
   </p:clrMapOvr>
-  <p:transition xmlns:p14="http://schemas.microsoft.com/office/powerpoint/2010/main" spd="med" advClick="1"/>
+  <p:transition spd="med"/>
 </p:sld>
 </file>
 
 <file path=ppt/slides/slide18.xml><?xml version="1.0" encoding="utf-8"?>
-<p:sld xmlns:a="http://schemas.openxmlformats.org/drawingml/2006/main" xmlns:r="http://schemas.openxmlformats.org/officeDocument/2006/relationships" xmlns:p="http://schemas.openxmlformats.org/presentationml/2006/main" xmlns:m="http://schemas.openxmlformats.org/officeDocument/2006/math" xmlns:a14="http://schemas.microsoft.com/office/drawing/2010/main" showMasterSp="1" showMasterPhAnim="1">
+<p:sld xmlns:a="http://schemas.openxmlformats.org/drawingml/2006/main" xmlns:r="http://schemas.openxmlformats.org/officeDocument/2006/relationships" xmlns:p="http://schemas.openxmlformats.org/presentationml/2006/main">
   <p:cSld>
     <p:spTree>
       <p:nvGrpSpPr>
@@ -6142,7 +6298,9 @@
       <p:sp>
         <p:nvSpPr>
           <p:cNvPr id="253" name="PSY 348"/>
-          <p:cNvSpPr txBox="1"/>
+          <p:cNvSpPr txBox="1">
+            <a:spLocks noGrp="1"/>
+          </p:cNvSpPr>
           <p:nvPr>
             <p:ph type="body" idx="21"/>
           </p:nvPr>
@@ -6156,7 +6314,6 @@
           <a:bodyPr/>
           <a:lstStyle/>
           <a:p>
-            <a:pPr/>
             <a:r>
               <a:t>PSY 348</a:t>
             </a:r>
@@ -6166,7 +6323,9 @@
       <p:sp>
         <p:nvSpPr>
           <p:cNvPr id="254" name="Title 1"/>
-          <p:cNvSpPr txBox="1"/>
+          <p:cNvSpPr txBox="1">
+            <a:spLocks noGrp="1"/>
+          </p:cNvSpPr>
           <p:nvPr>
             <p:ph type="title"/>
           </p:nvPr>
@@ -6187,7 +6346,6 @@
             </a:lvl1pPr>
           </a:lstStyle>
           <a:p>
-            <a:pPr/>
             <a:r>
               <a:t>Independent samples t-test</a:t>
             </a:r>
@@ -6197,7 +6355,9 @@
       <p:sp>
         <p:nvSpPr>
           <p:cNvPr id="255" name="Content Placeholder 2"/>
-          <p:cNvSpPr txBox="1"/>
+          <p:cNvSpPr txBox="1">
+            <a:spLocks noGrp="1"/>
+          </p:cNvSpPr>
           <p:nvPr>
             <p:ph type="body" idx="1"/>
           </p:nvPr>
@@ -6230,10 +6390,7 @@
           <a:p>
             <a:pPr marL="571500" indent="-571500"/>
             <a:r>
-              <a:t>Within group variance: h</a:t>
-            </a:r>
-            <a:r>
-              <a:t>ow much the answers of all participants differ from one another.</a:t>
+              <a:t>Within group variance: how much the answers of all participants differ from one another.</a:t>
             </a:r>
           </a:p>
         </p:txBody>
@@ -6243,12 +6400,12 @@
   <p:clrMapOvr>
     <a:masterClrMapping/>
   </p:clrMapOvr>
-  <p:transition xmlns:p14="http://schemas.microsoft.com/office/powerpoint/2010/main" spd="med" advClick="1"/>
+  <p:transition spd="med"/>
 </p:sld>
 </file>
 
 <file path=ppt/slides/slide19.xml><?xml version="1.0" encoding="utf-8"?>
-<p:sld xmlns:a="http://schemas.openxmlformats.org/drawingml/2006/main" xmlns:r="http://schemas.openxmlformats.org/officeDocument/2006/relationships" xmlns:p="http://schemas.openxmlformats.org/presentationml/2006/main" xmlns:m="http://schemas.openxmlformats.org/officeDocument/2006/math" xmlns:a14="http://schemas.microsoft.com/office/drawing/2010/main" showMasterSp="1" showMasterPhAnim="1">
+<p:sld xmlns:a="http://schemas.openxmlformats.org/drawingml/2006/main" xmlns:r="http://schemas.openxmlformats.org/officeDocument/2006/relationships" xmlns:p="http://schemas.openxmlformats.org/presentationml/2006/main">
   <p:cSld>
     <p:spTree>
       <p:nvGrpSpPr>
@@ -6267,7 +6424,9 @@
       <p:sp>
         <p:nvSpPr>
           <p:cNvPr id="257" name="PSY 348"/>
-          <p:cNvSpPr txBox="1"/>
+          <p:cNvSpPr txBox="1">
+            <a:spLocks noGrp="1"/>
+          </p:cNvSpPr>
           <p:nvPr>
             <p:ph type="body" idx="21"/>
           </p:nvPr>
@@ -6281,7 +6440,6 @@
           <a:bodyPr/>
           <a:lstStyle/>
           <a:p>
-            <a:pPr/>
             <a:r>
               <a:t>PSY 348</a:t>
             </a:r>
@@ -6291,7 +6449,9 @@
       <p:sp>
         <p:nvSpPr>
           <p:cNvPr id="258" name="Independent samples t-test"/>
-          <p:cNvSpPr txBox="1"/>
+          <p:cNvSpPr txBox="1">
+            <a:spLocks noGrp="1"/>
+          </p:cNvSpPr>
           <p:nvPr>
             <p:ph type="title"/>
           </p:nvPr>
@@ -6312,7 +6472,6 @@
             </a:lvl1pPr>
           </a:lstStyle>
           <a:p>
-            <a:pPr/>
             <a:r>
               <a:t>Independent samples t-test</a:t>
             </a:r>
@@ -6322,7 +6481,9 @@
       <p:sp>
         <p:nvSpPr>
           <p:cNvPr id="259" name="Theoretical Formula:…"/>
-          <p:cNvSpPr txBox="1"/>
+          <p:cNvSpPr txBox="1">
+            <a:spLocks noGrp="1"/>
+          </p:cNvSpPr>
           <p:nvPr>
             <p:ph type="body" idx="1"/>
           </p:nvPr>
@@ -6366,12 +6527,12 @@
   <p:clrMapOvr>
     <a:masterClrMapping/>
   </p:clrMapOvr>
-  <p:transition xmlns:p14="http://schemas.microsoft.com/office/powerpoint/2010/main" spd="med" advClick="1"/>
+  <p:transition spd="med"/>
 </p:sld>
 </file>
 
 <file path=ppt/slides/slide2.xml><?xml version="1.0" encoding="utf-8"?>
-<p:sld xmlns:a="http://schemas.openxmlformats.org/drawingml/2006/main" xmlns:r="http://schemas.openxmlformats.org/officeDocument/2006/relationships" xmlns:p="http://schemas.openxmlformats.org/presentationml/2006/main" xmlns:m="http://schemas.openxmlformats.org/officeDocument/2006/math" xmlns:a14="http://schemas.microsoft.com/office/drawing/2010/main" showMasterSp="1" showMasterPhAnim="1">
+<p:sld xmlns:a="http://schemas.openxmlformats.org/drawingml/2006/main" xmlns:r="http://schemas.openxmlformats.org/officeDocument/2006/relationships" xmlns:p="http://schemas.openxmlformats.org/presentationml/2006/main">
   <p:cSld>
     <p:spTree>
       <p:nvGrpSpPr>
@@ -6390,7 +6551,9 @@
       <p:sp>
         <p:nvSpPr>
           <p:cNvPr id="169" name="PSY 348"/>
-          <p:cNvSpPr txBox="1"/>
+          <p:cNvSpPr txBox="1">
+            <a:spLocks noGrp="1"/>
+          </p:cNvSpPr>
           <p:nvPr>
             <p:ph type="body" idx="21"/>
           </p:nvPr>
@@ -6404,8 +6567,8 @@
           <a:bodyPr/>
           <a:lstStyle/>
           <a:p>
-            <a:pPr/>
-            <a:r>
+            <a:r>
+              <a:rPr dirty="0"/>
               <a:t>PSY 348</a:t>
             </a:r>
           </a:p>
@@ -6414,7 +6577,9 @@
       <p:sp>
         <p:nvSpPr>
           <p:cNvPr id="170" name="Sampling Theory"/>
-          <p:cNvSpPr txBox="1"/>
+          <p:cNvSpPr txBox="1">
+            <a:spLocks noGrp="1"/>
+          </p:cNvSpPr>
           <p:nvPr>
             <p:ph type="title"/>
           </p:nvPr>
@@ -6435,7 +6600,6 @@
             </a:lvl1pPr>
           </a:lstStyle>
           <a:p>
-            <a:pPr/>
             <a:r>
               <a:t>Sampling Theory</a:t>
             </a:r>
@@ -6451,9 +6615,7 @@
           <p:nvPr/>
         </p:nvPicPr>
         <p:blipFill>
-          <a:blip r:embed="rId2">
-            <a:extLst/>
-          </a:blip>
+          <a:blip r:embed="rId2"/>
           <a:stretch>
             <a:fillRect/>
           </a:stretch>
@@ -6476,12 +6638,12 @@
   <p:clrMapOvr>
     <a:masterClrMapping/>
   </p:clrMapOvr>
-  <p:transition xmlns:p14="http://schemas.microsoft.com/office/powerpoint/2010/main" spd="med" advClick="1"/>
+  <p:transition spd="med"/>
 </p:sld>
 </file>
 
 <file path=ppt/slides/slide20.xml><?xml version="1.0" encoding="utf-8"?>
-<p:sld xmlns:a="http://schemas.openxmlformats.org/drawingml/2006/main" xmlns:r="http://schemas.openxmlformats.org/officeDocument/2006/relationships" xmlns:p="http://schemas.openxmlformats.org/presentationml/2006/main" xmlns:m="http://schemas.openxmlformats.org/officeDocument/2006/math" xmlns:a14="http://schemas.microsoft.com/office/drawing/2010/main" showMasterSp="1" showMasterPhAnim="1">
+<p:sld xmlns:a="http://schemas.openxmlformats.org/drawingml/2006/main" xmlns:r="http://schemas.openxmlformats.org/officeDocument/2006/relationships" xmlns:p="http://schemas.openxmlformats.org/presentationml/2006/main">
   <p:cSld>
     <p:spTree>
       <p:nvGrpSpPr>
@@ -6500,7 +6662,9 @@
       <p:sp>
         <p:nvSpPr>
           <p:cNvPr id="261" name="PSY 348"/>
-          <p:cNvSpPr txBox="1"/>
+          <p:cNvSpPr txBox="1">
+            <a:spLocks noGrp="1"/>
+          </p:cNvSpPr>
           <p:nvPr>
             <p:ph type="body" idx="21"/>
           </p:nvPr>
@@ -6514,7 +6678,6 @@
           <a:bodyPr/>
           <a:lstStyle/>
           <a:p>
-            <a:pPr/>
             <a:r>
               <a:t>PSY 348</a:t>
             </a:r>
@@ -6524,7 +6687,9 @@
       <p:sp>
         <p:nvSpPr>
           <p:cNvPr id="262" name="Title 1"/>
-          <p:cNvSpPr txBox="1"/>
+          <p:cNvSpPr txBox="1">
+            <a:spLocks noGrp="1"/>
+          </p:cNvSpPr>
           <p:nvPr>
             <p:ph type="title"/>
           </p:nvPr>
@@ -6545,7 +6710,6 @@
             </a:lvl1pPr>
           </a:lstStyle>
           <a:p>
-            <a:pPr/>
             <a:r>
               <a:t>Forumlas</a:t>
             </a:r>
@@ -6555,7 +6719,9 @@
       <p:sp>
         <p:nvSpPr>
           <p:cNvPr id="263" name="Content Placeholder 2"/>
-          <p:cNvSpPr txBox="1"/>
+          <p:cNvSpPr txBox="1">
+            <a:spLocks noGrp="1"/>
+          </p:cNvSpPr>
           <p:nvPr>
             <p:ph type="body" idx="1"/>
           </p:nvPr>
@@ -6602,12 +6768,12 @@
   <p:clrMapOvr>
     <a:masterClrMapping/>
   </p:clrMapOvr>
-  <p:transition xmlns:p14="http://schemas.microsoft.com/office/powerpoint/2010/main" spd="med" advClick="1"/>
+  <p:transition spd="med"/>
 </p:sld>
 </file>
 
 <file path=ppt/slides/slide21.xml><?xml version="1.0" encoding="utf-8"?>
-<p:sld xmlns:a="http://schemas.openxmlformats.org/drawingml/2006/main" xmlns:r="http://schemas.openxmlformats.org/officeDocument/2006/relationships" xmlns:p="http://schemas.openxmlformats.org/presentationml/2006/main" xmlns:m="http://schemas.openxmlformats.org/officeDocument/2006/math" xmlns:a14="http://schemas.microsoft.com/office/drawing/2010/main" showMasterSp="1" showMasterPhAnim="1">
+<p:sld xmlns:a="http://schemas.openxmlformats.org/drawingml/2006/main" xmlns:r="http://schemas.openxmlformats.org/officeDocument/2006/relationships" xmlns:p="http://schemas.openxmlformats.org/presentationml/2006/main">
   <p:cSld>
     <p:spTree>
       <p:nvGrpSpPr>
@@ -6626,7 +6792,9 @@
       <p:sp>
         <p:nvSpPr>
           <p:cNvPr id="265" name="PSY 348"/>
-          <p:cNvSpPr txBox="1"/>
+          <p:cNvSpPr txBox="1">
+            <a:spLocks noGrp="1"/>
+          </p:cNvSpPr>
           <p:nvPr>
             <p:ph type="body" idx="21"/>
           </p:nvPr>
@@ -6640,7 +6808,6 @@
           <a:bodyPr/>
           <a:lstStyle/>
           <a:p>
-            <a:pPr/>
             <a:r>
               <a:t>PSY 348</a:t>
             </a:r>
@@ -6650,7 +6817,9 @@
       <p:sp>
         <p:nvSpPr>
           <p:cNvPr id="266" name="Independent samples t-test"/>
-          <p:cNvSpPr txBox="1"/>
+          <p:cNvSpPr txBox="1">
+            <a:spLocks noGrp="1"/>
+          </p:cNvSpPr>
           <p:nvPr>
             <p:ph type="title"/>
           </p:nvPr>
@@ -6671,7 +6840,6 @@
             </a:lvl1pPr>
           </a:lstStyle>
           <a:p>
-            <a:pPr/>
             <a:r>
               <a:t>Independent samples t-test</a:t>
             </a:r>
@@ -6681,7 +6849,9 @@
       <p:sp>
         <p:nvSpPr>
           <p:cNvPr id="267" name="Theoretical Formula:…"/>
-          <p:cNvSpPr txBox="1"/>
+          <p:cNvSpPr txBox="1">
+            <a:spLocks noGrp="1"/>
+          </p:cNvSpPr>
           <p:nvPr>
             <p:ph type="body" idx="1"/>
           </p:nvPr>
@@ -6725,12 +6895,12 @@
   <p:clrMapOvr>
     <a:masterClrMapping/>
   </p:clrMapOvr>
-  <p:transition xmlns:p14="http://schemas.microsoft.com/office/powerpoint/2010/main" spd="med" advClick="1"/>
+  <p:transition spd="med"/>
 </p:sld>
 </file>
 
 <file path=ppt/slides/slide22.xml><?xml version="1.0" encoding="utf-8"?>
-<p:sld xmlns:a="http://schemas.openxmlformats.org/drawingml/2006/main" xmlns:r="http://schemas.openxmlformats.org/officeDocument/2006/relationships" xmlns:p="http://schemas.openxmlformats.org/presentationml/2006/main" xmlns:m="http://schemas.openxmlformats.org/officeDocument/2006/math" xmlns:a14="http://schemas.microsoft.com/office/drawing/2010/main" showMasterSp="1" showMasterPhAnim="1">
+<p:sld xmlns:a="http://schemas.openxmlformats.org/drawingml/2006/main" xmlns:r="http://schemas.openxmlformats.org/officeDocument/2006/relationships" xmlns:p="http://schemas.openxmlformats.org/presentationml/2006/main">
   <p:cSld>
     <p:spTree>
       <p:nvGrpSpPr>
@@ -6749,7 +6919,9 @@
       <p:sp>
         <p:nvSpPr>
           <p:cNvPr id="269" name="PSY 348"/>
-          <p:cNvSpPr txBox="1"/>
+          <p:cNvSpPr txBox="1">
+            <a:spLocks noGrp="1"/>
+          </p:cNvSpPr>
           <p:nvPr>
             <p:ph type="body" idx="21"/>
           </p:nvPr>
@@ -6763,7 +6935,6 @@
           <a:bodyPr/>
           <a:lstStyle/>
           <a:p>
-            <a:pPr/>
             <a:r>
               <a:t>PSY 348</a:t>
             </a:r>
@@ -6773,7 +6944,9 @@
       <p:sp>
         <p:nvSpPr>
           <p:cNvPr id="270" name="Independent samples t-test"/>
-          <p:cNvSpPr txBox="1"/>
+          <p:cNvSpPr txBox="1">
+            <a:spLocks noGrp="1"/>
+          </p:cNvSpPr>
           <p:nvPr>
             <p:ph type="title"/>
           </p:nvPr>
@@ -6794,7 +6967,6 @@
             </a:lvl1pPr>
           </a:lstStyle>
           <a:p>
-            <a:pPr/>
             <a:r>
               <a:t>Independent samples t-test</a:t>
             </a:r>
@@ -6804,7 +6976,9 @@
       <p:sp>
         <p:nvSpPr>
           <p:cNvPr id="271" name="Theoretical Formula:…"/>
-          <p:cNvSpPr txBox="1"/>
+          <p:cNvSpPr txBox="1">
+            <a:spLocks noGrp="1"/>
+          </p:cNvSpPr>
           <p:nvPr>
             <p:ph type="body" idx="1"/>
           </p:nvPr>
@@ -6875,13 +7049,14 @@
               <a:spcBef>
                 <a:spcPts val="0"/>
               </a:spcBef>
-              <a:defRPr cap="all" sz="4000">
+              <a:defRPr sz="4000" cap="all">
                 <a:latin typeface="+mn-lt"/>
                 <a:ea typeface="+mn-ea"/>
                 <a:cs typeface="+mn-cs"/>
                 <a:sym typeface="DIN Condensed Bold"/>
               </a:defRPr>
             </a:pPr>
+            <a:endParaRPr/>
           </a:p>
         </p:txBody>
       </p:sp>
@@ -6890,12 +7065,12 @@
   <p:clrMapOvr>
     <a:masterClrMapping/>
   </p:clrMapOvr>
-  <p:transition xmlns:p14="http://schemas.microsoft.com/office/powerpoint/2010/main" spd="med" advClick="1"/>
+  <p:transition spd="med"/>
 </p:sld>
 </file>
 
 <file path=ppt/slides/slide23.xml><?xml version="1.0" encoding="utf-8"?>
-<p:sld xmlns:a="http://schemas.openxmlformats.org/drawingml/2006/main" xmlns:r="http://schemas.openxmlformats.org/officeDocument/2006/relationships" xmlns:p="http://schemas.openxmlformats.org/presentationml/2006/main" xmlns:m="http://schemas.openxmlformats.org/officeDocument/2006/math" xmlns:a14="http://schemas.microsoft.com/office/drawing/2010/main" showMasterSp="1" showMasterPhAnim="1">
+<p:sld xmlns:a="http://schemas.openxmlformats.org/drawingml/2006/main" xmlns:r="http://schemas.openxmlformats.org/officeDocument/2006/relationships" xmlns:p="http://schemas.openxmlformats.org/presentationml/2006/main">
   <p:cSld>
     <p:spTree>
       <p:nvGrpSpPr>
@@ -6914,7 +7089,9 @@
       <p:sp>
         <p:nvSpPr>
           <p:cNvPr id="274" name="PSY 348"/>
-          <p:cNvSpPr txBox="1"/>
+          <p:cNvSpPr txBox="1">
+            <a:spLocks noGrp="1"/>
+          </p:cNvSpPr>
           <p:nvPr>
             <p:ph type="body" idx="21"/>
           </p:nvPr>
@@ -6928,7 +7105,6 @@
           <a:bodyPr/>
           <a:lstStyle/>
           <a:p>
-            <a:pPr/>
             <a:r>
               <a:t>PSY 348</a:t>
             </a:r>
@@ -6938,7 +7114,9 @@
       <p:sp>
         <p:nvSpPr>
           <p:cNvPr id="275" name="Independent samples t-test"/>
-          <p:cNvSpPr txBox="1"/>
+          <p:cNvSpPr txBox="1">
+            <a:spLocks noGrp="1"/>
+          </p:cNvSpPr>
           <p:nvPr>
             <p:ph type="title"/>
           </p:nvPr>
@@ -6959,7 +7137,6 @@
             </a:lvl1pPr>
           </a:lstStyle>
           <a:p>
-            <a:pPr/>
             <a:r>
               <a:t>Independent samples t-test</a:t>
             </a:r>
@@ -6969,7 +7146,9 @@
       <p:sp>
         <p:nvSpPr>
           <p:cNvPr id="276" name="Theoretical Formula:…"/>
-          <p:cNvSpPr txBox="1"/>
+          <p:cNvSpPr txBox="1">
+            <a:spLocks noGrp="1"/>
+          </p:cNvSpPr>
           <p:nvPr>
             <p:ph type="body" idx="1"/>
           </p:nvPr>
@@ -7040,13 +7219,14 @@
               <a:spcBef>
                 <a:spcPts val="0"/>
               </a:spcBef>
-              <a:defRPr cap="all" sz="4000">
+              <a:defRPr sz="4000" cap="all">
                 <a:latin typeface="+mn-lt"/>
                 <a:ea typeface="+mn-ea"/>
                 <a:cs typeface="+mn-cs"/>
                 <a:sym typeface="DIN Condensed Bold"/>
               </a:defRPr>
             </a:pPr>
+            <a:endParaRPr/>
           </a:p>
         </p:txBody>
       </p:sp>
@@ -7055,12 +7235,12 @@
   <p:clrMapOvr>
     <a:masterClrMapping/>
   </p:clrMapOvr>
-  <p:transition xmlns:p14="http://schemas.microsoft.com/office/powerpoint/2010/main" spd="med" advClick="1"/>
+  <p:transition spd="med"/>
 </p:sld>
 </file>
 
 <file path=ppt/slides/slide24.xml><?xml version="1.0" encoding="utf-8"?>
-<p:sld xmlns:a="http://schemas.openxmlformats.org/drawingml/2006/main" xmlns:r="http://schemas.openxmlformats.org/officeDocument/2006/relationships" xmlns:p="http://schemas.openxmlformats.org/presentationml/2006/main" xmlns:m="http://schemas.openxmlformats.org/officeDocument/2006/math" xmlns:a14="http://schemas.microsoft.com/office/drawing/2010/main" showMasterSp="1" showMasterPhAnim="1">
+<p:sld xmlns:a="http://schemas.openxmlformats.org/drawingml/2006/main" xmlns:r="http://schemas.openxmlformats.org/officeDocument/2006/relationships" xmlns:p="http://schemas.openxmlformats.org/presentationml/2006/main">
   <p:cSld>
     <p:spTree>
       <p:nvGrpSpPr>
@@ -7079,7 +7259,9 @@
       <p:sp>
         <p:nvSpPr>
           <p:cNvPr id="279" name="PSY 348"/>
-          <p:cNvSpPr txBox="1"/>
+          <p:cNvSpPr txBox="1">
+            <a:spLocks noGrp="1"/>
+          </p:cNvSpPr>
           <p:nvPr>
             <p:ph type="body" idx="21"/>
           </p:nvPr>
@@ -7093,7 +7275,6 @@
           <a:bodyPr/>
           <a:lstStyle/>
           <a:p>
-            <a:pPr/>
             <a:r>
               <a:t>PSY 348</a:t>
             </a:r>
@@ -7103,7 +7284,9 @@
       <p:sp>
         <p:nvSpPr>
           <p:cNvPr id="280" name="Independent samples t-test"/>
-          <p:cNvSpPr txBox="1"/>
+          <p:cNvSpPr txBox="1">
+            <a:spLocks noGrp="1"/>
+          </p:cNvSpPr>
           <p:nvPr>
             <p:ph type="title"/>
           </p:nvPr>
@@ -7124,7 +7307,6 @@
             </a:lvl1pPr>
           </a:lstStyle>
           <a:p>
-            <a:pPr/>
             <a:r>
               <a:t>Independent samples t-test</a:t>
             </a:r>
@@ -7134,7 +7316,9 @@
       <p:sp>
         <p:nvSpPr>
           <p:cNvPr id="281" name="Theoretical Formula:…"/>
-          <p:cNvSpPr txBox="1"/>
+          <p:cNvSpPr txBox="1">
+            <a:spLocks noGrp="1"/>
+          </p:cNvSpPr>
           <p:nvPr>
             <p:ph type="body" idx="1"/>
           </p:nvPr>
@@ -7205,13 +7389,14 @@
               <a:spcBef>
                 <a:spcPts val="0"/>
               </a:spcBef>
-              <a:defRPr cap="all" sz="4000">
+              <a:defRPr sz="4000" cap="all">
                 <a:latin typeface="+mn-lt"/>
                 <a:ea typeface="+mn-ea"/>
                 <a:cs typeface="+mn-cs"/>
                 <a:sym typeface="DIN Condensed Bold"/>
               </a:defRPr>
             </a:pPr>
+            <a:endParaRPr/>
           </a:p>
         </p:txBody>
       </p:sp>
@@ -7220,12 +7405,12 @@
   <p:clrMapOvr>
     <a:masterClrMapping/>
   </p:clrMapOvr>
-  <p:transition xmlns:p14="http://schemas.microsoft.com/office/powerpoint/2010/main" spd="med" advClick="1"/>
+  <p:transition spd="med"/>
 </p:sld>
 </file>
 
 <file path=ppt/slides/slide25.xml><?xml version="1.0" encoding="utf-8"?>
-<p:sld xmlns:a="http://schemas.openxmlformats.org/drawingml/2006/main" xmlns:r="http://schemas.openxmlformats.org/officeDocument/2006/relationships" xmlns:p="http://schemas.openxmlformats.org/presentationml/2006/main" xmlns:m="http://schemas.openxmlformats.org/officeDocument/2006/math" xmlns:a14="http://schemas.microsoft.com/office/drawing/2010/main" showMasterSp="1" showMasterPhAnim="1">
+<p:sld xmlns:a="http://schemas.openxmlformats.org/drawingml/2006/main" xmlns:r="http://schemas.openxmlformats.org/officeDocument/2006/relationships" xmlns:p="http://schemas.openxmlformats.org/presentationml/2006/main">
   <p:cSld>
     <p:spTree>
       <p:nvGrpSpPr>
@@ -7244,7 +7429,9 @@
       <p:sp>
         <p:nvSpPr>
           <p:cNvPr id="284" name="PSY 348"/>
-          <p:cNvSpPr txBox="1"/>
+          <p:cNvSpPr txBox="1">
+            <a:spLocks noGrp="1"/>
+          </p:cNvSpPr>
           <p:nvPr>
             <p:ph type="body" idx="21"/>
           </p:nvPr>
@@ -7258,7 +7445,6 @@
           <a:bodyPr/>
           <a:lstStyle/>
           <a:p>
-            <a:pPr/>
             <a:r>
               <a:t>PSY 348</a:t>
             </a:r>
@@ -7268,7 +7454,9 @@
       <p:sp>
         <p:nvSpPr>
           <p:cNvPr id="285" name="Independent samples t-test"/>
-          <p:cNvSpPr txBox="1"/>
+          <p:cNvSpPr txBox="1">
+            <a:spLocks noGrp="1"/>
+          </p:cNvSpPr>
           <p:nvPr>
             <p:ph type="title"/>
           </p:nvPr>
@@ -7289,7 +7477,6 @@
             </a:lvl1pPr>
           </a:lstStyle>
           <a:p>
-            <a:pPr/>
             <a:r>
               <a:t>Independent samples t-test</a:t>
             </a:r>
@@ -7299,7 +7486,9 @@
       <p:sp>
         <p:nvSpPr>
           <p:cNvPr id="286" name="Computational Formula:…"/>
-          <p:cNvSpPr txBox="1"/>
+          <p:cNvSpPr txBox="1">
+            <a:spLocks noGrp="1"/>
+          </p:cNvSpPr>
           <p:nvPr>
             <p:ph type="body" idx="1"/>
           </p:nvPr>
@@ -7381,13 +7570,14 @@
               <a:spcBef>
                 <a:spcPts val="0"/>
               </a:spcBef>
-              <a:defRPr cap="all" sz="4000">
+              <a:defRPr sz="4000" cap="all">
                 <a:latin typeface="+mn-lt"/>
                 <a:ea typeface="+mn-ea"/>
                 <a:cs typeface="+mn-cs"/>
                 <a:sym typeface="DIN Condensed Bold"/>
               </a:defRPr>
             </a:pPr>
+            <a:endParaRPr/>
           </a:p>
         </p:txBody>
       </p:sp>
@@ -7410,7 +7600,7 @@
           </a:ln>
           <a:extLst>
             <a:ext uri="{C572A759-6A51-4108-AA02-DFA0A04FC94B}">
-              <ma14:wrappingTextBoxFlag xmlns:ma14="http://schemas.microsoft.com/office/mac/drawingml/2011/main" val="1"/>
+              <ma14:wrappingTextBoxFlag xmlns:ma14="http://schemas.microsoft.com/office/mac/drawingml/2011/main" xmlns:a14="http://schemas.microsoft.com/office/drawing/2010/main" xmlns:m="http://schemas.openxmlformats.org/officeDocument/2006/math" xmlns="" val="1"/>
             </a:ext>
           </a:extLst>
         </p:spPr>
@@ -7424,7 +7614,6 @@
             </a:lvl1pPr>
           </a:lstStyle>
           <a:p>
-            <a:pPr/>
             <a:r>
               <a:t>t = </a:t>
             </a:r>
@@ -7436,12 +7625,12 @@
   <p:clrMapOvr>
     <a:masterClrMapping/>
   </p:clrMapOvr>
-  <p:transition xmlns:p14="http://schemas.microsoft.com/office/powerpoint/2010/main" spd="med" advClick="1"/>
+  <p:transition spd="med"/>
 </p:sld>
 </file>
 
 <file path=ppt/slides/slide26.xml><?xml version="1.0" encoding="utf-8"?>
-<p:sld xmlns:a="http://schemas.openxmlformats.org/drawingml/2006/main" xmlns:r="http://schemas.openxmlformats.org/officeDocument/2006/relationships" xmlns:p="http://schemas.openxmlformats.org/presentationml/2006/main" xmlns:m="http://schemas.openxmlformats.org/officeDocument/2006/math" xmlns:a14="http://schemas.microsoft.com/office/drawing/2010/main" showMasterSp="1" showMasterPhAnim="1">
+<p:sld xmlns:a="http://schemas.openxmlformats.org/drawingml/2006/main" xmlns:r="http://schemas.openxmlformats.org/officeDocument/2006/relationships" xmlns:p="http://schemas.openxmlformats.org/presentationml/2006/main">
   <p:cSld>
     <p:spTree>
       <p:nvGrpSpPr>
@@ -7460,7 +7649,9 @@
       <p:sp>
         <p:nvSpPr>
           <p:cNvPr id="290" name="PSY 348"/>
-          <p:cNvSpPr txBox="1"/>
+          <p:cNvSpPr txBox="1">
+            <a:spLocks noGrp="1"/>
+          </p:cNvSpPr>
           <p:nvPr>
             <p:ph type="body" idx="21"/>
           </p:nvPr>
@@ -7474,7 +7665,6 @@
           <a:bodyPr/>
           <a:lstStyle/>
           <a:p>
-            <a:pPr/>
             <a:r>
               <a:t>PSY 348</a:t>
             </a:r>
@@ -7484,7 +7674,9 @@
       <p:sp>
         <p:nvSpPr>
           <p:cNvPr id="291" name="Independent samples t-test"/>
-          <p:cNvSpPr txBox="1"/>
+          <p:cNvSpPr txBox="1">
+            <a:spLocks noGrp="1"/>
+          </p:cNvSpPr>
           <p:nvPr>
             <p:ph type="title"/>
           </p:nvPr>
@@ -7505,7 +7697,6 @@
             </a:lvl1pPr>
           </a:lstStyle>
           <a:p>
-            <a:pPr/>
             <a:r>
               <a:t>Independent samples t-test</a:t>
             </a:r>
@@ -7515,7 +7706,9 @@
       <p:sp>
         <p:nvSpPr>
           <p:cNvPr id="292" name="Computational Formula:…"/>
-          <p:cNvSpPr txBox="1"/>
+          <p:cNvSpPr txBox="1">
+            <a:spLocks noGrp="1"/>
+          </p:cNvSpPr>
           <p:nvPr>
             <p:ph type="body" idx="1"/>
           </p:nvPr>
@@ -7597,13 +7790,14 @@
               <a:spcBef>
                 <a:spcPts val="0"/>
               </a:spcBef>
-              <a:defRPr cap="all" sz="4000">
+              <a:defRPr sz="4000" cap="all">
                 <a:latin typeface="+mn-lt"/>
                 <a:ea typeface="+mn-ea"/>
                 <a:cs typeface="+mn-cs"/>
                 <a:sym typeface="DIN Condensed Bold"/>
               </a:defRPr>
             </a:pPr>
+            <a:endParaRPr/>
           </a:p>
         </p:txBody>
       </p:sp>
@@ -7626,7 +7820,7 @@
           </a:ln>
           <a:extLst>
             <a:ext uri="{C572A759-6A51-4108-AA02-DFA0A04FC94B}">
-              <ma14:wrappingTextBoxFlag xmlns:ma14="http://schemas.microsoft.com/office/mac/drawingml/2011/main" val="1"/>
+              <ma14:wrappingTextBoxFlag xmlns:ma14="http://schemas.microsoft.com/office/mac/drawingml/2011/main" xmlns:a14="http://schemas.microsoft.com/office/drawing/2010/main" xmlns:m="http://schemas.openxmlformats.org/officeDocument/2006/math" xmlns="" val="1"/>
             </a:ext>
           </a:extLst>
         </p:spPr>
@@ -7640,7 +7834,6 @@
             </a:lvl1pPr>
           </a:lstStyle>
           <a:p>
-            <a:pPr/>
             <a:r>
               <a:t>t = </a:t>
             </a:r>
@@ -7666,7 +7859,7 @@
           </a:ln>
           <a:extLst>
             <a:ext uri="{C572A759-6A51-4108-AA02-DFA0A04FC94B}">
-              <ma14:wrappingTextBoxFlag xmlns:ma14="http://schemas.microsoft.com/office/mac/drawingml/2011/main" val="1"/>
+              <ma14:wrappingTextBoxFlag xmlns:ma14="http://schemas.microsoft.com/office/mac/drawingml/2011/main" xmlns:a14="http://schemas.microsoft.com/office/drawing/2010/main" xmlns:m="http://schemas.openxmlformats.org/officeDocument/2006/math" xmlns="" val="1"/>
             </a:ext>
           </a:extLst>
         </p:spPr>
@@ -7683,7 +7876,6 @@
             </a:lvl1pPr>
           </a:lstStyle>
           <a:p>
-            <a:pPr/>
             <a:r>
               <a:t>√pooled s</a:t>
             </a:r>
@@ -7722,13 +7914,14 @@
               <a:spcBef>
                 <a:spcPts val="0"/>
               </a:spcBef>
-              <a:defRPr cap="all" sz="4000">
+              <a:defRPr sz="4000" cap="all">
                 <a:latin typeface="+mn-lt"/>
                 <a:ea typeface="+mn-ea"/>
                 <a:cs typeface="+mn-cs"/>
                 <a:sym typeface="DIN Condensed Bold"/>
               </a:defRPr>
             </a:pPr>
+            <a:endParaRPr/>
           </a:p>
         </p:txBody>
       </p:sp>
@@ -7737,12 +7930,12 @@
   <p:clrMapOvr>
     <a:masterClrMapping/>
   </p:clrMapOvr>
-  <p:transition xmlns:p14="http://schemas.microsoft.com/office/powerpoint/2010/main" spd="med" advClick="1"/>
+  <p:transition spd="med"/>
 </p:sld>
 </file>
 
 <file path=ppt/slides/slide27.xml><?xml version="1.0" encoding="utf-8"?>
-<p:sld xmlns:a="http://schemas.openxmlformats.org/drawingml/2006/main" xmlns:r="http://schemas.openxmlformats.org/officeDocument/2006/relationships" xmlns:p="http://schemas.openxmlformats.org/presentationml/2006/main" xmlns:m="http://schemas.openxmlformats.org/officeDocument/2006/math" xmlns:a14="http://schemas.microsoft.com/office/drawing/2010/main" showMasterSp="1" showMasterPhAnim="1">
+<p:sld xmlns:a="http://schemas.openxmlformats.org/drawingml/2006/main" xmlns:r="http://schemas.openxmlformats.org/officeDocument/2006/relationships" xmlns:p="http://schemas.openxmlformats.org/presentationml/2006/main">
   <p:cSld>
     <p:spTree>
       <p:nvGrpSpPr>
@@ -7761,7 +7954,9 @@
       <p:sp>
         <p:nvSpPr>
           <p:cNvPr id="298" name="Title 3"/>
-          <p:cNvSpPr txBox="1"/>
+          <p:cNvSpPr txBox="1">
+            <a:spLocks noGrp="1"/>
+          </p:cNvSpPr>
           <p:nvPr>
             <p:ph type="title"/>
           </p:nvPr>
@@ -7779,7 +7974,6 @@
             </a:lvl1pPr>
           </a:lstStyle>
           <a:p>
-            <a:pPr/>
             <a:r>
               <a:t>SPSS</a:t>
             </a:r>
@@ -7791,12 +7985,12 @@
   <p:clrMapOvr>
     <a:masterClrMapping/>
   </p:clrMapOvr>
-  <p:transition xmlns:p14="http://schemas.microsoft.com/office/powerpoint/2010/main" spd="med" advClick="1"/>
+  <p:transition spd="med"/>
 </p:sld>
 </file>
 
 <file path=ppt/slides/slide28.xml><?xml version="1.0" encoding="utf-8"?>
-<p:sld xmlns:a="http://schemas.openxmlformats.org/drawingml/2006/main" xmlns:r="http://schemas.openxmlformats.org/officeDocument/2006/relationships" xmlns:p="http://schemas.openxmlformats.org/presentationml/2006/main" xmlns:m="http://schemas.openxmlformats.org/officeDocument/2006/math" xmlns:a14="http://schemas.microsoft.com/office/drawing/2010/main" showMasterSp="1" showMasterPhAnim="1">
+<p:sld xmlns:a="http://schemas.openxmlformats.org/drawingml/2006/main" xmlns:r="http://schemas.openxmlformats.org/officeDocument/2006/relationships" xmlns:p="http://schemas.openxmlformats.org/presentationml/2006/main">
   <p:cSld>
     <p:spTree>
       <p:nvGrpSpPr>
@@ -7815,7 +8009,9 @@
       <p:sp>
         <p:nvSpPr>
           <p:cNvPr id="300" name="PSY 348"/>
-          <p:cNvSpPr txBox="1"/>
+          <p:cNvSpPr txBox="1">
+            <a:spLocks noGrp="1"/>
+          </p:cNvSpPr>
           <p:nvPr>
             <p:ph type="body" idx="21"/>
           </p:nvPr>
@@ -7829,7 +8025,6 @@
           <a:bodyPr/>
           <a:lstStyle/>
           <a:p>
-            <a:pPr/>
             <a:r>
               <a:t>PSY 348</a:t>
             </a:r>
@@ -7839,7 +8034,9 @@
       <p:sp>
         <p:nvSpPr>
           <p:cNvPr id="301" name="The Data"/>
-          <p:cNvSpPr txBox="1"/>
+          <p:cNvSpPr txBox="1">
+            <a:spLocks noGrp="1"/>
+          </p:cNvSpPr>
           <p:nvPr>
             <p:ph type="title"/>
           </p:nvPr>
@@ -7860,7 +8057,6 @@
             </a:lvl1pPr>
           </a:lstStyle>
           <a:p>
-            <a:pPr/>
             <a:r>
               <a:t>The Data </a:t>
             </a:r>
@@ -7870,7 +8066,9 @@
       <p:sp>
         <p:nvSpPr>
           <p:cNvPr id="302" name="The main window that opens in SPSS…"/>
-          <p:cNvSpPr txBox="1"/>
+          <p:cNvSpPr txBox="1">
+            <a:spLocks noGrp="1"/>
+          </p:cNvSpPr>
           <p:nvPr>
             <p:ph type="body" idx="1"/>
           </p:nvPr>
@@ -7884,7 +8082,6 @@
           <a:bodyPr/>
           <a:lstStyle/>
           <a:p>
-            <a:pPr/>
             <a:r>
               <a:t>The main window that opens in SPSS</a:t>
             </a:r>
@@ -7908,12 +8105,12 @@
   <p:clrMapOvr>
     <a:masterClrMapping/>
   </p:clrMapOvr>
-  <p:transition xmlns:p14="http://schemas.microsoft.com/office/powerpoint/2010/main" spd="med" advClick="1"/>
+  <p:transition spd="med"/>
 </p:sld>
 </file>
 
 <file path=ppt/slides/slide29.xml><?xml version="1.0" encoding="utf-8"?>
-<p:sld xmlns:a="http://schemas.openxmlformats.org/drawingml/2006/main" xmlns:r="http://schemas.openxmlformats.org/officeDocument/2006/relationships" xmlns:p="http://schemas.openxmlformats.org/presentationml/2006/main" xmlns:m="http://schemas.openxmlformats.org/officeDocument/2006/math" xmlns:a14="http://schemas.microsoft.com/office/drawing/2010/main" showMasterSp="1" showMasterPhAnim="1">
+<p:sld xmlns:a="http://schemas.openxmlformats.org/drawingml/2006/main" xmlns:r="http://schemas.openxmlformats.org/officeDocument/2006/relationships" xmlns:p="http://schemas.openxmlformats.org/presentationml/2006/main">
   <p:cSld>
     <p:spTree>
       <p:nvGrpSpPr>
@@ -7932,7 +8129,9 @@
       <p:sp>
         <p:nvSpPr>
           <p:cNvPr id="304" name="PSY 348"/>
-          <p:cNvSpPr txBox="1"/>
+          <p:cNvSpPr txBox="1">
+            <a:spLocks noGrp="1"/>
+          </p:cNvSpPr>
           <p:nvPr>
             <p:ph type="body" idx="21"/>
           </p:nvPr>
@@ -7946,7 +8145,6 @@
           <a:bodyPr/>
           <a:lstStyle/>
           <a:p>
-            <a:pPr/>
             <a:r>
               <a:t>PSY 348</a:t>
             </a:r>
@@ -7956,7 +8154,9 @@
       <p:sp>
         <p:nvSpPr>
           <p:cNvPr id="305" name="The Data"/>
-          <p:cNvSpPr txBox="1"/>
+          <p:cNvSpPr txBox="1">
+            <a:spLocks noGrp="1"/>
+          </p:cNvSpPr>
           <p:nvPr>
             <p:ph type="title"/>
           </p:nvPr>
@@ -7977,7 +8177,6 @@
             </a:lvl1pPr>
           </a:lstStyle>
           <a:p>
-            <a:pPr/>
             <a:r>
               <a:t>The Data </a:t>
             </a:r>
@@ -7987,7 +8186,9 @@
       <p:sp>
         <p:nvSpPr>
           <p:cNvPr id="306" name="The main window that opens in SPSS…"/>
-          <p:cNvSpPr txBox="1"/>
+          <p:cNvSpPr txBox="1">
+            <a:spLocks noGrp="1"/>
+          </p:cNvSpPr>
           <p:nvPr>
             <p:ph type="body" idx="1"/>
           </p:nvPr>
@@ -8001,7 +8202,6 @@
           <a:bodyPr/>
           <a:lstStyle/>
           <a:p>
-            <a:pPr/>
             <a:r>
               <a:t>The main window that opens in SPSS</a:t>
             </a:r>
@@ -8019,7 +8219,6 @@
             </a:r>
           </a:p>
           <a:p>
-            <a:pPr/>
             <a:r>
               <a:t>Click commands from the data file.</a:t>
             </a:r>
@@ -8031,12 +8230,12 @@
   <p:clrMapOvr>
     <a:masterClrMapping/>
   </p:clrMapOvr>
-  <p:transition xmlns:p14="http://schemas.microsoft.com/office/powerpoint/2010/main" spd="med" advClick="1"/>
+  <p:transition spd="med"/>
 </p:sld>
 </file>
 
 <file path=ppt/slides/slide3.xml><?xml version="1.0" encoding="utf-8"?>
-<p:sld xmlns:a="http://schemas.openxmlformats.org/drawingml/2006/main" xmlns:r="http://schemas.openxmlformats.org/officeDocument/2006/relationships" xmlns:p="http://schemas.openxmlformats.org/presentationml/2006/main" xmlns:m="http://schemas.openxmlformats.org/officeDocument/2006/math" xmlns:a14="http://schemas.microsoft.com/office/drawing/2010/main" showMasterSp="1" showMasterPhAnim="1">
+<p:sld xmlns:a="http://schemas.openxmlformats.org/drawingml/2006/main" xmlns:r="http://schemas.openxmlformats.org/officeDocument/2006/relationships" xmlns:p="http://schemas.openxmlformats.org/presentationml/2006/main">
   <p:cSld>
     <p:spTree>
       <p:nvGrpSpPr>
@@ -8055,7 +8254,9 @@
       <p:sp>
         <p:nvSpPr>
           <p:cNvPr id="173" name="PSY 348"/>
-          <p:cNvSpPr txBox="1"/>
+          <p:cNvSpPr txBox="1">
+            <a:spLocks noGrp="1"/>
+          </p:cNvSpPr>
           <p:nvPr>
             <p:ph type="body" idx="21"/>
           </p:nvPr>
@@ -8069,7 +8270,6 @@
           <a:bodyPr/>
           <a:lstStyle/>
           <a:p>
-            <a:pPr/>
             <a:r>
               <a:t>PSY 348</a:t>
             </a:r>
@@ -8079,7 +8279,9 @@
       <p:sp>
         <p:nvSpPr>
           <p:cNvPr id="174" name="Sampling Theory"/>
-          <p:cNvSpPr txBox="1"/>
+          <p:cNvSpPr txBox="1">
+            <a:spLocks noGrp="1"/>
+          </p:cNvSpPr>
           <p:nvPr>
             <p:ph type="title"/>
           </p:nvPr>
@@ -8100,7 +8302,6 @@
             </a:lvl1pPr>
           </a:lstStyle>
           <a:p>
-            <a:pPr/>
             <a:r>
               <a:t>Sampling Theory</a:t>
             </a:r>
@@ -8116,9 +8317,7 @@
           <p:nvPr/>
         </p:nvPicPr>
         <p:blipFill>
-          <a:blip r:embed="rId2">
-            <a:extLst/>
-          </a:blip>
+          <a:blip r:embed="rId2"/>
           <a:stretch>
             <a:fillRect/>
           </a:stretch>
@@ -8168,13 +8367,14 @@
               <a:spcBef>
                 <a:spcPts val="0"/>
               </a:spcBef>
-              <a:defRPr cap="all" sz="4000">
+              <a:defRPr sz="4000" cap="all">
                 <a:latin typeface="+mn-lt"/>
                 <a:ea typeface="+mn-ea"/>
                 <a:cs typeface="+mn-cs"/>
                 <a:sym typeface="DIN Condensed Bold"/>
               </a:defRPr>
             </a:pPr>
+            <a:endParaRPr/>
           </a:p>
         </p:txBody>
       </p:sp>
@@ -8183,12 +8383,12 @@
   <p:clrMapOvr>
     <a:masterClrMapping/>
   </p:clrMapOvr>
-  <p:transition xmlns:p14="http://schemas.microsoft.com/office/powerpoint/2010/main" spd="med" advClick="1"/>
+  <p:transition spd="med"/>
 </p:sld>
 </file>
 
 <file path=ppt/slides/slide30.xml><?xml version="1.0" encoding="utf-8"?>
-<p:sld xmlns:a="http://schemas.openxmlformats.org/drawingml/2006/main" xmlns:r="http://schemas.openxmlformats.org/officeDocument/2006/relationships" xmlns:p="http://schemas.openxmlformats.org/presentationml/2006/main" xmlns:m="http://schemas.openxmlformats.org/officeDocument/2006/math" xmlns:a14="http://schemas.microsoft.com/office/drawing/2010/main" showMasterSp="1" showMasterPhAnim="1">
+<p:sld xmlns:a="http://schemas.openxmlformats.org/drawingml/2006/main" xmlns:r="http://schemas.openxmlformats.org/officeDocument/2006/relationships" xmlns:p="http://schemas.openxmlformats.org/presentationml/2006/main">
   <p:cSld>
     <p:spTree>
       <p:nvGrpSpPr>
@@ -8207,7 +8407,9 @@
       <p:sp>
         <p:nvSpPr>
           <p:cNvPr id="308" name="PSY 348"/>
-          <p:cNvSpPr txBox="1"/>
+          <p:cNvSpPr txBox="1">
+            <a:spLocks noGrp="1"/>
+          </p:cNvSpPr>
           <p:nvPr>
             <p:ph type="body" idx="21"/>
           </p:nvPr>
@@ -8221,7 +8423,6 @@
           <a:bodyPr/>
           <a:lstStyle/>
           <a:p>
-            <a:pPr/>
             <a:r>
               <a:t>PSY 348</a:t>
             </a:r>
@@ -8231,7 +8432,9 @@
       <p:sp>
         <p:nvSpPr>
           <p:cNvPr id="309" name="Independent samples t-test: SPSS"/>
-          <p:cNvSpPr txBox="1"/>
+          <p:cNvSpPr txBox="1">
+            <a:spLocks noGrp="1"/>
+          </p:cNvSpPr>
           <p:nvPr>
             <p:ph type="title"/>
           </p:nvPr>
@@ -8252,7 +8455,6 @@
             </a:lvl1pPr>
           </a:lstStyle>
           <a:p>
-            <a:pPr/>
             <a:r>
               <a:t>Independent samples t-test: SPSS</a:t>
             </a:r>
@@ -8262,7 +8464,9 @@
       <p:sp>
         <p:nvSpPr>
           <p:cNvPr id="310" name="Analyze…"/>
-          <p:cNvSpPr txBox="1"/>
+          <p:cNvSpPr txBox="1">
+            <a:spLocks noGrp="1"/>
+          </p:cNvSpPr>
           <p:nvPr>
             <p:ph type="body" idx="1"/>
           </p:nvPr>
@@ -8276,19 +8480,16 @@
           <a:bodyPr/>
           <a:lstStyle/>
           <a:p>
-            <a:pPr/>
             <a:r>
               <a:t>Analyze</a:t>
             </a:r>
           </a:p>
           <a:p>
-            <a:pPr/>
             <a:r>
               <a:t>Compare Means</a:t>
             </a:r>
           </a:p>
           <a:p>
-            <a:pPr/>
             <a:r>
               <a:t>Independent Samples</a:t>
             </a:r>
@@ -8300,12 +8501,12 @@
   <p:clrMapOvr>
     <a:masterClrMapping/>
   </p:clrMapOvr>
-  <p:transition xmlns:p14="http://schemas.microsoft.com/office/powerpoint/2010/main" spd="med" advClick="1"/>
+  <p:transition spd="med"/>
 </p:sld>
 </file>
 
 <file path=ppt/slides/slide31.xml><?xml version="1.0" encoding="utf-8"?>
-<p:sld xmlns:a="http://schemas.openxmlformats.org/drawingml/2006/main" xmlns:r="http://schemas.openxmlformats.org/officeDocument/2006/relationships" xmlns:p="http://schemas.openxmlformats.org/presentationml/2006/main" xmlns:m="http://schemas.openxmlformats.org/officeDocument/2006/math" xmlns:a14="http://schemas.microsoft.com/office/drawing/2010/main" showMasterSp="1" showMasterPhAnim="1">
+<p:sld xmlns:a="http://schemas.openxmlformats.org/drawingml/2006/main" xmlns:r="http://schemas.openxmlformats.org/officeDocument/2006/relationships" xmlns:p="http://schemas.openxmlformats.org/presentationml/2006/main">
   <p:cSld>
     <p:spTree>
       <p:nvGrpSpPr>
@@ -8324,7 +8525,9 @@
       <p:sp>
         <p:nvSpPr>
           <p:cNvPr id="312" name="INTERPRETTING T"/>
-          <p:cNvSpPr txBox="1"/>
+          <p:cNvSpPr txBox="1">
+            <a:spLocks noGrp="1"/>
+          </p:cNvSpPr>
           <p:nvPr>
             <p:ph type="title"/>
           </p:nvPr>
@@ -8340,7 +8543,6 @@
             <a:lvl1pPr algn="ctr"/>
           </a:lstStyle>
           <a:p>
-            <a:pPr/>
             <a:r>
               <a:t>INTERPRETTING T</a:t>
             </a:r>
@@ -8352,12 +8554,12 @@
   <p:clrMapOvr>
     <a:masterClrMapping/>
   </p:clrMapOvr>
-  <p:transition xmlns:p14="http://schemas.microsoft.com/office/powerpoint/2010/main" spd="med" advClick="1"/>
+  <p:transition spd="med"/>
 </p:sld>
 </file>
 
 <file path=ppt/slides/slide32.xml><?xml version="1.0" encoding="utf-8"?>
-<p:sld xmlns:a="http://schemas.openxmlformats.org/drawingml/2006/main" xmlns:r="http://schemas.openxmlformats.org/officeDocument/2006/relationships" xmlns:p="http://schemas.openxmlformats.org/presentationml/2006/main" xmlns:m="http://schemas.openxmlformats.org/officeDocument/2006/math" xmlns:a14="http://schemas.microsoft.com/office/drawing/2010/main" showMasterSp="1" showMasterPhAnim="1">
+<p:sld xmlns:a="http://schemas.openxmlformats.org/drawingml/2006/main" xmlns:r="http://schemas.openxmlformats.org/officeDocument/2006/relationships" xmlns:p="http://schemas.openxmlformats.org/presentationml/2006/main">
   <p:cSld>
     <p:spTree>
       <p:nvGrpSpPr>
@@ -8376,7 +8578,9 @@
       <p:sp>
         <p:nvSpPr>
           <p:cNvPr id="314" name="PSY 348"/>
-          <p:cNvSpPr txBox="1"/>
+          <p:cNvSpPr txBox="1">
+            <a:spLocks noGrp="1"/>
+          </p:cNvSpPr>
           <p:nvPr>
             <p:ph type="body" idx="21"/>
           </p:nvPr>
@@ -8390,7 +8594,6 @@
           <a:bodyPr/>
           <a:lstStyle/>
           <a:p>
-            <a:pPr/>
             <a:r>
               <a:t>PSY 348</a:t>
             </a:r>
@@ -8400,7 +8603,9 @@
       <p:sp>
         <p:nvSpPr>
           <p:cNvPr id="315" name="Independent samples t-test: SPSS"/>
-          <p:cNvSpPr txBox="1"/>
+          <p:cNvSpPr txBox="1">
+            <a:spLocks noGrp="1"/>
+          </p:cNvSpPr>
           <p:nvPr>
             <p:ph type="title"/>
           </p:nvPr>
@@ -8421,7 +8626,6 @@
             </a:lvl1pPr>
           </a:lstStyle>
           <a:p>
-            <a:pPr/>
             <a:r>
               <a:t>Independent samples t-test: SPSS</a:t>
             </a:r>
@@ -8437,9 +8641,7 @@
           <p:nvPr/>
         </p:nvPicPr>
         <p:blipFill>
-          <a:blip r:embed="rId2">
-            <a:extLst/>
-          </a:blip>
+          <a:blip r:embed="rId2"/>
           <a:stretch>
             <a:fillRect/>
           </a:stretch>
@@ -8489,7 +8691,7 @@
               <a:spcBef>
                 <a:spcPts val="0"/>
               </a:spcBef>
-              <a:defRPr cap="all" sz="4000">
+              <a:defRPr sz="4000" cap="all">
                 <a:solidFill>
                   <a:srgbClr val="FFFFFF"/>
                 </a:solidFill>
@@ -8499,13 +8701,16 @@
                 <a:sym typeface="DIN Condensed Bold"/>
               </a:defRPr>
             </a:pPr>
+            <a:endParaRPr/>
           </a:p>
         </p:txBody>
       </p:sp>
       <p:sp>
         <p:nvSpPr>
           <p:cNvPr id="318" name="*If the Levene’s Test is significant, use the t value from the second row and its corresponding sig.…"/>
-          <p:cNvSpPr txBox="1"/>
+          <p:cNvSpPr txBox="1">
+            <a:spLocks noGrp="1"/>
+          </p:cNvSpPr>
           <p:nvPr>
             <p:ph type="body" idx="1"/>
           </p:nvPr>
@@ -8556,12 +8761,12 @@
   <p:clrMapOvr>
     <a:masterClrMapping/>
   </p:clrMapOvr>
-  <p:transition xmlns:p14="http://schemas.microsoft.com/office/powerpoint/2010/main" spd="med" advClick="1"/>
+  <p:transition spd="med"/>
 </p:sld>
 </file>
 
 <file path=ppt/slides/slide33.xml><?xml version="1.0" encoding="utf-8"?>
-<p:sld xmlns:a="http://schemas.openxmlformats.org/drawingml/2006/main" xmlns:r="http://schemas.openxmlformats.org/officeDocument/2006/relationships" xmlns:p="http://schemas.openxmlformats.org/presentationml/2006/main" xmlns:m="http://schemas.openxmlformats.org/officeDocument/2006/math" xmlns:a14="http://schemas.microsoft.com/office/drawing/2010/main" showMasterSp="1" showMasterPhAnim="1">
+<p:sld xmlns:a="http://schemas.openxmlformats.org/drawingml/2006/main" xmlns:r="http://schemas.openxmlformats.org/officeDocument/2006/relationships" xmlns:p="http://schemas.openxmlformats.org/presentationml/2006/main">
   <p:cSld>
     <p:spTree>
       <p:nvGrpSpPr>
@@ -8580,7 +8785,9 @@
       <p:sp>
         <p:nvSpPr>
           <p:cNvPr id="320" name="PSY 348"/>
-          <p:cNvSpPr txBox="1"/>
+          <p:cNvSpPr txBox="1">
+            <a:spLocks noGrp="1"/>
+          </p:cNvSpPr>
           <p:nvPr>
             <p:ph type="body" idx="21"/>
           </p:nvPr>
@@ -8594,7 +8801,6 @@
           <a:bodyPr/>
           <a:lstStyle/>
           <a:p>
-            <a:pPr/>
             <a:r>
               <a:t>PSY 348</a:t>
             </a:r>
@@ -8604,7 +8810,9 @@
       <p:sp>
         <p:nvSpPr>
           <p:cNvPr id="321" name="Independent samples t-test"/>
-          <p:cNvSpPr txBox="1"/>
+          <p:cNvSpPr txBox="1">
+            <a:spLocks noGrp="1"/>
+          </p:cNvSpPr>
           <p:nvPr>
             <p:ph type="title"/>
           </p:nvPr>
@@ -8625,7 +8833,6 @@
             </a:lvl1pPr>
           </a:lstStyle>
           <a:p>
-            <a:pPr/>
             <a:r>
               <a:t>Independent samples t-test</a:t>
             </a:r>
@@ -8635,7 +8842,9 @@
       <p:sp>
         <p:nvSpPr>
           <p:cNvPr id="322" name="(Experimental M — Control M)…"/>
-          <p:cNvSpPr txBox="1"/>
+          <p:cNvSpPr txBox="1">
+            <a:spLocks noGrp="1"/>
+          </p:cNvSpPr>
           <p:nvPr>
             <p:ph type="body" idx="1"/>
           </p:nvPr>
@@ -8656,6 +8865,7 @@
               <a:buNone/>
               <a:defRPr sz="8000"/>
             </a:pPr>
+            <a:endParaRPr/>
           </a:p>
           <a:p>
             <a:pPr marL="0" indent="0" algn="ctr">
@@ -8714,13 +8924,14 @@
               <a:spcBef>
                 <a:spcPts val="0"/>
               </a:spcBef>
-              <a:defRPr cap="all" sz="4000">
+              <a:defRPr sz="4000" cap="all">
                 <a:latin typeface="+mn-lt"/>
                 <a:ea typeface="+mn-ea"/>
                 <a:cs typeface="+mn-cs"/>
                 <a:sym typeface="DIN Condensed Bold"/>
               </a:defRPr>
             </a:pPr>
+            <a:endParaRPr/>
           </a:p>
         </p:txBody>
       </p:sp>
@@ -8743,7 +8954,7 @@
           </a:ln>
           <a:extLst>
             <a:ext uri="{C572A759-6A51-4108-AA02-DFA0A04FC94B}">
-              <ma14:wrappingTextBoxFlag xmlns:ma14="http://schemas.microsoft.com/office/mac/drawingml/2011/main" val="1"/>
+              <ma14:wrappingTextBoxFlag xmlns:ma14="http://schemas.microsoft.com/office/mac/drawingml/2011/main" xmlns:a14="http://schemas.microsoft.com/office/drawing/2010/main" xmlns:m="http://schemas.openxmlformats.org/officeDocument/2006/math" xmlns="" val="1"/>
             </a:ext>
           </a:extLst>
         </p:spPr>
@@ -8757,7 +8968,6 @@
             </a:lvl1pPr>
           </a:lstStyle>
           <a:p>
-            <a:pPr/>
             <a:r>
               <a:t>t = </a:t>
             </a:r>
@@ -8783,7 +8993,7 @@
           </a:ln>
           <a:extLst>
             <a:ext uri="{C572A759-6A51-4108-AA02-DFA0A04FC94B}">
-              <ma14:wrappingTextBoxFlag xmlns:ma14="http://schemas.microsoft.com/office/mac/drawingml/2011/main" val="1"/>
+              <ma14:wrappingTextBoxFlag xmlns:ma14="http://schemas.microsoft.com/office/mac/drawingml/2011/main" xmlns:a14="http://schemas.microsoft.com/office/drawing/2010/main" xmlns:m="http://schemas.openxmlformats.org/officeDocument/2006/math" xmlns="" val="1"/>
             </a:ext>
           </a:extLst>
         </p:spPr>
@@ -8796,7 +9006,7 @@
               <a:spcBef>
                 <a:spcPts val="3900"/>
               </a:spcBef>
-              <a:defRPr b="1" sz="10000">
+              <a:defRPr sz="10000" b="1">
                 <a:solidFill>
                   <a:srgbClr val="FFFFFF"/>
                 </a:solidFill>
@@ -8808,7 +9018,6 @@
             </a:lvl1pPr>
           </a:lstStyle>
           <a:p>
-            <a:pPr/>
             <a:r>
               <a:t>√pooled s</a:t>
             </a:r>
@@ -8847,13 +9056,14 @@
               <a:spcBef>
                 <a:spcPts val="0"/>
               </a:spcBef>
-              <a:defRPr cap="all" sz="4000">
+              <a:defRPr sz="4000" cap="all">
                 <a:latin typeface="+mn-lt"/>
                 <a:ea typeface="+mn-ea"/>
                 <a:cs typeface="+mn-cs"/>
                 <a:sym typeface="DIN Condensed Bold"/>
               </a:defRPr>
             </a:pPr>
+            <a:endParaRPr/>
           </a:p>
         </p:txBody>
       </p:sp>
@@ -8862,12 +9072,12 @@
   <p:clrMapOvr>
     <a:masterClrMapping/>
   </p:clrMapOvr>
-  <p:transition xmlns:p14="http://schemas.microsoft.com/office/powerpoint/2010/main" spd="med" advClick="1"/>
+  <p:transition spd="med"/>
 </p:sld>
 </file>
 
 <file path=ppt/slides/slide34.xml><?xml version="1.0" encoding="utf-8"?>
-<p:sld xmlns:a="http://schemas.openxmlformats.org/drawingml/2006/main" xmlns:r="http://schemas.openxmlformats.org/officeDocument/2006/relationships" xmlns:p="http://schemas.openxmlformats.org/presentationml/2006/main" xmlns:m="http://schemas.openxmlformats.org/officeDocument/2006/math" xmlns:a14="http://schemas.microsoft.com/office/drawing/2010/main" showMasterSp="1" showMasterPhAnim="1">
+<p:sld xmlns:a="http://schemas.openxmlformats.org/drawingml/2006/main" xmlns:r="http://schemas.openxmlformats.org/officeDocument/2006/relationships" xmlns:p="http://schemas.openxmlformats.org/presentationml/2006/main">
   <p:cSld>
     <p:spTree>
       <p:nvGrpSpPr>
@@ -8886,7 +9096,9 @@
       <p:sp>
         <p:nvSpPr>
           <p:cNvPr id="328" name="PSY 348"/>
-          <p:cNvSpPr txBox="1"/>
+          <p:cNvSpPr txBox="1">
+            <a:spLocks noGrp="1"/>
+          </p:cNvSpPr>
           <p:nvPr>
             <p:ph type="body" idx="21"/>
           </p:nvPr>
@@ -8900,7 +9112,6 @@
           <a:bodyPr/>
           <a:lstStyle/>
           <a:p>
-            <a:pPr/>
             <a:r>
               <a:t>PSY 348</a:t>
             </a:r>
@@ -8910,7 +9121,9 @@
       <p:sp>
         <p:nvSpPr>
           <p:cNvPr id="329" name="Independent samples t-test: SPSS"/>
-          <p:cNvSpPr txBox="1"/>
+          <p:cNvSpPr txBox="1">
+            <a:spLocks noGrp="1"/>
+          </p:cNvSpPr>
           <p:nvPr>
             <p:ph type="title"/>
           </p:nvPr>
@@ -8931,7 +9144,6 @@
             </a:lvl1pPr>
           </a:lstStyle>
           <a:p>
-            <a:pPr/>
             <a:r>
               <a:t>Independent samples t-test: SPSS</a:t>
             </a:r>
@@ -8941,7 +9153,9 @@
       <p:sp>
         <p:nvSpPr>
           <p:cNvPr id="330" name="We need the Levene’s Test, because if the variance from the experimental group is not equal to the variance of the control group, we have to use a different formula for the pooled standard deviation."/>
-          <p:cNvSpPr txBox="1"/>
+          <p:cNvSpPr txBox="1">
+            <a:spLocks noGrp="1"/>
+          </p:cNvSpPr>
           <p:nvPr>
             <p:ph type="body" idx="1"/>
           </p:nvPr>
@@ -8966,7 +9180,6 @@
             </a:lvl1pPr>
           </a:lstStyle>
           <a:p>
-            <a:pPr/>
             <a:r>
               <a:t>We need the Levene’s Test, because if the variance from the experimental group is not equal to the variance of the control group, we have to use a different formula for the pooled standard deviation.</a:t>
             </a:r>
@@ -8978,12 +9191,12 @@
   <p:clrMapOvr>
     <a:masterClrMapping/>
   </p:clrMapOvr>
-  <p:transition xmlns:p14="http://schemas.microsoft.com/office/powerpoint/2010/main" spd="med" advClick="1"/>
+  <p:transition spd="med"/>
 </p:sld>
 </file>
 
 <file path=ppt/slides/slide35.xml><?xml version="1.0" encoding="utf-8"?>
-<p:sld xmlns:a="http://schemas.openxmlformats.org/drawingml/2006/main" xmlns:r="http://schemas.openxmlformats.org/officeDocument/2006/relationships" xmlns:p="http://schemas.openxmlformats.org/presentationml/2006/main" xmlns:m="http://schemas.openxmlformats.org/officeDocument/2006/math" xmlns:a14="http://schemas.microsoft.com/office/drawing/2010/main" showMasterSp="1" showMasterPhAnim="1">
+<p:sld xmlns:a="http://schemas.openxmlformats.org/drawingml/2006/main" xmlns:r="http://schemas.openxmlformats.org/officeDocument/2006/relationships" xmlns:p="http://schemas.openxmlformats.org/presentationml/2006/main">
   <p:cSld>
     <p:spTree>
       <p:nvGrpSpPr>
@@ -9002,7 +9215,9 @@
       <p:sp>
         <p:nvSpPr>
           <p:cNvPr id="332" name="PSY 348"/>
-          <p:cNvSpPr txBox="1"/>
+          <p:cNvSpPr txBox="1">
+            <a:spLocks noGrp="1"/>
+          </p:cNvSpPr>
           <p:nvPr>
             <p:ph type="body" idx="21"/>
           </p:nvPr>
@@ -9016,7 +9231,6 @@
           <a:bodyPr/>
           <a:lstStyle/>
           <a:p>
-            <a:pPr/>
             <a:r>
               <a:t>PSY 348</a:t>
             </a:r>
@@ -9026,7 +9240,9 @@
       <p:sp>
         <p:nvSpPr>
           <p:cNvPr id="333" name="Independent samples t-test: SPSS"/>
-          <p:cNvSpPr txBox="1"/>
+          <p:cNvSpPr txBox="1">
+            <a:spLocks noGrp="1"/>
+          </p:cNvSpPr>
           <p:nvPr>
             <p:ph type="title"/>
           </p:nvPr>
@@ -9047,7 +9263,6 @@
             </a:lvl1pPr>
           </a:lstStyle>
           <a:p>
-            <a:pPr/>
             <a:r>
               <a:t>Independent samples t-test: SPSS</a:t>
             </a:r>
@@ -9057,7 +9272,9 @@
       <p:sp>
         <p:nvSpPr>
           <p:cNvPr id="334" name="We need the Levene’s Test, because if the variance from the experimental group is not equal to the variance of the control group, we have to use a different formula for the pooled standard deviation.…"/>
-          <p:cNvSpPr txBox="1"/>
+          <p:cNvSpPr txBox="1">
+            <a:spLocks noGrp="1"/>
+          </p:cNvSpPr>
           <p:nvPr>
             <p:ph type="body" idx="1"/>
           </p:nvPr>
@@ -9092,6 +9309,7 @@
               <a:buFontTx/>
               <a:buNone/>
             </a:pPr>
+            <a:endParaRPr/>
           </a:p>
           <a:p>
             <a:pPr marL="0" indent="0">
@@ -9111,12 +9329,12 @@
   <p:clrMapOvr>
     <a:masterClrMapping/>
   </p:clrMapOvr>
-  <p:transition xmlns:p14="http://schemas.microsoft.com/office/powerpoint/2010/main" spd="med" advClick="1"/>
+  <p:transition spd="med"/>
 </p:sld>
 </file>
 
 <file path=ppt/slides/slide36.xml><?xml version="1.0" encoding="utf-8"?>
-<p:sld xmlns:a="http://schemas.openxmlformats.org/drawingml/2006/main" xmlns:r="http://schemas.openxmlformats.org/officeDocument/2006/relationships" xmlns:p="http://schemas.openxmlformats.org/presentationml/2006/main" xmlns:m="http://schemas.openxmlformats.org/officeDocument/2006/math" xmlns:a14="http://schemas.microsoft.com/office/drawing/2010/main" showMasterSp="1" showMasterPhAnim="1">
+<p:sld xmlns:a="http://schemas.openxmlformats.org/drawingml/2006/main" xmlns:r="http://schemas.openxmlformats.org/officeDocument/2006/relationships" xmlns:p="http://schemas.openxmlformats.org/presentationml/2006/main">
   <p:cSld>
     <p:spTree>
       <p:nvGrpSpPr>
@@ -9135,7 +9353,9 @@
       <p:sp>
         <p:nvSpPr>
           <p:cNvPr id="336" name="PSY 348"/>
-          <p:cNvSpPr txBox="1"/>
+          <p:cNvSpPr txBox="1">
+            <a:spLocks noGrp="1"/>
+          </p:cNvSpPr>
           <p:nvPr>
             <p:ph type="body" idx="21"/>
           </p:nvPr>
@@ -9149,7 +9369,6 @@
           <a:bodyPr/>
           <a:lstStyle/>
           <a:p>
-            <a:pPr/>
             <a:r>
               <a:t>PSY 348</a:t>
             </a:r>
@@ -9159,7 +9378,9 @@
       <p:sp>
         <p:nvSpPr>
           <p:cNvPr id="337" name="Independent samples t-test: SPSS"/>
-          <p:cNvSpPr txBox="1"/>
+          <p:cNvSpPr txBox="1">
+            <a:spLocks noGrp="1"/>
+          </p:cNvSpPr>
           <p:nvPr>
             <p:ph type="title"/>
           </p:nvPr>
@@ -9180,7 +9401,6 @@
             </a:lvl1pPr>
           </a:lstStyle>
           <a:p>
-            <a:pPr/>
             <a:r>
               <a:t>Independent samples t-test: SPSS</a:t>
             </a:r>
@@ -9196,9 +9416,7 @@
           <p:nvPr/>
         </p:nvPicPr>
         <p:blipFill>
-          <a:blip r:embed="rId2">
-            <a:extLst/>
-          </a:blip>
+          <a:blip r:embed="rId2"/>
           <a:stretch>
             <a:fillRect/>
           </a:stretch>
@@ -9248,7 +9466,7 @@
               <a:spcBef>
                 <a:spcPts val="0"/>
               </a:spcBef>
-              <a:defRPr cap="all" sz="4000">
+              <a:defRPr sz="4000" cap="all">
                 <a:solidFill>
                   <a:srgbClr val="FFFFFF"/>
                 </a:solidFill>
@@ -9258,13 +9476,16 @@
                 <a:sym typeface="DIN Condensed Bold"/>
               </a:defRPr>
             </a:pPr>
+            <a:endParaRPr/>
           </a:p>
         </p:txBody>
       </p:sp>
       <p:sp>
         <p:nvSpPr>
           <p:cNvPr id="340" name="*If the Levene’s Test is significant, use the t value from the second row and its corresponding sig.…"/>
-          <p:cNvSpPr txBox="1"/>
+          <p:cNvSpPr txBox="1">
+            <a:spLocks noGrp="1"/>
+          </p:cNvSpPr>
           <p:nvPr>
             <p:ph type="body" idx="1"/>
           </p:nvPr>
@@ -9315,12 +9536,12 @@
   <p:clrMapOvr>
     <a:masterClrMapping/>
   </p:clrMapOvr>
-  <p:transition xmlns:p14="http://schemas.microsoft.com/office/powerpoint/2010/main" spd="med" advClick="1"/>
+  <p:transition spd="med"/>
 </p:sld>
 </file>
 
 <file path=ppt/slides/slide37.xml><?xml version="1.0" encoding="utf-8"?>
-<p:sld xmlns:a="http://schemas.openxmlformats.org/drawingml/2006/main" xmlns:r="http://schemas.openxmlformats.org/officeDocument/2006/relationships" xmlns:p="http://schemas.openxmlformats.org/presentationml/2006/main" xmlns:m="http://schemas.openxmlformats.org/officeDocument/2006/math" xmlns:a14="http://schemas.microsoft.com/office/drawing/2010/main" showMasterSp="1" showMasterPhAnim="1">
+<p:sld xmlns:a="http://schemas.openxmlformats.org/drawingml/2006/main" xmlns:r="http://schemas.openxmlformats.org/officeDocument/2006/relationships" xmlns:p="http://schemas.openxmlformats.org/presentationml/2006/main">
   <p:cSld>
     <p:spTree>
       <p:nvGrpSpPr>
@@ -9339,7 +9560,9 @@
       <p:sp>
         <p:nvSpPr>
           <p:cNvPr id="342" name="PSY 348"/>
-          <p:cNvSpPr txBox="1"/>
+          <p:cNvSpPr txBox="1">
+            <a:spLocks noGrp="1"/>
+          </p:cNvSpPr>
           <p:nvPr>
             <p:ph type="body" idx="21"/>
           </p:nvPr>
@@ -9353,7 +9576,6 @@
           <a:bodyPr/>
           <a:lstStyle/>
           <a:p>
-            <a:pPr/>
             <a:r>
               <a:t>PSY 348</a:t>
             </a:r>
@@ -9363,7 +9585,9 @@
       <p:sp>
         <p:nvSpPr>
           <p:cNvPr id="343" name="Independent samples t-test: SPSS"/>
-          <p:cNvSpPr txBox="1"/>
+          <p:cNvSpPr txBox="1">
+            <a:spLocks noGrp="1"/>
+          </p:cNvSpPr>
           <p:nvPr>
             <p:ph type="title"/>
           </p:nvPr>
@@ -9384,7 +9608,6 @@
             </a:lvl1pPr>
           </a:lstStyle>
           <a:p>
-            <a:pPr/>
             <a:r>
               <a:t>Independent samples t-test: SPSS</a:t>
             </a:r>
@@ -9400,9 +9623,7 @@
           <p:nvPr/>
         </p:nvPicPr>
         <p:blipFill>
-          <a:blip r:embed="rId2">
-            <a:extLst/>
-          </a:blip>
+          <a:blip r:embed="rId2"/>
           <a:stretch>
             <a:fillRect/>
           </a:stretch>
@@ -9425,12 +9646,12 @@
   <p:clrMapOvr>
     <a:masterClrMapping/>
   </p:clrMapOvr>
-  <p:transition xmlns:p14="http://schemas.microsoft.com/office/powerpoint/2010/main" spd="med" advClick="1"/>
+  <p:transition spd="med"/>
 </p:sld>
 </file>
 
 <file path=ppt/slides/slide38.xml><?xml version="1.0" encoding="utf-8"?>
-<p:sld xmlns:a="http://schemas.openxmlformats.org/drawingml/2006/main" xmlns:r="http://schemas.openxmlformats.org/officeDocument/2006/relationships" xmlns:p="http://schemas.openxmlformats.org/presentationml/2006/main" xmlns:m="http://schemas.openxmlformats.org/officeDocument/2006/math" xmlns:a14="http://schemas.microsoft.com/office/drawing/2010/main" showMasterSp="1" showMasterPhAnim="1">
+<p:sld xmlns:a="http://schemas.openxmlformats.org/drawingml/2006/main" xmlns:r="http://schemas.openxmlformats.org/officeDocument/2006/relationships" xmlns:p="http://schemas.openxmlformats.org/presentationml/2006/main">
   <p:cSld>
     <p:spTree>
       <p:nvGrpSpPr>
@@ -9449,7 +9670,9 @@
       <p:sp>
         <p:nvSpPr>
           <p:cNvPr id="346" name="PSY 348"/>
-          <p:cNvSpPr txBox="1"/>
+          <p:cNvSpPr txBox="1">
+            <a:spLocks noGrp="1"/>
+          </p:cNvSpPr>
           <p:nvPr>
             <p:ph type="body" idx="21"/>
           </p:nvPr>
@@ -9463,7 +9686,6 @@
           <a:bodyPr/>
           <a:lstStyle/>
           <a:p>
-            <a:pPr/>
             <a:r>
               <a:t>PSY 348</a:t>
             </a:r>
@@ -9473,7 +9695,9 @@
       <p:sp>
         <p:nvSpPr>
           <p:cNvPr id="347" name="Independent samples t-test: Reporting your findings"/>
-          <p:cNvSpPr txBox="1"/>
+          <p:cNvSpPr txBox="1">
+            <a:spLocks noGrp="1"/>
+          </p:cNvSpPr>
           <p:nvPr>
             <p:ph type="title"/>
           </p:nvPr>
@@ -9494,7 +9718,6 @@
             </a:lvl1pPr>
           </a:lstStyle>
           <a:p>
-            <a:pPr/>
             <a:r>
               <a:t>Independent samples t-test: Reporting your findings</a:t>
             </a:r>
@@ -9504,7 +9727,9 @@
       <p:sp>
         <p:nvSpPr>
           <p:cNvPr id="348" name="There was not a significant difference between the groups, t(18) = 1.287, p = 0.215"/>
-          <p:cNvSpPr txBox="1"/>
+          <p:cNvSpPr txBox="1">
+            <a:spLocks noGrp="1"/>
+          </p:cNvSpPr>
           <p:nvPr>
             <p:ph type="body" sz="half" idx="1"/>
           </p:nvPr>
@@ -9529,7 +9754,6 @@
             </a:lvl1pPr>
           </a:lstStyle>
           <a:p>
-            <a:pPr/>
             <a:r>
               <a:t>There was not a significant difference between the groups, t(18) = 1.287, p = 0.215</a:t>
             </a:r>
@@ -9545,9 +9769,7 @@
           <p:nvPr/>
         </p:nvPicPr>
         <p:blipFill>
-          <a:blip r:embed="rId2">
-            <a:extLst/>
-          </a:blip>
+          <a:blip r:embed="rId2"/>
           <a:stretch>
             <a:fillRect/>
           </a:stretch>
@@ -9570,12 +9792,12 @@
   <p:clrMapOvr>
     <a:masterClrMapping/>
   </p:clrMapOvr>
-  <p:transition xmlns:p14="http://schemas.microsoft.com/office/powerpoint/2010/main" spd="med" advClick="1"/>
+  <p:transition spd="med"/>
 </p:sld>
 </file>
 
 <file path=ppt/slides/slide39.xml><?xml version="1.0" encoding="utf-8"?>
-<p:sld xmlns:a="http://schemas.openxmlformats.org/drawingml/2006/main" xmlns:r="http://schemas.openxmlformats.org/officeDocument/2006/relationships" xmlns:p="http://schemas.openxmlformats.org/presentationml/2006/main" xmlns:m="http://schemas.openxmlformats.org/officeDocument/2006/math" xmlns:a14="http://schemas.microsoft.com/office/drawing/2010/main" showMasterSp="1" showMasterPhAnim="1">
+<p:sld xmlns:a="http://schemas.openxmlformats.org/drawingml/2006/main" xmlns:r="http://schemas.openxmlformats.org/officeDocument/2006/relationships" xmlns:p="http://schemas.openxmlformats.org/presentationml/2006/main">
   <p:cSld>
     <p:spTree>
       <p:nvGrpSpPr>
@@ -9594,7 +9816,9 @@
       <p:sp>
         <p:nvSpPr>
           <p:cNvPr id="351" name="PSY 348"/>
-          <p:cNvSpPr txBox="1"/>
+          <p:cNvSpPr txBox="1">
+            <a:spLocks noGrp="1"/>
+          </p:cNvSpPr>
           <p:nvPr>
             <p:ph type="body" idx="21"/>
           </p:nvPr>
@@ -9608,7 +9832,6 @@
           <a:bodyPr/>
           <a:lstStyle/>
           <a:p>
-            <a:pPr/>
             <a:r>
               <a:t>PSY 348</a:t>
             </a:r>
@@ -9618,7 +9841,9 @@
       <p:sp>
         <p:nvSpPr>
           <p:cNvPr id="352" name="Independent samples t-test: Reporting your findings"/>
-          <p:cNvSpPr txBox="1"/>
+          <p:cNvSpPr txBox="1">
+            <a:spLocks noGrp="1"/>
+          </p:cNvSpPr>
           <p:nvPr>
             <p:ph type="title"/>
           </p:nvPr>
@@ -9639,7 +9864,6 @@
             </a:lvl1pPr>
           </a:lstStyle>
           <a:p>
-            <a:pPr/>
             <a:r>
               <a:t>Independent samples t-test: Reporting your findings</a:t>
             </a:r>
@@ -9649,7 +9873,9 @@
       <p:sp>
         <p:nvSpPr>
           <p:cNvPr id="353" name="There was not a significant difference between the groups, t(18) = 1.287, p = 0.215"/>
-          <p:cNvSpPr txBox="1"/>
+          <p:cNvSpPr txBox="1">
+            <a:spLocks noGrp="1"/>
+          </p:cNvSpPr>
           <p:nvPr>
             <p:ph type="body" sz="half" idx="1"/>
           </p:nvPr>
@@ -9674,7 +9900,6 @@
             </a:lvl1pPr>
           </a:lstStyle>
           <a:p>
-            <a:pPr/>
             <a:r>
               <a:t>There was not a significant difference between the groups, t(18) = 1.287, p = 0.215</a:t>
             </a:r>
@@ -9690,9 +9915,7 @@
           <p:nvPr/>
         </p:nvPicPr>
         <p:blipFill>
-          <a:blip r:embed="rId2">
-            <a:extLst/>
-          </a:blip>
+          <a:blip r:embed="rId2"/>
           <a:stretch>
             <a:fillRect/>
           </a:stretch>
@@ -9743,13 +9966,14 @@
               <a:spcBef>
                 <a:spcPts val="0"/>
               </a:spcBef>
-              <a:defRPr cap="all" sz="4000">
+              <a:defRPr sz="4000" cap="all">
                 <a:latin typeface="+mn-lt"/>
                 <a:ea typeface="+mn-ea"/>
                 <a:cs typeface="+mn-cs"/>
                 <a:sym typeface="DIN Condensed Bold"/>
               </a:defRPr>
             </a:pPr>
+            <a:endParaRPr/>
           </a:p>
         </p:txBody>
       </p:sp>
@@ -9758,12 +9982,12 @@
   <p:clrMapOvr>
     <a:masterClrMapping/>
   </p:clrMapOvr>
-  <p:transition xmlns:p14="http://schemas.microsoft.com/office/powerpoint/2010/main" spd="med" advClick="1"/>
+  <p:transition spd="med"/>
 </p:sld>
 </file>
 
 <file path=ppt/slides/slide4.xml><?xml version="1.0" encoding="utf-8"?>
-<p:sld xmlns:a="http://schemas.openxmlformats.org/drawingml/2006/main" xmlns:r="http://schemas.openxmlformats.org/officeDocument/2006/relationships" xmlns:p="http://schemas.openxmlformats.org/presentationml/2006/main" xmlns:m="http://schemas.openxmlformats.org/officeDocument/2006/math" xmlns:a14="http://schemas.microsoft.com/office/drawing/2010/main" showMasterSp="1" showMasterPhAnim="1">
+<p:sld xmlns:a="http://schemas.openxmlformats.org/drawingml/2006/main" xmlns:r="http://schemas.openxmlformats.org/officeDocument/2006/relationships" xmlns:p="http://schemas.openxmlformats.org/presentationml/2006/main">
   <p:cSld>
     <p:spTree>
       <p:nvGrpSpPr>
@@ -9782,7 +10006,9 @@
       <p:sp>
         <p:nvSpPr>
           <p:cNvPr id="178" name="PSY 348"/>
-          <p:cNvSpPr txBox="1"/>
+          <p:cNvSpPr txBox="1">
+            <a:spLocks noGrp="1"/>
+          </p:cNvSpPr>
           <p:nvPr>
             <p:ph type="body" idx="21"/>
           </p:nvPr>
@@ -9796,7 +10022,6 @@
           <a:bodyPr/>
           <a:lstStyle/>
           <a:p>
-            <a:pPr/>
             <a:r>
               <a:t>PSY 348</a:t>
             </a:r>
@@ -9806,7 +10031,9 @@
       <p:sp>
         <p:nvSpPr>
           <p:cNvPr id="179" name="Sampling Theory"/>
-          <p:cNvSpPr txBox="1"/>
+          <p:cNvSpPr txBox="1">
+            <a:spLocks noGrp="1"/>
+          </p:cNvSpPr>
           <p:nvPr>
             <p:ph type="title"/>
           </p:nvPr>
@@ -9827,7 +10054,6 @@
             </a:lvl1pPr>
           </a:lstStyle>
           <a:p>
-            <a:pPr/>
             <a:r>
               <a:t>Sampling Theory</a:t>
             </a:r>
@@ -9843,9 +10069,7 @@
           <p:nvPr/>
         </p:nvPicPr>
         <p:blipFill>
-          <a:blip r:embed="rId2">
-            <a:extLst/>
-          </a:blip>
+          <a:blip r:embed="rId2"/>
           <a:stretch>
             <a:fillRect/>
           </a:stretch>
@@ -9895,13 +10119,14 @@
               <a:spcBef>
                 <a:spcPts val="0"/>
               </a:spcBef>
-              <a:defRPr cap="all" sz="4000">
+              <a:defRPr sz="4000" cap="all">
                 <a:latin typeface="+mn-lt"/>
                 <a:ea typeface="+mn-ea"/>
                 <a:cs typeface="+mn-cs"/>
                 <a:sym typeface="DIN Condensed Bold"/>
               </a:defRPr>
             </a:pPr>
+            <a:endParaRPr/>
           </a:p>
         </p:txBody>
       </p:sp>
@@ -9910,12 +10135,12 @@
   <p:clrMapOvr>
     <a:masterClrMapping/>
   </p:clrMapOvr>
-  <p:transition xmlns:p14="http://schemas.microsoft.com/office/powerpoint/2010/main" spd="med" advClick="1"/>
+  <p:transition spd="med"/>
 </p:sld>
 </file>
 
 <file path=ppt/slides/slide40.xml><?xml version="1.0" encoding="utf-8"?>
-<p:sld xmlns:a="http://schemas.openxmlformats.org/drawingml/2006/main" xmlns:r="http://schemas.openxmlformats.org/officeDocument/2006/relationships" xmlns:p="http://schemas.openxmlformats.org/presentationml/2006/main" xmlns:m="http://schemas.openxmlformats.org/officeDocument/2006/math" xmlns:a14="http://schemas.microsoft.com/office/drawing/2010/main" showMasterSp="1" showMasterPhAnim="1">
+<p:sld xmlns:a="http://schemas.openxmlformats.org/drawingml/2006/main" xmlns:r="http://schemas.openxmlformats.org/officeDocument/2006/relationships" xmlns:p="http://schemas.openxmlformats.org/presentationml/2006/main">
   <p:cSld>
     <p:spTree>
       <p:nvGrpSpPr>
@@ -9934,7 +10159,9 @@
       <p:sp>
         <p:nvSpPr>
           <p:cNvPr id="357" name="PSY 348"/>
-          <p:cNvSpPr txBox="1"/>
+          <p:cNvSpPr txBox="1">
+            <a:spLocks noGrp="1"/>
+          </p:cNvSpPr>
           <p:nvPr>
             <p:ph type="body" idx="21"/>
           </p:nvPr>
@@ -9948,7 +10175,6 @@
           <a:bodyPr/>
           <a:lstStyle/>
           <a:p>
-            <a:pPr/>
             <a:r>
               <a:t>PSY 348</a:t>
             </a:r>
@@ -9958,7 +10184,9 @@
       <p:sp>
         <p:nvSpPr>
           <p:cNvPr id="358" name="Independent samples t-test: Reporting your findings"/>
-          <p:cNvSpPr txBox="1"/>
+          <p:cNvSpPr txBox="1">
+            <a:spLocks noGrp="1"/>
+          </p:cNvSpPr>
           <p:nvPr>
             <p:ph type="title"/>
           </p:nvPr>
@@ -9979,7 +10207,6 @@
             </a:lvl1pPr>
           </a:lstStyle>
           <a:p>
-            <a:pPr/>
             <a:r>
               <a:t>Independent samples t-test: Reporting your findings</a:t>
             </a:r>
@@ -9989,7 +10216,9 @@
       <p:sp>
         <p:nvSpPr>
           <p:cNvPr id="359" name="There was not a significant difference between the groups, t(18) = 1.287, p = 0.215"/>
-          <p:cNvSpPr txBox="1"/>
+          <p:cNvSpPr txBox="1">
+            <a:spLocks noGrp="1"/>
+          </p:cNvSpPr>
           <p:nvPr>
             <p:ph type="body" sz="half" idx="1"/>
           </p:nvPr>
@@ -10014,7 +10243,6 @@
             </a:lvl1pPr>
           </a:lstStyle>
           <a:p>
-            <a:pPr/>
             <a:r>
               <a:t>There was not a significant difference between the groups, t(18) = 1.287, p = 0.215</a:t>
             </a:r>
@@ -10030,9 +10258,7 @@
           <p:nvPr/>
         </p:nvPicPr>
         <p:blipFill>
-          <a:blip r:embed="rId2">
-            <a:extLst/>
-          </a:blip>
+          <a:blip r:embed="rId2"/>
           <a:stretch>
             <a:fillRect/>
           </a:stretch>
@@ -10083,13 +10309,14 @@
               <a:spcBef>
                 <a:spcPts val="0"/>
               </a:spcBef>
-              <a:defRPr cap="all" sz="4000">
+              <a:defRPr sz="4000" cap="all">
                 <a:latin typeface="+mn-lt"/>
                 <a:ea typeface="+mn-ea"/>
                 <a:cs typeface="+mn-cs"/>
                 <a:sym typeface="DIN Condensed Bold"/>
               </a:defRPr>
             </a:pPr>
+            <a:endParaRPr/>
           </a:p>
         </p:txBody>
       </p:sp>
@@ -10098,12 +10325,12 @@
   <p:clrMapOvr>
     <a:masterClrMapping/>
   </p:clrMapOvr>
-  <p:transition xmlns:p14="http://schemas.microsoft.com/office/powerpoint/2010/main" spd="med" advClick="1"/>
+  <p:transition spd="med"/>
 </p:sld>
 </file>
 
 <file path=ppt/slides/slide41.xml><?xml version="1.0" encoding="utf-8"?>
-<p:sld xmlns:a="http://schemas.openxmlformats.org/drawingml/2006/main" xmlns:r="http://schemas.openxmlformats.org/officeDocument/2006/relationships" xmlns:p="http://schemas.openxmlformats.org/presentationml/2006/main" xmlns:m="http://schemas.openxmlformats.org/officeDocument/2006/math" xmlns:a14="http://schemas.microsoft.com/office/drawing/2010/main" showMasterSp="1" showMasterPhAnim="1">
+<p:sld xmlns:a="http://schemas.openxmlformats.org/drawingml/2006/main" xmlns:r="http://schemas.openxmlformats.org/officeDocument/2006/relationships" xmlns:p="http://schemas.openxmlformats.org/presentationml/2006/main">
   <p:cSld>
     <p:spTree>
       <p:nvGrpSpPr>
@@ -10122,7 +10349,9 @@
       <p:sp>
         <p:nvSpPr>
           <p:cNvPr id="363" name="PSY 348"/>
-          <p:cNvSpPr txBox="1"/>
+          <p:cNvSpPr txBox="1">
+            <a:spLocks noGrp="1"/>
+          </p:cNvSpPr>
           <p:nvPr>
             <p:ph type="body" idx="21"/>
           </p:nvPr>
@@ -10136,7 +10365,6 @@
           <a:bodyPr/>
           <a:lstStyle/>
           <a:p>
-            <a:pPr/>
             <a:r>
               <a:t>PSY 348</a:t>
             </a:r>
@@ -10146,7 +10374,9 @@
       <p:sp>
         <p:nvSpPr>
           <p:cNvPr id="364" name="Independent samples t-test: Reporting your findings"/>
-          <p:cNvSpPr txBox="1"/>
+          <p:cNvSpPr txBox="1">
+            <a:spLocks noGrp="1"/>
+          </p:cNvSpPr>
           <p:nvPr>
             <p:ph type="title"/>
           </p:nvPr>
@@ -10167,7 +10397,6 @@
             </a:lvl1pPr>
           </a:lstStyle>
           <a:p>
-            <a:pPr/>
             <a:r>
               <a:t>Independent samples t-test: Reporting your findings</a:t>
             </a:r>
@@ -10177,7 +10406,9 @@
       <p:sp>
         <p:nvSpPr>
           <p:cNvPr id="365" name="There was not a significant difference between the groups, t(18) = 1.287, p = 0.215."/>
-          <p:cNvSpPr txBox="1"/>
+          <p:cNvSpPr txBox="1">
+            <a:spLocks noGrp="1"/>
+          </p:cNvSpPr>
           <p:nvPr>
             <p:ph type="body" sz="half" idx="1"/>
           </p:nvPr>
@@ -10202,7 +10433,6 @@
             </a:lvl1pPr>
           </a:lstStyle>
           <a:p>
-            <a:pPr/>
             <a:r>
               <a:t>There was not a significant difference between the groups, t(18) = 1.287, p = 0.215.</a:t>
             </a:r>
@@ -10218,9 +10448,7 @@
           <p:nvPr/>
         </p:nvPicPr>
         <p:blipFill>
-          <a:blip r:embed="rId2">
-            <a:extLst/>
-          </a:blip>
+          <a:blip r:embed="rId2"/>
           <a:stretch>
             <a:fillRect/>
           </a:stretch>
@@ -10271,13 +10499,14 @@
               <a:spcBef>
                 <a:spcPts val="0"/>
               </a:spcBef>
-              <a:defRPr cap="all" sz="4000">
+              <a:defRPr sz="4000" cap="all">
                 <a:latin typeface="+mn-lt"/>
                 <a:ea typeface="+mn-ea"/>
                 <a:cs typeface="+mn-cs"/>
                 <a:sym typeface="DIN Condensed Bold"/>
               </a:defRPr>
             </a:pPr>
+            <a:endParaRPr/>
           </a:p>
         </p:txBody>
       </p:sp>
@@ -10286,12 +10515,12 @@
   <p:clrMapOvr>
     <a:masterClrMapping/>
   </p:clrMapOvr>
-  <p:transition xmlns:p14="http://schemas.microsoft.com/office/powerpoint/2010/main" spd="med" advClick="1"/>
+  <p:transition spd="med"/>
 </p:sld>
 </file>
 
 <file path=ppt/slides/slide42.xml><?xml version="1.0" encoding="utf-8"?>
-<p:sld xmlns:a="http://schemas.openxmlformats.org/drawingml/2006/main" xmlns:r="http://schemas.openxmlformats.org/officeDocument/2006/relationships" xmlns:p="http://schemas.openxmlformats.org/presentationml/2006/main" xmlns:m="http://schemas.openxmlformats.org/officeDocument/2006/math" xmlns:a14="http://schemas.microsoft.com/office/drawing/2010/main" showMasterSp="1" showMasterPhAnim="1">
+<p:sld xmlns:a="http://schemas.openxmlformats.org/drawingml/2006/main" xmlns:r="http://schemas.openxmlformats.org/officeDocument/2006/relationships" xmlns:p="http://schemas.openxmlformats.org/presentationml/2006/main">
   <p:cSld>
     <p:spTree>
       <p:nvGrpSpPr>
@@ -10310,7 +10539,9 @@
       <p:sp>
         <p:nvSpPr>
           <p:cNvPr id="369" name="PSY 348"/>
-          <p:cNvSpPr txBox="1"/>
+          <p:cNvSpPr txBox="1">
+            <a:spLocks noGrp="1"/>
+          </p:cNvSpPr>
           <p:nvPr>
             <p:ph type="body" idx="21"/>
           </p:nvPr>
@@ -10324,7 +10555,6 @@
           <a:bodyPr/>
           <a:lstStyle/>
           <a:p>
-            <a:pPr/>
             <a:r>
               <a:t>PSY 348</a:t>
             </a:r>
@@ -10334,7 +10564,9 @@
       <p:sp>
         <p:nvSpPr>
           <p:cNvPr id="370" name="Independent samples t-test: SPSS"/>
-          <p:cNvSpPr txBox="1"/>
+          <p:cNvSpPr txBox="1">
+            <a:spLocks noGrp="1"/>
+          </p:cNvSpPr>
           <p:nvPr>
             <p:ph type="title"/>
           </p:nvPr>
@@ -10355,7 +10587,6 @@
             </a:lvl1pPr>
           </a:lstStyle>
           <a:p>
-            <a:pPr/>
             <a:r>
               <a:t>Independent samples t-test: SPSS</a:t>
             </a:r>
@@ -10371,9 +10602,7 @@
           <p:nvPr/>
         </p:nvPicPr>
         <p:blipFill>
-          <a:blip r:embed="rId2">
-            <a:extLst/>
-          </a:blip>
+          <a:blip r:embed="rId2"/>
           <a:stretch>
             <a:fillRect/>
           </a:stretch>
@@ -10396,12 +10625,12 @@
   <p:clrMapOvr>
     <a:masterClrMapping/>
   </p:clrMapOvr>
-  <p:transition xmlns:p14="http://schemas.microsoft.com/office/powerpoint/2010/main" spd="med" advClick="1"/>
+  <p:transition spd="med"/>
 </p:sld>
 </file>
 
 <file path=ppt/slides/slide43.xml><?xml version="1.0" encoding="utf-8"?>
-<p:sld xmlns:a="http://schemas.openxmlformats.org/drawingml/2006/main" xmlns:r="http://schemas.openxmlformats.org/officeDocument/2006/relationships" xmlns:p="http://schemas.openxmlformats.org/presentationml/2006/main" xmlns:m="http://schemas.openxmlformats.org/officeDocument/2006/math" xmlns:a14="http://schemas.microsoft.com/office/drawing/2010/main" showMasterSp="1" showMasterPhAnim="1">
+<p:sld xmlns:a="http://schemas.openxmlformats.org/drawingml/2006/main" xmlns:r="http://schemas.openxmlformats.org/officeDocument/2006/relationships" xmlns:p="http://schemas.openxmlformats.org/presentationml/2006/main">
   <p:cSld>
     <p:spTree>
       <p:nvGrpSpPr>
@@ -10420,7 +10649,9 @@
       <p:sp>
         <p:nvSpPr>
           <p:cNvPr id="373" name="PSY 348"/>
-          <p:cNvSpPr txBox="1"/>
+          <p:cNvSpPr txBox="1">
+            <a:spLocks noGrp="1"/>
+          </p:cNvSpPr>
           <p:nvPr>
             <p:ph type="body" idx="21"/>
           </p:nvPr>
@@ -10434,7 +10665,6 @@
           <a:bodyPr/>
           <a:lstStyle/>
           <a:p>
-            <a:pPr/>
             <a:r>
               <a:t>PSY 348</a:t>
             </a:r>
@@ -10444,7 +10674,9 @@
       <p:sp>
         <p:nvSpPr>
           <p:cNvPr id="374" name="Independent samples t-test: SPSS"/>
-          <p:cNvSpPr txBox="1"/>
+          <p:cNvSpPr txBox="1">
+            <a:spLocks noGrp="1"/>
+          </p:cNvSpPr>
           <p:nvPr>
             <p:ph type="title"/>
           </p:nvPr>
@@ -10465,7 +10697,6 @@
             </a:lvl1pPr>
           </a:lstStyle>
           <a:p>
-            <a:pPr/>
             <a:r>
               <a:t>Independent samples t-test: SPSS</a:t>
             </a:r>
@@ -10481,9 +10712,7 @@
           <p:nvPr/>
         </p:nvPicPr>
         <p:blipFill>
-          <a:blip r:embed="rId2">
-            <a:extLst/>
-          </a:blip>
+          <a:blip r:embed="rId2"/>
           <a:stretch>
             <a:fillRect/>
           </a:stretch>
@@ -10520,7 +10749,7 @@
           </a:ln>
           <a:extLst>
             <a:ext uri="{C572A759-6A51-4108-AA02-DFA0A04FC94B}">
-              <ma14:wrappingTextBoxFlag xmlns:ma14="http://schemas.microsoft.com/office/mac/drawingml/2011/main" val="1"/>
+              <ma14:wrappingTextBoxFlag xmlns:ma14="http://schemas.microsoft.com/office/mac/drawingml/2011/main" xmlns:a14="http://schemas.microsoft.com/office/drawing/2010/main" xmlns:m="http://schemas.openxmlformats.org/officeDocument/2006/math" xmlns="" val="1"/>
             </a:ext>
           </a:extLst>
         </p:spPr>
@@ -10536,7 +10765,7 @@
               <a:spcBef>
                 <a:spcPts val="0"/>
               </a:spcBef>
-              <a:defRPr cap="all" sz="13400">
+              <a:defRPr sz="13400" cap="all">
                 <a:solidFill>
                   <a:srgbClr val="FFFFFF"/>
                 </a:solidFill>
@@ -10548,7 +10777,6 @@
             </a:lvl1pPr>
           </a:lstStyle>
           <a:p>
-            <a:pPr/>
             <a:r>
               <a:t>Step One: Look at Levine’s</a:t>
             </a:r>
@@ -10588,13 +10816,14 @@
               <a:spcBef>
                 <a:spcPts val="0"/>
               </a:spcBef>
-              <a:defRPr cap="all" sz="4000">
+              <a:defRPr sz="4000" cap="all">
                 <a:latin typeface="+mn-lt"/>
                 <a:ea typeface="+mn-ea"/>
                 <a:cs typeface="+mn-cs"/>
                 <a:sym typeface="DIN Condensed Bold"/>
               </a:defRPr>
             </a:pPr>
+            <a:endParaRPr/>
           </a:p>
         </p:txBody>
       </p:sp>
@@ -10603,12 +10832,12 @@
   <p:clrMapOvr>
     <a:masterClrMapping/>
   </p:clrMapOvr>
-  <p:transition xmlns:p14="http://schemas.microsoft.com/office/powerpoint/2010/main" spd="med" advClick="1"/>
+  <p:transition spd="med"/>
 </p:sld>
 </file>
 
 <file path=ppt/slides/slide44.xml><?xml version="1.0" encoding="utf-8"?>
-<p:sld xmlns:a="http://schemas.openxmlformats.org/drawingml/2006/main" xmlns:r="http://schemas.openxmlformats.org/officeDocument/2006/relationships" xmlns:p="http://schemas.openxmlformats.org/presentationml/2006/main" xmlns:m="http://schemas.openxmlformats.org/officeDocument/2006/math" xmlns:a14="http://schemas.microsoft.com/office/drawing/2010/main" showMasterSp="1" showMasterPhAnim="1">
+<p:sld xmlns:a="http://schemas.openxmlformats.org/drawingml/2006/main" xmlns:r="http://schemas.openxmlformats.org/officeDocument/2006/relationships" xmlns:p="http://schemas.openxmlformats.org/presentationml/2006/main">
   <p:cSld>
     <p:spTree>
       <p:nvGrpSpPr>
@@ -10627,7 +10856,9 @@
       <p:sp>
         <p:nvSpPr>
           <p:cNvPr id="379" name="PSY 348"/>
-          <p:cNvSpPr txBox="1"/>
+          <p:cNvSpPr txBox="1">
+            <a:spLocks noGrp="1"/>
+          </p:cNvSpPr>
           <p:nvPr>
             <p:ph type="body" idx="21"/>
           </p:nvPr>
@@ -10641,7 +10872,6 @@
           <a:bodyPr/>
           <a:lstStyle/>
           <a:p>
-            <a:pPr/>
             <a:r>
               <a:t>PSY 348</a:t>
             </a:r>
@@ -10651,7 +10881,9 @@
       <p:sp>
         <p:nvSpPr>
           <p:cNvPr id="380" name="Independent samples t-test: SPSS"/>
-          <p:cNvSpPr txBox="1"/>
+          <p:cNvSpPr txBox="1">
+            <a:spLocks noGrp="1"/>
+          </p:cNvSpPr>
           <p:nvPr>
             <p:ph type="title"/>
           </p:nvPr>
@@ -10672,7 +10904,6 @@
             </a:lvl1pPr>
           </a:lstStyle>
           <a:p>
-            <a:pPr/>
             <a:r>
               <a:t>Independent samples t-test: SPSS</a:t>
             </a:r>
@@ -10688,9 +10919,7 @@
           <p:nvPr/>
         </p:nvPicPr>
         <p:blipFill>
-          <a:blip r:embed="rId2">
-            <a:extLst/>
-          </a:blip>
+          <a:blip r:embed="rId2"/>
           <a:stretch>
             <a:fillRect/>
           </a:stretch>
@@ -10727,7 +10956,7 @@
           </a:ln>
           <a:extLst>
             <a:ext uri="{C572A759-6A51-4108-AA02-DFA0A04FC94B}">
-              <ma14:wrappingTextBoxFlag xmlns:ma14="http://schemas.microsoft.com/office/mac/drawingml/2011/main" val="1"/>
+              <ma14:wrappingTextBoxFlag xmlns:ma14="http://schemas.microsoft.com/office/mac/drawingml/2011/main" xmlns:a14="http://schemas.microsoft.com/office/drawing/2010/main" xmlns:m="http://schemas.openxmlformats.org/officeDocument/2006/math" xmlns="" val="1"/>
             </a:ext>
           </a:extLst>
         </p:spPr>
@@ -10743,7 +10972,7 @@
               <a:spcBef>
                 <a:spcPts val="0"/>
               </a:spcBef>
-              <a:defRPr cap="all" sz="13400">
+              <a:defRPr sz="13400" cap="all">
                 <a:solidFill>
                   <a:srgbClr val="FFFFFF"/>
                 </a:solidFill>
@@ -10755,7 +10984,6 @@
             </a:lvl1pPr>
           </a:lstStyle>
           <a:p>
-            <a:pPr/>
             <a:r>
               <a:t>Step One: Look at Levine’s</a:t>
             </a:r>
@@ -10795,13 +11023,14 @@
               <a:spcBef>
                 <a:spcPts val="0"/>
               </a:spcBef>
-              <a:defRPr cap="all" sz="4000">
+              <a:defRPr sz="4000" cap="all">
                 <a:latin typeface="+mn-lt"/>
                 <a:ea typeface="+mn-ea"/>
                 <a:cs typeface="+mn-cs"/>
                 <a:sym typeface="DIN Condensed Bold"/>
               </a:defRPr>
             </a:pPr>
+            <a:endParaRPr/>
           </a:p>
         </p:txBody>
       </p:sp>
@@ -10824,7 +11053,7 @@
           </a:ln>
           <a:extLst>
             <a:ext uri="{C572A759-6A51-4108-AA02-DFA0A04FC94B}">
-              <ma14:wrappingTextBoxFlag xmlns:ma14="http://schemas.microsoft.com/office/mac/drawingml/2011/main" val="1"/>
+              <ma14:wrappingTextBoxFlag xmlns:ma14="http://schemas.microsoft.com/office/mac/drawingml/2011/main" xmlns:a14="http://schemas.microsoft.com/office/drawing/2010/main" xmlns:m="http://schemas.openxmlformats.org/officeDocument/2006/math" xmlns="" val="1"/>
             </a:ext>
           </a:extLst>
         </p:spPr>
@@ -10841,7 +11070,7 @@
               <a:spcBef>
                 <a:spcPts val="0"/>
               </a:spcBef>
-              <a:defRPr cap="all" sz="6000">
+              <a:defRPr sz="6000" cap="all">
                 <a:solidFill>
                   <a:srgbClr val="FFFFFF"/>
                 </a:solidFill>
@@ -10863,7 +11092,7 @@
               <a:spcBef>
                 <a:spcPts val="0"/>
               </a:spcBef>
-              <a:defRPr cap="all" sz="7000">
+              <a:defRPr sz="7000" cap="all">
                 <a:solidFill>
                   <a:srgbClr val="FFFFFF"/>
                 </a:solidFill>
@@ -10884,12 +11113,12 @@
   <p:clrMapOvr>
     <a:masterClrMapping/>
   </p:clrMapOvr>
-  <p:transition xmlns:p14="http://schemas.microsoft.com/office/powerpoint/2010/main" spd="med" advClick="1"/>
+  <p:transition spd="med"/>
 </p:sld>
 </file>
 
 <file path=ppt/slides/slide45.xml><?xml version="1.0" encoding="utf-8"?>
-<p:sld xmlns:a="http://schemas.openxmlformats.org/drawingml/2006/main" xmlns:r="http://schemas.openxmlformats.org/officeDocument/2006/relationships" xmlns:p="http://schemas.openxmlformats.org/presentationml/2006/main" xmlns:m="http://schemas.openxmlformats.org/officeDocument/2006/math" xmlns:a14="http://schemas.microsoft.com/office/drawing/2010/main" showMasterSp="1" showMasterPhAnim="1">
+<p:sld xmlns:a="http://schemas.openxmlformats.org/drawingml/2006/main" xmlns:r="http://schemas.openxmlformats.org/officeDocument/2006/relationships" xmlns:p="http://schemas.openxmlformats.org/presentationml/2006/main">
   <p:cSld>
     <p:spTree>
       <p:nvGrpSpPr>
@@ -10908,7 +11137,9 @@
       <p:sp>
         <p:nvSpPr>
           <p:cNvPr id="386" name="PSY 348"/>
-          <p:cNvSpPr txBox="1"/>
+          <p:cNvSpPr txBox="1">
+            <a:spLocks noGrp="1"/>
+          </p:cNvSpPr>
           <p:nvPr>
             <p:ph type="body" idx="21"/>
           </p:nvPr>
@@ -10922,7 +11153,6 @@
           <a:bodyPr/>
           <a:lstStyle/>
           <a:p>
-            <a:pPr/>
             <a:r>
               <a:t>PSY 348</a:t>
             </a:r>
@@ -10932,7 +11162,9 @@
       <p:sp>
         <p:nvSpPr>
           <p:cNvPr id="387" name="Independent samples t-test: SPSS"/>
-          <p:cNvSpPr txBox="1"/>
+          <p:cNvSpPr txBox="1">
+            <a:spLocks noGrp="1"/>
+          </p:cNvSpPr>
           <p:nvPr>
             <p:ph type="title"/>
           </p:nvPr>
@@ -10953,7 +11185,6 @@
             </a:lvl1pPr>
           </a:lstStyle>
           <a:p>
-            <a:pPr/>
             <a:r>
               <a:t>Independent samples t-test: SPSS</a:t>
             </a:r>
@@ -10969,9 +11200,7 @@
           <p:nvPr/>
         </p:nvPicPr>
         <p:blipFill>
-          <a:blip r:embed="rId2">
-            <a:extLst/>
-          </a:blip>
+          <a:blip r:embed="rId2"/>
           <a:stretch>
             <a:fillRect/>
           </a:stretch>
@@ -11008,7 +11237,7 @@
           </a:ln>
           <a:extLst>
             <a:ext uri="{C572A759-6A51-4108-AA02-DFA0A04FC94B}">
-              <ma14:wrappingTextBoxFlag xmlns:ma14="http://schemas.microsoft.com/office/mac/drawingml/2011/main" val="1"/>
+              <ma14:wrappingTextBoxFlag xmlns:ma14="http://schemas.microsoft.com/office/mac/drawingml/2011/main" xmlns:a14="http://schemas.microsoft.com/office/drawing/2010/main" xmlns:m="http://schemas.openxmlformats.org/officeDocument/2006/math" xmlns="" val="1"/>
             </a:ext>
           </a:extLst>
         </p:spPr>
@@ -11024,7 +11253,7 @@
               <a:spcBef>
                 <a:spcPts val="0"/>
               </a:spcBef>
-              <a:defRPr cap="all" sz="13400">
+              <a:defRPr sz="13400" cap="all">
                 <a:solidFill>
                   <a:srgbClr val="FFFFFF"/>
                 </a:solidFill>
@@ -11036,7 +11265,6 @@
             </a:lvl1pPr>
           </a:lstStyle>
           <a:p>
-            <a:pPr/>
             <a:r>
               <a:t>Step two: Look at p (sig)</a:t>
             </a:r>
@@ -11076,13 +11304,14 @@
               <a:spcBef>
                 <a:spcPts val="0"/>
               </a:spcBef>
-              <a:defRPr cap="all" sz="4000">
+              <a:defRPr sz="4000" cap="all">
                 <a:latin typeface="+mn-lt"/>
                 <a:ea typeface="+mn-ea"/>
                 <a:cs typeface="+mn-cs"/>
                 <a:sym typeface="DIN Condensed Bold"/>
               </a:defRPr>
             </a:pPr>
+            <a:endParaRPr/>
           </a:p>
         </p:txBody>
       </p:sp>
@@ -11091,12 +11320,12 @@
   <p:clrMapOvr>
     <a:masterClrMapping/>
   </p:clrMapOvr>
-  <p:transition xmlns:p14="http://schemas.microsoft.com/office/powerpoint/2010/main" spd="med" advClick="1"/>
+  <p:transition spd="med"/>
 </p:sld>
 </file>
 
 <file path=ppt/slides/slide46.xml><?xml version="1.0" encoding="utf-8"?>
-<p:sld xmlns:a="http://schemas.openxmlformats.org/drawingml/2006/main" xmlns:r="http://schemas.openxmlformats.org/officeDocument/2006/relationships" xmlns:p="http://schemas.openxmlformats.org/presentationml/2006/main" xmlns:m="http://schemas.openxmlformats.org/officeDocument/2006/math" xmlns:a14="http://schemas.microsoft.com/office/drawing/2010/main" showMasterSp="1" showMasterPhAnim="1">
+<p:sld xmlns:a="http://schemas.openxmlformats.org/drawingml/2006/main" xmlns:r="http://schemas.openxmlformats.org/officeDocument/2006/relationships" xmlns:p="http://schemas.openxmlformats.org/presentationml/2006/main">
   <p:cSld>
     <p:spTree>
       <p:nvGrpSpPr>
@@ -11115,7 +11344,9 @@
       <p:sp>
         <p:nvSpPr>
           <p:cNvPr id="392" name="PSY 348"/>
-          <p:cNvSpPr txBox="1"/>
+          <p:cNvSpPr txBox="1">
+            <a:spLocks noGrp="1"/>
+          </p:cNvSpPr>
           <p:nvPr>
             <p:ph type="body" idx="21"/>
           </p:nvPr>
@@ -11129,7 +11360,6 @@
           <a:bodyPr/>
           <a:lstStyle/>
           <a:p>
-            <a:pPr/>
             <a:r>
               <a:t>PSY 348</a:t>
             </a:r>
@@ -11139,7 +11369,9 @@
       <p:sp>
         <p:nvSpPr>
           <p:cNvPr id="393" name="Independent samples t-test: SPSS"/>
-          <p:cNvSpPr txBox="1"/>
+          <p:cNvSpPr txBox="1">
+            <a:spLocks noGrp="1"/>
+          </p:cNvSpPr>
           <p:nvPr>
             <p:ph type="title"/>
           </p:nvPr>
@@ -11160,7 +11392,6 @@
             </a:lvl1pPr>
           </a:lstStyle>
           <a:p>
-            <a:pPr/>
             <a:r>
               <a:t>Independent samples t-test: SPSS</a:t>
             </a:r>
@@ -11176,9 +11407,7 @@
           <p:nvPr/>
         </p:nvPicPr>
         <p:blipFill>
-          <a:blip r:embed="rId2">
-            <a:extLst/>
-          </a:blip>
+          <a:blip r:embed="rId2"/>
           <a:stretch>
             <a:fillRect/>
           </a:stretch>
@@ -11215,7 +11444,7 @@
           </a:ln>
           <a:extLst>
             <a:ext uri="{C572A759-6A51-4108-AA02-DFA0A04FC94B}">
-              <ma14:wrappingTextBoxFlag xmlns:ma14="http://schemas.microsoft.com/office/mac/drawingml/2011/main" val="1"/>
+              <ma14:wrappingTextBoxFlag xmlns:ma14="http://schemas.microsoft.com/office/mac/drawingml/2011/main" xmlns:a14="http://schemas.microsoft.com/office/drawing/2010/main" xmlns:m="http://schemas.openxmlformats.org/officeDocument/2006/math" xmlns="" val="1"/>
             </a:ext>
           </a:extLst>
         </p:spPr>
@@ -11231,7 +11460,7 @@
               <a:spcBef>
                 <a:spcPts val="0"/>
               </a:spcBef>
-              <a:defRPr cap="all" sz="13400">
+              <a:defRPr sz="13400" cap="all">
                 <a:solidFill>
                   <a:srgbClr val="FFFFFF"/>
                 </a:solidFill>
@@ -11243,7 +11472,6 @@
             </a:lvl1pPr>
           </a:lstStyle>
           <a:p>
-            <a:pPr/>
             <a:r>
               <a:t>Step two: Look at P</a:t>
             </a:r>
@@ -11283,13 +11511,14 @@
               <a:spcBef>
                 <a:spcPts val="0"/>
               </a:spcBef>
-              <a:defRPr cap="all" sz="4000">
+              <a:defRPr sz="4000" cap="all">
                 <a:latin typeface="+mn-lt"/>
                 <a:ea typeface="+mn-ea"/>
                 <a:cs typeface="+mn-cs"/>
                 <a:sym typeface="DIN Condensed Bold"/>
               </a:defRPr>
             </a:pPr>
+            <a:endParaRPr/>
           </a:p>
         </p:txBody>
       </p:sp>
@@ -11312,7 +11541,7 @@
           </a:ln>
           <a:extLst>
             <a:ext uri="{C572A759-6A51-4108-AA02-DFA0A04FC94B}">
-              <ma14:wrappingTextBoxFlag xmlns:ma14="http://schemas.microsoft.com/office/mac/drawingml/2011/main" val="1"/>
+              <ma14:wrappingTextBoxFlag xmlns:ma14="http://schemas.microsoft.com/office/mac/drawingml/2011/main" xmlns:a14="http://schemas.microsoft.com/office/drawing/2010/main" xmlns:m="http://schemas.openxmlformats.org/officeDocument/2006/math" xmlns="" val="1"/>
             </a:ext>
           </a:extLst>
         </p:spPr>
@@ -11329,7 +11558,7 @@
               <a:spcBef>
                 <a:spcPts val="0"/>
               </a:spcBef>
-              <a:defRPr cap="all" sz="6000">
+              <a:defRPr sz="6000" cap="all">
                 <a:solidFill>
                   <a:srgbClr val="FFFFFF"/>
                 </a:solidFill>
@@ -11351,7 +11580,7 @@
               <a:spcBef>
                 <a:spcPts val="0"/>
               </a:spcBef>
-              <a:defRPr cap="all" sz="7000">
+              <a:defRPr sz="7000" cap="all">
                 <a:solidFill>
                   <a:srgbClr val="FFFFFF"/>
                 </a:solidFill>
@@ -11372,12 +11601,12 @@
   <p:clrMapOvr>
     <a:masterClrMapping/>
   </p:clrMapOvr>
-  <p:transition xmlns:p14="http://schemas.microsoft.com/office/powerpoint/2010/main" spd="med" advClick="1"/>
+  <p:transition spd="med"/>
 </p:sld>
 </file>
 
 <file path=ppt/slides/slide47.xml><?xml version="1.0" encoding="utf-8"?>
-<p:sld xmlns:a="http://schemas.openxmlformats.org/drawingml/2006/main" xmlns:r="http://schemas.openxmlformats.org/officeDocument/2006/relationships" xmlns:p="http://schemas.openxmlformats.org/presentationml/2006/main" xmlns:m="http://schemas.openxmlformats.org/officeDocument/2006/math" xmlns:a14="http://schemas.microsoft.com/office/drawing/2010/main" showMasterSp="1" showMasterPhAnim="1">
+<p:sld xmlns:a="http://schemas.openxmlformats.org/drawingml/2006/main" xmlns:r="http://schemas.openxmlformats.org/officeDocument/2006/relationships" xmlns:p="http://schemas.openxmlformats.org/presentationml/2006/main">
   <p:cSld>
     <p:spTree>
       <p:nvGrpSpPr>
@@ -11396,7 +11625,9 @@
       <p:sp>
         <p:nvSpPr>
           <p:cNvPr id="399" name="PSY 348"/>
-          <p:cNvSpPr txBox="1"/>
+          <p:cNvSpPr txBox="1">
+            <a:spLocks noGrp="1"/>
+          </p:cNvSpPr>
           <p:nvPr>
             <p:ph type="body" idx="21"/>
           </p:nvPr>
@@ -11410,7 +11641,6 @@
           <a:bodyPr/>
           <a:lstStyle/>
           <a:p>
-            <a:pPr/>
             <a:r>
               <a:t>PSY 348</a:t>
             </a:r>
@@ -11420,7 +11650,9 @@
       <p:sp>
         <p:nvSpPr>
           <p:cNvPr id="400" name="Independent samples t-test: SPSS"/>
-          <p:cNvSpPr txBox="1"/>
+          <p:cNvSpPr txBox="1">
+            <a:spLocks noGrp="1"/>
+          </p:cNvSpPr>
           <p:nvPr>
             <p:ph type="title"/>
           </p:nvPr>
@@ -11441,7 +11673,6 @@
             </a:lvl1pPr>
           </a:lstStyle>
           <a:p>
-            <a:pPr/>
             <a:r>
               <a:t>Independent samples t-test: SPSS</a:t>
             </a:r>
@@ -11457,9 +11688,7 @@
           <p:nvPr/>
         </p:nvPicPr>
         <p:blipFill>
-          <a:blip r:embed="rId2">
-            <a:extLst/>
-          </a:blip>
+          <a:blip r:embed="rId2"/>
           <a:stretch>
             <a:fillRect/>
           </a:stretch>
@@ -11496,7 +11725,7 @@
           </a:ln>
           <a:extLst>
             <a:ext uri="{C572A759-6A51-4108-AA02-DFA0A04FC94B}">
-              <ma14:wrappingTextBoxFlag xmlns:ma14="http://schemas.microsoft.com/office/mac/drawingml/2011/main" val="1"/>
+              <ma14:wrappingTextBoxFlag xmlns:ma14="http://schemas.microsoft.com/office/mac/drawingml/2011/main" xmlns:a14="http://schemas.microsoft.com/office/drawing/2010/main" xmlns:m="http://schemas.openxmlformats.org/officeDocument/2006/math" xmlns="" val="1"/>
             </a:ext>
           </a:extLst>
         </p:spPr>
@@ -11512,7 +11741,7 @@
               <a:spcBef>
                 <a:spcPts val="0"/>
               </a:spcBef>
-              <a:defRPr cap="all" sz="13400">
+              <a:defRPr sz="13400" cap="all">
                 <a:solidFill>
                   <a:srgbClr val="FFFFFF"/>
                 </a:solidFill>
@@ -11524,7 +11753,6 @@
             </a:lvl1pPr>
           </a:lstStyle>
           <a:p>
-            <a:pPr/>
             <a:r>
               <a:t>Reporting the full findings:</a:t>
             </a:r>
@@ -11550,7 +11778,7 @@
           </a:ln>
           <a:extLst>
             <a:ext uri="{C572A759-6A51-4108-AA02-DFA0A04FC94B}">
-              <ma14:wrappingTextBoxFlag xmlns:ma14="http://schemas.microsoft.com/office/mac/drawingml/2011/main" val="1"/>
+              <ma14:wrappingTextBoxFlag xmlns:ma14="http://schemas.microsoft.com/office/mac/drawingml/2011/main" xmlns:a14="http://schemas.microsoft.com/office/drawing/2010/main" xmlns:m="http://schemas.openxmlformats.org/officeDocument/2006/math" xmlns="" val="1"/>
             </a:ext>
           </a:extLst>
         </p:spPr>
@@ -11560,7 +11788,6 @@
           </a:bodyPr>
           <a:lstStyle/>
           <a:p>
-            <a:pPr/>
             <a:r>
               <a:t>t()</a:t>
             </a:r>
@@ -11586,7 +11813,7 @@
           </a:ln>
           <a:extLst>
             <a:ext uri="{C572A759-6A51-4108-AA02-DFA0A04FC94B}">
-              <ma14:wrappingTextBoxFlag xmlns:ma14="http://schemas.microsoft.com/office/mac/drawingml/2011/main" val="1"/>
+              <ma14:wrappingTextBoxFlag xmlns:ma14="http://schemas.microsoft.com/office/mac/drawingml/2011/main" xmlns:a14="http://schemas.microsoft.com/office/drawing/2010/main" xmlns:m="http://schemas.openxmlformats.org/officeDocument/2006/math" xmlns="" val="1"/>
             </a:ext>
           </a:extLst>
         </p:spPr>
@@ -11607,7 +11834,6 @@
             </a:lvl1pPr>
           </a:lstStyle>
           <a:p>
-            <a:pPr/>
             <a:r>
               <a:t>t (degrees of freedom) = value, p = value</a:t>
             </a:r>
@@ -11619,12 +11845,12 @@
   <p:clrMapOvr>
     <a:masterClrMapping/>
   </p:clrMapOvr>
-  <p:transition xmlns:p14="http://schemas.microsoft.com/office/powerpoint/2010/main" spd="med" advClick="1"/>
+  <p:transition spd="med"/>
 </p:sld>
 </file>
 
 <file path=ppt/slides/slide48.xml><?xml version="1.0" encoding="utf-8"?>
-<p:sld xmlns:a="http://schemas.openxmlformats.org/drawingml/2006/main" xmlns:r="http://schemas.openxmlformats.org/officeDocument/2006/relationships" xmlns:p="http://schemas.openxmlformats.org/presentationml/2006/main" xmlns:m="http://schemas.openxmlformats.org/officeDocument/2006/math" xmlns:a14="http://schemas.microsoft.com/office/drawing/2010/main" showMasterSp="1" showMasterPhAnim="1">
+<p:sld xmlns:a="http://schemas.openxmlformats.org/drawingml/2006/main" xmlns:r="http://schemas.openxmlformats.org/officeDocument/2006/relationships" xmlns:p="http://schemas.openxmlformats.org/presentationml/2006/main">
   <p:cSld>
     <p:spTree>
       <p:nvGrpSpPr>
@@ -11643,7 +11869,9 @@
       <p:sp>
         <p:nvSpPr>
           <p:cNvPr id="406" name="PSY 348"/>
-          <p:cNvSpPr txBox="1"/>
+          <p:cNvSpPr txBox="1">
+            <a:spLocks noGrp="1"/>
+          </p:cNvSpPr>
           <p:nvPr>
             <p:ph type="body" idx="21"/>
           </p:nvPr>
@@ -11657,7 +11885,6 @@
           <a:bodyPr/>
           <a:lstStyle/>
           <a:p>
-            <a:pPr/>
             <a:r>
               <a:t>PSY 348</a:t>
             </a:r>
@@ -11667,7 +11894,9 @@
       <p:sp>
         <p:nvSpPr>
           <p:cNvPr id="407" name="Independent samples t-test: SPSS"/>
-          <p:cNvSpPr txBox="1"/>
+          <p:cNvSpPr txBox="1">
+            <a:spLocks noGrp="1"/>
+          </p:cNvSpPr>
           <p:nvPr>
             <p:ph type="title"/>
           </p:nvPr>
@@ -11688,7 +11917,6 @@
             </a:lvl1pPr>
           </a:lstStyle>
           <a:p>
-            <a:pPr/>
             <a:r>
               <a:t>Independent samples t-test: SPSS</a:t>
             </a:r>
@@ -11704,9 +11932,7 @@
           <p:nvPr/>
         </p:nvPicPr>
         <p:blipFill>
-          <a:blip r:embed="rId2">
-            <a:extLst/>
-          </a:blip>
+          <a:blip r:embed="rId2"/>
           <a:stretch>
             <a:fillRect/>
           </a:stretch>
@@ -11743,7 +11969,7 @@
           </a:ln>
           <a:extLst>
             <a:ext uri="{C572A759-6A51-4108-AA02-DFA0A04FC94B}">
-              <ma14:wrappingTextBoxFlag xmlns:ma14="http://schemas.microsoft.com/office/mac/drawingml/2011/main" val="1"/>
+              <ma14:wrappingTextBoxFlag xmlns:ma14="http://schemas.microsoft.com/office/mac/drawingml/2011/main" xmlns:a14="http://schemas.microsoft.com/office/drawing/2010/main" xmlns:m="http://schemas.openxmlformats.org/officeDocument/2006/math" xmlns="" val="1"/>
             </a:ext>
           </a:extLst>
         </p:spPr>
@@ -11759,7 +11985,7 @@
               <a:spcBef>
                 <a:spcPts val="0"/>
               </a:spcBef>
-              <a:defRPr cap="all" sz="13400">
+              <a:defRPr sz="13400" cap="all">
                 <a:solidFill>
                   <a:srgbClr val="FFFFFF"/>
                 </a:solidFill>
@@ -11771,7 +11997,6 @@
             </a:lvl1pPr>
           </a:lstStyle>
           <a:p>
-            <a:pPr/>
             <a:r>
               <a:t>Reporting the full findings:</a:t>
             </a:r>
@@ -11797,7 +12022,7 @@
           </a:ln>
           <a:extLst>
             <a:ext uri="{C572A759-6A51-4108-AA02-DFA0A04FC94B}">
-              <ma14:wrappingTextBoxFlag xmlns:ma14="http://schemas.microsoft.com/office/mac/drawingml/2011/main" val="1"/>
+              <ma14:wrappingTextBoxFlag xmlns:ma14="http://schemas.microsoft.com/office/mac/drawingml/2011/main" xmlns:a14="http://schemas.microsoft.com/office/drawing/2010/main" xmlns:m="http://schemas.openxmlformats.org/officeDocument/2006/math" xmlns="" val="1"/>
             </a:ext>
           </a:extLst>
         </p:spPr>
@@ -11807,7 +12032,6 @@
           </a:bodyPr>
           <a:lstStyle/>
           <a:p>
-            <a:pPr/>
             <a:r>
               <a:t>t()</a:t>
             </a:r>
@@ -11833,7 +12057,7 @@
           </a:ln>
           <a:extLst>
             <a:ext uri="{C572A759-6A51-4108-AA02-DFA0A04FC94B}">
-              <ma14:wrappingTextBoxFlag xmlns:ma14="http://schemas.microsoft.com/office/mac/drawingml/2011/main" val="1"/>
+              <ma14:wrappingTextBoxFlag xmlns:ma14="http://schemas.microsoft.com/office/mac/drawingml/2011/main" xmlns:a14="http://schemas.microsoft.com/office/drawing/2010/main" xmlns:m="http://schemas.openxmlformats.org/officeDocument/2006/math" xmlns="" val="1"/>
             </a:ext>
           </a:extLst>
         </p:spPr>
@@ -11854,7 +12078,6 @@
             </a:lvl1pPr>
           </a:lstStyle>
           <a:p>
-            <a:pPr/>
             <a:r>
               <a:t>t (893) = value, p = value</a:t>
             </a:r>
@@ -11894,13 +12117,14 @@
               <a:spcBef>
                 <a:spcPts val="0"/>
               </a:spcBef>
-              <a:defRPr cap="all" sz="4000">
+              <a:defRPr sz="4000" cap="all">
                 <a:latin typeface="+mn-lt"/>
                 <a:ea typeface="+mn-ea"/>
                 <a:cs typeface="+mn-cs"/>
                 <a:sym typeface="DIN Condensed Bold"/>
               </a:defRPr>
             </a:pPr>
+            <a:endParaRPr/>
           </a:p>
         </p:txBody>
       </p:sp>
@@ -11909,12 +12133,12 @@
   <p:clrMapOvr>
     <a:masterClrMapping/>
   </p:clrMapOvr>
-  <p:transition xmlns:p14="http://schemas.microsoft.com/office/powerpoint/2010/main" spd="med" advClick="1"/>
+  <p:transition spd="med"/>
 </p:sld>
 </file>
 
 <file path=ppt/slides/slide49.xml><?xml version="1.0" encoding="utf-8"?>
-<p:sld xmlns:a="http://schemas.openxmlformats.org/drawingml/2006/main" xmlns:r="http://schemas.openxmlformats.org/officeDocument/2006/relationships" xmlns:p="http://schemas.openxmlformats.org/presentationml/2006/main" xmlns:m="http://schemas.openxmlformats.org/officeDocument/2006/math" xmlns:a14="http://schemas.microsoft.com/office/drawing/2010/main" showMasterSp="1" showMasterPhAnim="1">
+<p:sld xmlns:a="http://schemas.openxmlformats.org/drawingml/2006/main" xmlns:r="http://schemas.openxmlformats.org/officeDocument/2006/relationships" xmlns:p="http://schemas.openxmlformats.org/presentationml/2006/main">
   <p:cSld>
     <p:spTree>
       <p:nvGrpSpPr>
@@ -11933,7 +12157,9 @@
       <p:sp>
         <p:nvSpPr>
           <p:cNvPr id="414" name="PSY 348"/>
-          <p:cNvSpPr txBox="1"/>
+          <p:cNvSpPr txBox="1">
+            <a:spLocks noGrp="1"/>
+          </p:cNvSpPr>
           <p:nvPr>
             <p:ph type="body" idx="21"/>
           </p:nvPr>
@@ -11947,7 +12173,6 @@
           <a:bodyPr/>
           <a:lstStyle/>
           <a:p>
-            <a:pPr/>
             <a:r>
               <a:t>PSY 348</a:t>
             </a:r>
@@ -11957,7 +12182,9 @@
       <p:sp>
         <p:nvSpPr>
           <p:cNvPr id="415" name="Independent samples t-test: SPSS"/>
-          <p:cNvSpPr txBox="1"/>
+          <p:cNvSpPr txBox="1">
+            <a:spLocks noGrp="1"/>
+          </p:cNvSpPr>
           <p:nvPr>
             <p:ph type="title"/>
           </p:nvPr>
@@ -11978,7 +12205,6 @@
             </a:lvl1pPr>
           </a:lstStyle>
           <a:p>
-            <a:pPr/>
             <a:r>
               <a:t>Independent samples t-test: SPSS</a:t>
             </a:r>
@@ -11994,9 +12220,7 @@
           <p:nvPr/>
         </p:nvPicPr>
         <p:blipFill>
-          <a:blip r:embed="rId2">
-            <a:extLst/>
-          </a:blip>
+          <a:blip r:embed="rId2"/>
           <a:stretch>
             <a:fillRect/>
           </a:stretch>
@@ -12033,7 +12257,7 @@
           </a:ln>
           <a:extLst>
             <a:ext uri="{C572A759-6A51-4108-AA02-DFA0A04FC94B}">
-              <ma14:wrappingTextBoxFlag xmlns:ma14="http://schemas.microsoft.com/office/mac/drawingml/2011/main" val="1"/>
+              <ma14:wrappingTextBoxFlag xmlns:ma14="http://schemas.microsoft.com/office/mac/drawingml/2011/main" xmlns:a14="http://schemas.microsoft.com/office/drawing/2010/main" xmlns:m="http://schemas.openxmlformats.org/officeDocument/2006/math" xmlns="" val="1"/>
             </a:ext>
           </a:extLst>
         </p:spPr>
@@ -12049,7 +12273,7 @@
               <a:spcBef>
                 <a:spcPts val="0"/>
               </a:spcBef>
-              <a:defRPr cap="all" sz="13400">
+              <a:defRPr sz="13400" cap="all">
                 <a:solidFill>
                   <a:srgbClr val="FFFFFF"/>
                 </a:solidFill>
@@ -12061,7 +12285,6 @@
             </a:lvl1pPr>
           </a:lstStyle>
           <a:p>
-            <a:pPr/>
             <a:r>
               <a:t>Reporting the full findings:</a:t>
             </a:r>
@@ -12087,7 +12310,7 @@
           </a:ln>
           <a:extLst>
             <a:ext uri="{C572A759-6A51-4108-AA02-DFA0A04FC94B}">
-              <ma14:wrappingTextBoxFlag xmlns:ma14="http://schemas.microsoft.com/office/mac/drawingml/2011/main" val="1"/>
+              <ma14:wrappingTextBoxFlag xmlns:ma14="http://schemas.microsoft.com/office/mac/drawingml/2011/main" xmlns:a14="http://schemas.microsoft.com/office/drawing/2010/main" xmlns:m="http://schemas.openxmlformats.org/officeDocument/2006/math" xmlns="" val="1"/>
             </a:ext>
           </a:extLst>
         </p:spPr>
@@ -12097,7 +12320,6 @@
           </a:bodyPr>
           <a:lstStyle/>
           <a:p>
-            <a:pPr/>
             <a:r>
               <a:t>t()</a:t>
             </a:r>
@@ -12123,7 +12345,7 @@
           </a:ln>
           <a:extLst>
             <a:ext uri="{C572A759-6A51-4108-AA02-DFA0A04FC94B}">
-              <ma14:wrappingTextBoxFlag xmlns:ma14="http://schemas.microsoft.com/office/mac/drawingml/2011/main" val="1"/>
+              <ma14:wrappingTextBoxFlag xmlns:ma14="http://schemas.microsoft.com/office/mac/drawingml/2011/main" xmlns:a14="http://schemas.microsoft.com/office/drawing/2010/main" xmlns:m="http://schemas.openxmlformats.org/officeDocument/2006/math" xmlns="" val="1"/>
             </a:ext>
           </a:extLst>
         </p:spPr>
@@ -12144,7 +12366,6 @@
             </a:lvl1pPr>
           </a:lstStyle>
           <a:p>
-            <a:pPr/>
             <a:r>
               <a:t>t (893) = 5.048, p = value</a:t>
             </a:r>
@@ -12184,13 +12405,14 @@
               <a:spcBef>
                 <a:spcPts val="0"/>
               </a:spcBef>
-              <a:defRPr cap="all" sz="4000">
+              <a:defRPr sz="4000" cap="all">
                 <a:latin typeface="+mn-lt"/>
                 <a:ea typeface="+mn-ea"/>
                 <a:cs typeface="+mn-cs"/>
                 <a:sym typeface="DIN Condensed Bold"/>
               </a:defRPr>
             </a:pPr>
+            <a:endParaRPr/>
           </a:p>
         </p:txBody>
       </p:sp>
@@ -12199,12 +12421,12 @@
   <p:clrMapOvr>
     <a:masterClrMapping/>
   </p:clrMapOvr>
-  <p:transition xmlns:p14="http://schemas.microsoft.com/office/powerpoint/2010/main" spd="med" advClick="1"/>
+  <p:transition spd="med"/>
 </p:sld>
 </file>
 
 <file path=ppt/slides/slide5.xml><?xml version="1.0" encoding="utf-8"?>
-<p:sld xmlns:a="http://schemas.openxmlformats.org/drawingml/2006/main" xmlns:r="http://schemas.openxmlformats.org/officeDocument/2006/relationships" xmlns:p="http://schemas.openxmlformats.org/presentationml/2006/main" xmlns:m="http://schemas.openxmlformats.org/officeDocument/2006/math" xmlns:a14="http://schemas.microsoft.com/office/drawing/2010/main" showMasterSp="1" showMasterPhAnim="1">
+<p:sld xmlns:a="http://schemas.openxmlformats.org/drawingml/2006/main" xmlns:r="http://schemas.openxmlformats.org/officeDocument/2006/relationships" xmlns:p="http://schemas.openxmlformats.org/presentationml/2006/main">
   <p:cSld>
     <p:spTree>
       <p:nvGrpSpPr>
@@ -12223,7 +12445,9 @@
       <p:sp>
         <p:nvSpPr>
           <p:cNvPr id="183" name="PSY 348"/>
-          <p:cNvSpPr txBox="1"/>
+          <p:cNvSpPr txBox="1">
+            <a:spLocks noGrp="1"/>
+          </p:cNvSpPr>
           <p:nvPr>
             <p:ph type="body" idx="21"/>
           </p:nvPr>
@@ -12237,7 +12461,6 @@
           <a:bodyPr/>
           <a:lstStyle/>
           <a:p>
-            <a:pPr/>
             <a:r>
               <a:t>PSY 348</a:t>
             </a:r>
@@ -12247,7 +12470,9 @@
       <p:sp>
         <p:nvSpPr>
           <p:cNvPr id="184" name="Sampling Theory"/>
-          <p:cNvSpPr txBox="1"/>
+          <p:cNvSpPr txBox="1">
+            <a:spLocks noGrp="1"/>
+          </p:cNvSpPr>
           <p:nvPr>
             <p:ph type="title"/>
           </p:nvPr>
@@ -12268,7 +12493,6 @@
             </a:lvl1pPr>
           </a:lstStyle>
           <a:p>
-            <a:pPr/>
             <a:r>
               <a:t>Sampling Theory</a:t>
             </a:r>
@@ -12284,9 +12508,7 @@
           <p:nvPr/>
         </p:nvPicPr>
         <p:blipFill>
-          <a:blip r:embed="rId2">
-            <a:extLst/>
-          </a:blip>
+          <a:blip r:embed="rId2"/>
           <a:stretch>
             <a:fillRect/>
           </a:stretch>
@@ -12336,13 +12558,14 @@
               <a:spcBef>
                 <a:spcPts val="0"/>
               </a:spcBef>
-              <a:defRPr cap="all" sz="4000">
+              <a:defRPr sz="4000" cap="all">
                 <a:latin typeface="+mn-lt"/>
                 <a:ea typeface="+mn-ea"/>
                 <a:cs typeface="+mn-cs"/>
                 <a:sym typeface="DIN Condensed Bold"/>
               </a:defRPr>
             </a:pPr>
+            <a:endParaRPr/>
           </a:p>
         </p:txBody>
       </p:sp>
@@ -12378,13 +12601,14 @@
               <a:spcBef>
                 <a:spcPts val="0"/>
               </a:spcBef>
-              <a:defRPr cap="all" sz="4000">
+              <a:defRPr sz="4000" cap="all">
                 <a:latin typeface="+mn-lt"/>
                 <a:ea typeface="+mn-ea"/>
                 <a:cs typeface="+mn-cs"/>
                 <a:sym typeface="DIN Condensed Bold"/>
               </a:defRPr>
             </a:pPr>
+            <a:endParaRPr/>
           </a:p>
         </p:txBody>
       </p:sp>
@@ -12407,7 +12631,7 @@
           </a:ln>
           <a:extLst>
             <a:ext uri="{C572A759-6A51-4108-AA02-DFA0A04FC94B}">
-              <ma14:wrappingTextBoxFlag xmlns:ma14="http://schemas.microsoft.com/office/mac/drawingml/2011/main" val="1"/>
+              <ma14:wrappingTextBoxFlag xmlns:ma14="http://schemas.microsoft.com/office/mac/drawingml/2011/main" xmlns:a14="http://schemas.microsoft.com/office/drawing/2010/main" xmlns:m="http://schemas.openxmlformats.org/officeDocument/2006/math" xmlns="" val="1"/>
             </a:ext>
           </a:extLst>
         </p:spPr>
@@ -12417,7 +12641,7 @@
           </a:bodyPr>
           <a:lstStyle>
             <a:lvl1pPr>
-              <a:defRPr b="1" sz="4100">
+              <a:defRPr sz="4100" b="1">
                 <a:solidFill>
                   <a:schemeClr val="accent5"/>
                 </a:solidFill>
@@ -12429,7 +12653,6 @@
             </a:lvl1pPr>
           </a:lstStyle>
           <a:p>
-            <a:pPr/>
             <a:r>
               <a:t>Critical value</a:t>
             </a:r>
@@ -12439,7 +12662,9 @@
       <p:sp>
         <p:nvSpPr>
           <p:cNvPr id="189" name="Setting alpha to 0.05, puts the critical value at a point where 5% of the null distribution’s area is to the right of it."/>
-          <p:cNvSpPr txBox="1"/>
+          <p:cNvSpPr txBox="1">
+            <a:spLocks noGrp="1"/>
+          </p:cNvSpPr>
           <p:nvPr>
             <p:ph type="body" sz="quarter" idx="1"/>
           </p:nvPr>
@@ -12464,7 +12689,6 @@
             </a:lvl1pPr>
           </a:lstStyle>
           <a:p>
-            <a:pPr/>
             <a:r>
               <a:t>Setting alpha to 0.05, puts the critical value at a point where 5% of the null distribution’s area is to the right of it.</a:t>
             </a:r>
@@ -12476,12 +12700,12 @@
   <p:clrMapOvr>
     <a:masterClrMapping/>
   </p:clrMapOvr>
-  <p:transition xmlns:p14="http://schemas.microsoft.com/office/powerpoint/2010/main" spd="med" advClick="1"/>
+  <p:transition spd="med"/>
 </p:sld>
 </file>
 
 <file path=ppt/slides/slide50.xml><?xml version="1.0" encoding="utf-8"?>
-<p:sld xmlns:a="http://schemas.openxmlformats.org/drawingml/2006/main" xmlns:r="http://schemas.openxmlformats.org/officeDocument/2006/relationships" xmlns:p="http://schemas.openxmlformats.org/presentationml/2006/main" xmlns:m="http://schemas.openxmlformats.org/officeDocument/2006/math" xmlns:a14="http://schemas.microsoft.com/office/drawing/2010/main" showMasterSp="1" showMasterPhAnim="1">
+<p:sld xmlns:a="http://schemas.openxmlformats.org/drawingml/2006/main" xmlns:r="http://schemas.openxmlformats.org/officeDocument/2006/relationships" xmlns:p="http://schemas.openxmlformats.org/presentationml/2006/main">
   <p:cSld>
     <p:spTree>
       <p:nvGrpSpPr>
@@ -12500,7 +12724,9 @@
       <p:sp>
         <p:nvSpPr>
           <p:cNvPr id="422" name="PSY 348"/>
-          <p:cNvSpPr txBox="1"/>
+          <p:cNvSpPr txBox="1">
+            <a:spLocks noGrp="1"/>
+          </p:cNvSpPr>
           <p:nvPr>
             <p:ph type="body" idx="21"/>
           </p:nvPr>
@@ -12514,7 +12740,6 @@
           <a:bodyPr/>
           <a:lstStyle/>
           <a:p>
-            <a:pPr/>
             <a:r>
               <a:t>PSY 348</a:t>
             </a:r>
@@ -12524,7 +12749,9 @@
       <p:sp>
         <p:nvSpPr>
           <p:cNvPr id="423" name="Independent samples t-test: SPSS"/>
-          <p:cNvSpPr txBox="1"/>
+          <p:cNvSpPr txBox="1">
+            <a:spLocks noGrp="1"/>
+          </p:cNvSpPr>
           <p:nvPr>
             <p:ph type="title"/>
           </p:nvPr>
@@ -12545,7 +12772,6 @@
             </a:lvl1pPr>
           </a:lstStyle>
           <a:p>
-            <a:pPr/>
             <a:r>
               <a:t>Independent samples t-test: SPSS</a:t>
             </a:r>
@@ -12561,9 +12787,7 @@
           <p:nvPr/>
         </p:nvPicPr>
         <p:blipFill>
-          <a:blip r:embed="rId2">
-            <a:extLst/>
-          </a:blip>
+          <a:blip r:embed="rId2"/>
           <a:stretch>
             <a:fillRect/>
           </a:stretch>
@@ -12600,7 +12824,7 @@
           </a:ln>
           <a:extLst>
             <a:ext uri="{C572A759-6A51-4108-AA02-DFA0A04FC94B}">
-              <ma14:wrappingTextBoxFlag xmlns:ma14="http://schemas.microsoft.com/office/mac/drawingml/2011/main" val="1"/>
+              <ma14:wrappingTextBoxFlag xmlns:ma14="http://schemas.microsoft.com/office/mac/drawingml/2011/main" xmlns:a14="http://schemas.microsoft.com/office/drawing/2010/main" xmlns:m="http://schemas.openxmlformats.org/officeDocument/2006/math" xmlns="" val="1"/>
             </a:ext>
           </a:extLst>
         </p:spPr>
@@ -12616,7 +12840,7 @@
               <a:spcBef>
                 <a:spcPts val="0"/>
               </a:spcBef>
-              <a:defRPr cap="all" sz="13400">
+              <a:defRPr sz="13400" cap="all">
                 <a:solidFill>
                   <a:srgbClr val="FFFFFF"/>
                 </a:solidFill>
@@ -12628,7 +12852,6 @@
             </a:lvl1pPr>
           </a:lstStyle>
           <a:p>
-            <a:pPr/>
             <a:r>
               <a:t>Reporting the full findings:</a:t>
             </a:r>
@@ -12654,7 +12877,7 @@
           </a:ln>
           <a:extLst>
             <a:ext uri="{C572A759-6A51-4108-AA02-DFA0A04FC94B}">
-              <ma14:wrappingTextBoxFlag xmlns:ma14="http://schemas.microsoft.com/office/mac/drawingml/2011/main" val="1"/>
+              <ma14:wrappingTextBoxFlag xmlns:ma14="http://schemas.microsoft.com/office/mac/drawingml/2011/main" xmlns:a14="http://schemas.microsoft.com/office/drawing/2010/main" xmlns:m="http://schemas.openxmlformats.org/officeDocument/2006/math" xmlns="" val="1"/>
             </a:ext>
           </a:extLst>
         </p:spPr>
@@ -12664,7 +12887,6 @@
           </a:bodyPr>
           <a:lstStyle/>
           <a:p>
-            <a:pPr/>
             <a:r>
               <a:t>t()</a:t>
             </a:r>
@@ -12690,7 +12912,7 @@
           </a:ln>
           <a:extLst>
             <a:ext uri="{C572A759-6A51-4108-AA02-DFA0A04FC94B}">
-              <ma14:wrappingTextBoxFlag xmlns:ma14="http://schemas.microsoft.com/office/mac/drawingml/2011/main" val="1"/>
+              <ma14:wrappingTextBoxFlag xmlns:ma14="http://schemas.microsoft.com/office/mac/drawingml/2011/main" xmlns:a14="http://schemas.microsoft.com/office/drawing/2010/main" xmlns:m="http://schemas.openxmlformats.org/officeDocument/2006/math" xmlns="" val="1"/>
             </a:ext>
           </a:extLst>
         </p:spPr>
@@ -12711,7 +12933,6 @@
             </a:lvl1pPr>
           </a:lstStyle>
           <a:p>
-            <a:pPr/>
             <a:r>
               <a:t>t (893) = 5.038, p &lt; 0.001</a:t>
             </a:r>
@@ -12751,13 +12972,14 @@
               <a:spcBef>
                 <a:spcPts val="0"/>
               </a:spcBef>
-              <a:defRPr cap="all" sz="4000">
+              <a:defRPr sz="4000" cap="all">
                 <a:latin typeface="+mn-lt"/>
                 <a:ea typeface="+mn-ea"/>
                 <a:cs typeface="+mn-cs"/>
                 <a:sym typeface="DIN Condensed Bold"/>
               </a:defRPr>
             </a:pPr>
+            <a:endParaRPr/>
           </a:p>
         </p:txBody>
       </p:sp>
@@ -12766,12 +12988,12 @@
   <p:clrMapOvr>
     <a:masterClrMapping/>
   </p:clrMapOvr>
-  <p:transition xmlns:p14="http://schemas.microsoft.com/office/powerpoint/2010/main" spd="med" advClick="1"/>
+  <p:transition spd="med"/>
 </p:sld>
 </file>
 
 <file path=ppt/slides/slide51.xml><?xml version="1.0" encoding="utf-8"?>
-<p:sld xmlns:a="http://schemas.openxmlformats.org/drawingml/2006/main" xmlns:r="http://schemas.openxmlformats.org/officeDocument/2006/relationships" xmlns:p="http://schemas.openxmlformats.org/presentationml/2006/main" xmlns:m="http://schemas.openxmlformats.org/officeDocument/2006/math" xmlns:a14="http://schemas.microsoft.com/office/drawing/2010/main" showMasterSp="1" showMasterPhAnim="1">
+<p:sld xmlns:a="http://schemas.openxmlformats.org/drawingml/2006/main" xmlns:r="http://schemas.openxmlformats.org/officeDocument/2006/relationships" xmlns:p="http://schemas.openxmlformats.org/presentationml/2006/main">
   <p:cSld>
     <p:spTree>
       <p:nvGrpSpPr>
@@ -12790,7 +13012,9 @@
       <p:sp>
         <p:nvSpPr>
           <p:cNvPr id="430" name="PSY 348"/>
-          <p:cNvSpPr txBox="1"/>
+          <p:cNvSpPr txBox="1">
+            <a:spLocks noGrp="1"/>
+          </p:cNvSpPr>
           <p:nvPr>
             <p:ph type="body" idx="21"/>
           </p:nvPr>
@@ -12804,7 +13028,6 @@
           <a:bodyPr/>
           <a:lstStyle/>
           <a:p>
-            <a:pPr/>
             <a:r>
               <a:t>PSY 348</a:t>
             </a:r>
@@ -12814,7 +13037,9 @@
       <p:sp>
         <p:nvSpPr>
           <p:cNvPr id="431" name="Independent samples t-test: SPSS"/>
-          <p:cNvSpPr txBox="1"/>
+          <p:cNvSpPr txBox="1">
+            <a:spLocks noGrp="1"/>
+          </p:cNvSpPr>
           <p:nvPr>
             <p:ph type="title"/>
           </p:nvPr>
@@ -12835,7 +13060,6 @@
             </a:lvl1pPr>
           </a:lstStyle>
           <a:p>
-            <a:pPr/>
             <a:r>
               <a:t>Independent samples t-test: SPSS</a:t>
             </a:r>
@@ -12851,9 +13075,7 @@
           <p:nvPr/>
         </p:nvPicPr>
         <p:blipFill>
-          <a:blip r:embed="rId2">
-            <a:extLst/>
-          </a:blip>
+          <a:blip r:embed="rId2"/>
           <a:stretch>
             <a:fillRect/>
           </a:stretch>
@@ -12890,7 +13112,7 @@
           </a:ln>
           <a:extLst>
             <a:ext uri="{C572A759-6A51-4108-AA02-DFA0A04FC94B}">
-              <ma14:wrappingTextBoxFlag xmlns:ma14="http://schemas.microsoft.com/office/mac/drawingml/2011/main" val="1"/>
+              <ma14:wrappingTextBoxFlag xmlns:ma14="http://schemas.microsoft.com/office/mac/drawingml/2011/main" xmlns:a14="http://schemas.microsoft.com/office/drawing/2010/main" xmlns:m="http://schemas.openxmlformats.org/officeDocument/2006/math" xmlns="" val="1"/>
             </a:ext>
           </a:extLst>
         </p:spPr>
@@ -12906,7 +13128,7 @@
               <a:spcBef>
                 <a:spcPts val="0"/>
               </a:spcBef>
-              <a:defRPr cap="all" sz="13400">
+              <a:defRPr sz="13400" cap="all">
                 <a:solidFill>
                   <a:srgbClr val="FFFFFF"/>
                 </a:solidFill>
@@ -12918,7 +13140,6 @@
             </a:lvl1pPr>
           </a:lstStyle>
           <a:p>
-            <a:pPr/>
             <a:r>
               <a:t>Reporting the full findings:</a:t>
             </a:r>
@@ -12944,7 +13165,7 @@
           </a:ln>
           <a:extLst>
             <a:ext uri="{C572A759-6A51-4108-AA02-DFA0A04FC94B}">
-              <ma14:wrappingTextBoxFlag xmlns:ma14="http://schemas.microsoft.com/office/mac/drawingml/2011/main" val="1"/>
+              <ma14:wrappingTextBoxFlag xmlns:ma14="http://schemas.microsoft.com/office/mac/drawingml/2011/main" xmlns:a14="http://schemas.microsoft.com/office/drawing/2010/main" xmlns:m="http://schemas.openxmlformats.org/officeDocument/2006/math" xmlns="" val="1"/>
             </a:ext>
           </a:extLst>
         </p:spPr>
@@ -12954,7 +13175,6 @@
           </a:bodyPr>
           <a:lstStyle/>
           <a:p>
-            <a:pPr/>
             <a:r>
               <a:t>t()</a:t>
             </a:r>
@@ -12980,7 +13200,7 @@
           </a:ln>
           <a:extLst>
             <a:ext uri="{C572A759-6A51-4108-AA02-DFA0A04FC94B}">
-              <ma14:wrappingTextBoxFlag xmlns:ma14="http://schemas.microsoft.com/office/mac/drawingml/2011/main" val="1"/>
+              <ma14:wrappingTextBoxFlag xmlns:ma14="http://schemas.microsoft.com/office/mac/drawingml/2011/main" xmlns:a14="http://schemas.microsoft.com/office/drawing/2010/main" xmlns:m="http://schemas.openxmlformats.org/officeDocument/2006/math" xmlns="" val="1"/>
             </a:ext>
           </a:extLst>
         </p:spPr>
@@ -13001,8 +13221,8 @@
             </a:lvl1pPr>
           </a:lstStyle>
           <a:p>
-            <a:pPr/>
-            <a:r>
+            <a:r>
+              <a:rPr dirty="0"/>
               <a:t>There was a significant difference in number of hours worked last week between men and women, t (893) = 5.038, p &lt; 0.001.</a:t>
             </a:r>
           </a:p>
@@ -13013,12 +13233,12 @@
   <p:clrMapOvr>
     <a:masterClrMapping/>
   </p:clrMapOvr>
-  <p:transition xmlns:p14="http://schemas.microsoft.com/office/powerpoint/2010/main" spd="med" advClick="1"/>
+  <p:transition spd="med"/>
 </p:sld>
 </file>
 
 <file path=ppt/slides/slide52.xml><?xml version="1.0" encoding="utf-8"?>
-<p:sld xmlns:a="http://schemas.openxmlformats.org/drawingml/2006/main" xmlns:r="http://schemas.openxmlformats.org/officeDocument/2006/relationships" xmlns:p="http://schemas.openxmlformats.org/presentationml/2006/main" xmlns:m="http://schemas.openxmlformats.org/officeDocument/2006/math" xmlns:a14="http://schemas.microsoft.com/office/drawing/2010/main" showMasterSp="1" showMasterPhAnim="1">
+<p:sld xmlns:a="http://schemas.openxmlformats.org/drawingml/2006/main" xmlns:r="http://schemas.openxmlformats.org/officeDocument/2006/relationships" xmlns:p="http://schemas.openxmlformats.org/presentationml/2006/main">
   <p:cSld>
     <p:spTree>
       <p:nvGrpSpPr>
@@ -13037,7 +13257,9 @@
       <p:sp>
         <p:nvSpPr>
           <p:cNvPr id="437" name="PSY 348"/>
-          <p:cNvSpPr txBox="1"/>
+          <p:cNvSpPr txBox="1">
+            <a:spLocks noGrp="1"/>
+          </p:cNvSpPr>
           <p:nvPr>
             <p:ph type="body" idx="21"/>
           </p:nvPr>
@@ -13051,7 +13273,6 @@
           <a:bodyPr/>
           <a:lstStyle/>
           <a:p>
-            <a:pPr/>
             <a:r>
               <a:t>PSY 348</a:t>
             </a:r>
@@ -13061,7 +13282,9 @@
       <p:sp>
         <p:nvSpPr>
           <p:cNvPr id="438" name="Independent samples t-test: SPSS"/>
-          <p:cNvSpPr txBox="1"/>
+          <p:cNvSpPr txBox="1">
+            <a:spLocks noGrp="1"/>
+          </p:cNvSpPr>
           <p:nvPr>
             <p:ph type="title"/>
           </p:nvPr>
@@ -13082,7 +13305,6 @@
             </a:lvl1pPr>
           </a:lstStyle>
           <a:p>
-            <a:pPr/>
             <a:r>
               <a:t>Independent samples t-test: SPSS</a:t>
             </a:r>
@@ -13098,9 +13320,7 @@
           <p:nvPr/>
         </p:nvPicPr>
         <p:blipFill>
-          <a:blip r:embed="rId2">
-            <a:extLst/>
-          </a:blip>
+          <a:blip r:embed="rId2"/>
           <a:stretch>
             <a:fillRect/>
           </a:stretch>
@@ -13137,7 +13357,7 @@
           </a:ln>
           <a:extLst>
             <a:ext uri="{C572A759-6A51-4108-AA02-DFA0A04FC94B}">
-              <ma14:wrappingTextBoxFlag xmlns:ma14="http://schemas.microsoft.com/office/mac/drawingml/2011/main" val="1"/>
+              <ma14:wrappingTextBoxFlag xmlns:ma14="http://schemas.microsoft.com/office/mac/drawingml/2011/main" xmlns:a14="http://schemas.microsoft.com/office/drawing/2010/main" xmlns:m="http://schemas.openxmlformats.org/officeDocument/2006/math" xmlns="" val="1"/>
             </a:ext>
           </a:extLst>
         </p:spPr>
@@ -13153,7 +13373,7 @@
               <a:spcBef>
                 <a:spcPts val="0"/>
               </a:spcBef>
-              <a:defRPr cap="all" sz="13400">
+              <a:defRPr sz="13400" cap="all">
                 <a:solidFill>
                   <a:srgbClr val="FFFFFF"/>
                 </a:solidFill>
@@ -13165,7 +13385,6 @@
             </a:lvl1pPr>
           </a:lstStyle>
           <a:p>
-            <a:pPr/>
             <a:r>
               <a:t>Reporting the full findings:</a:t>
             </a:r>
@@ -13191,7 +13410,7 @@
           </a:ln>
           <a:extLst>
             <a:ext uri="{C572A759-6A51-4108-AA02-DFA0A04FC94B}">
-              <ma14:wrappingTextBoxFlag xmlns:ma14="http://schemas.microsoft.com/office/mac/drawingml/2011/main" val="1"/>
+              <ma14:wrappingTextBoxFlag xmlns:ma14="http://schemas.microsoft.com/office/mac/drawingml/2011/main" xmlns:a14="http://schemas.microsoft.com/office/drawing/2010/main" xmlns:m="http://schemas.openxmlformats.org/officeDocument/2006/math" xmlns="" val="1"/>
             </a:ext>
           </a:extLst>
         </p:spPr>
@@ -13201,7 +13420,6 @@
           </a:bodyPr>
           <a:lstStyle/>
           <a:p>
-            <a:pPr/>
             <a:r>
               <a:t>t()</a:t>
             </a:r>
@@ -13227,7 +13445,7 @@
           </a:ln>
           <a:extLst>
             <a:ext uri="{C572A759-6A51-4108-AA02-DFA0A04FC94B}">
-              <ma14:wrappingTextBoxFlag xmlns:ma14="http://schemas.microsoft.com/office/mac/drawingml/2011/main" val="1"/>
+              <ma14:wrappingTextBoxFlag xmlns:ma14="http://schemas.microsoft.com/office/mac/drawingml/2011/main" xmlns:a14="http://schemas.microsoft.com/office/drawing/2010/main" xmlns:m="http://schemas.openxmlformats.org/officeDocument/2006/math" xmlns="" val="1"/>
             </a:ext>
           </a:extLst>
         </p:spPr>
@@ -13248,7 +13466,6 @@
             </a:lvl1pPr>
           </a:lstStyle>
           <a:p>
-            <a:pPr/>
             <a:r>
               <a:t>But who worked more hours???</a:t>
             </a:r>
@@ -13260,12 +13477,12 @@
   <p:clrMapOvr>
     <a:masterClrMapping/>
   </p:clrMapOvr>
-  <p:transition xmlns:p14="http://schemas.microsoft.com/office/powerpoint/2010/main" spd="med" advClick="1"/>
+  <p:transition spd="med"/>
 </p:sld>
 </file>
 
 <file path=ppt/slides/slide53.xml><?xml version="1.0" encoding="utf-8"?>
-<p:sld xmlns:a="http://schemas.openxmlformats.org/drawingml/2006/main" xmlns:r="http://schemas.openxmlformats.org/officeDocument/2006/relationships" xmlns:p="http://schemas.openxmlformats.org/presentationml/2006/main" xmlns:m="http://schemas.openxmlformats.org/officeDocument/2006/math" xmlns:a14="http://schemas.microsoft.com/office/drawing/2010/main" showMasterSp="1" showMasterPhAnim="1">
+<p:sld xmlns:a="http://schemas.openxmlformats.org/drawingml/2006/main" xmlns:r="http://schemas.openxmlformats.org/officeDocument/2006/relationships" xmlns:p="http://schemas.openxmlformats.org/presentationml/2006/main">
   <p:cSld>
     <p:spTree>
       <p:nvGrpSpPr>
@@ -13284,7 +13501,9 @@
       <p:sp>
         <p:nvSpPr>
           <p:cNvPr id="444" name="PSY 348"/>
-          <p:cNvSpPr txBox="1"/>
+          <p:cNvSpPr txBox="1">
+            <a:spLocks noGrp="1"/>
+          </p:cNvSpPr>
           <p:nvPr>
             <p:ph type="body" idx="21"/>
           </p:nvPr>
@@ -13298,7 +13517,6 @@
           <a:bodyPr/>
           <a:lstStyle/>
           <a:p>
-            <a:pPr/>
             <a:r>
               <a:t>PSY 348</a:t>
             </a:r>
@@ -13308,7 +13526,9 @@
       <p:sp>
         <p:nvSpPr>
           <p:cNvPr id="445" name="Independent samples t-test: SPSS"/>
-          <p:cNvSpPr txBox="1"/>
+          <p:cNvSpPr txBox="1">
+            <a:spLocks noGrp="1"/>
+          </p:cNvSpPr>
           <p:nvPr>
             <p:ph type="title"/>
           </p:nvPr>
@@ -13329,7 +13549,6 @@
             </a:lvl1pPr>
           </a:lstStyle>
           <a:p>
-            <a:pPr/>
             <a:r>
               <a:t>Independent samples t-test: SPSS</a:t>
             </a:r>
@@ -13345,9 +13564,7 @@
           <p:nvPr/>
         </p:nvPicPr>
         <p:blipFill>
-          <a:blip r:embed="rId2">
-            <a:extLst/>
-          </a:blip>
+          <a:blip r:embed="rId2"/>
           <a:stretch>
             <a:fillRect/>
           </a:stretch>
@@ -13384,7 +13601,7 @@
           </a:ln>
           <a:extLst>
             <a:ext uri="{C572A759-6A51-4108-AA02-DFA0A04FC94B}">
-              <ma14:wrappingTextBoxFlag xmlns:ma14="http://schemas.microsoft.com/office/mac/drawingml/2011/main" val="1"/>
+              <ma14:wrappingTextBoxFlag xmlns:ma14="http://schemas.microsoft.com/office/mac/drawingml/2011/main" xmlns:a14="http://schemas.microsoft.com/office/drawing/2010/main" xmlns:m="http://schemas.openxmlformats.org/officeDocument/2006/math" xmlns="" val="1"/>
             </a:ext>
           </a:extLst>
         </p:spPr>
@@ -13400,7 +13617,7 @@
               <a:spcBef>
                 <a:spcPts val="0"/>
               </a:spcBef>
-              <a:defRPr cap="all" sz="13400">
+              <a:defRPr sz="13400" cap="all">
                 <a:solidFill>
                   <a:srgbClr val="FFFFFF"/>
                 </a:solidFill>
@@ -13412,7 +13629,6 @@
             </a:lvl1pPr>
           </a:lstStyle>
           <a:p>
-            <a:pPr/>
             <a:r>
               <a:t>Reporting the full findings:</a:t>
             </a:r>
@@ -13438,7 +13654,7 @@
           </a:ln>
           <a:extLst>
             <a:ext uri="{C572A759-6A51-4108-AA02-DFA0A04FC94B}">
-              <ma14:wrappingTextBoxFlag xmlns:ma14="http://schemas.microsoft.com/office/mac/drawingml/2011/main" val="1"/>
+              <ma14:wrappingTextBoxFlag xmlns:ma14="http://schemas.microsoft.com/office/mac/drawingml/2011/main" xmlns:a14="http://schemas.microsoft.com/office/drawing/2010/main" xmlns:m="http://schemas.openxmlformats.org/officeDocument/2006/math" xmlns="" val="1"/>
             </a:ext>
           </a:extLst>
         </p:spPr>
@@ -13448,7 +13664,6 @@
           </a:bodyPr>
           <a:lstStyle/>
           <a:p>
-            <a:pPr/>
             <a:r>
               <a:t>t()</a:t>
             </a:r>
@@ -13474,7 +13689,7 @@
           </a:ln>
           <a:extLst>
             <a:ext uri="{C572A759-6A51-4108-AA02-DFA0A04FC94B}">
-              <ma14:wrappingTextBoxFlag xmlns:ma14="http://schemas.microsoft.com/office/mac/drawingml/2011/main" val="1"/>
+              <ma14:wrappingTextBoxFlag xmlns:ma14="http://schemas.microsoft.com/office/mac/drawingml/2011/main" xmlns:a14="http://schemas.microsoft.com/office/drawing/2010/main" xmlns:m="http://schemas.openxmlformats.org/officeDocument/2006/math" xmlns="" val="1"/>
             </a:ext>
           </a:extLst>
         </p:spPr>
@@ -13495,7 +13710,6 @@
             </a:lvl1pPr>
           </a:lstStyle>
           <a:p>
-            <a:pPr/>
             <a:r>
               <a:t>But who worked more hours???</a:t>
             </a:r>
@@ -13535,13 +13749,14 @@
               <a:spcBef>
                 <a:spcPts val="0"/>
               </a:spcBef>
-              <a:defRPr cap="all" sz="4000">
+              <a:defRPr sz="4000" cap="all">
                 <a:latin typeface="+mn-lt"/>
                 <a:ea typeface="+mn-ea"/>
                 <a:cs typeface="+mn-cs"/>
                 <a:sym typeface="DIN Condensed Bold"/>
               </a:defRPr>
             </a:pPr>
+            <a:endParaRPr/>
           </a:p>
         </p:txBody>
       </p:sp>
@@ -13550,12 +13765,12 @@
   <p:clrMapOvr>
     <a:masterClrMapping/>
   </p:clrMapOvr>
-  <p:transition xmlns:p14="http://schemas.microsoft.com/office/powerpoint/2010/main" spd="med" advClick="1"/>
+  <p:transition spd="med"/>
 </p:sld>
 </file>
 
 <file path=ppt/slides/slide54.xml><?xml version="1.0" encoding="utf-8"?>
-<p:sld xmlns:a="http://schemas.openxmlformats.org/drawingml/2006/main" xmlns:r="http://schemas.openxmlformats.org/officeDocument/2006/relationships" xmlns:p="http://schemas.openxmlformats.org/presentationml/2006/main" xmlns:m="http://schemas.openxmlformats.org/officeDocument/2006/math" xmlns:a14="http://schemas.microsoft.com/office/drawing/2010/main" showMasterSp="1" showMasterPhAnim="1">
+<p:sld xmlns:a="http://schemas.openxmlformats.org/drawingml/2006/main" xmlns:r="http://schemas.openxmlformats.org/officeDocument/2006/relationships" xmlns:p="http://schemas.openxmlformats.org/presentationml/2006/main">
   <p:cSld>
     <p:spTree>
       <p:nvGrpSpPr>
@@ -13574,7 +13789,9 @@
       <p:sp>
         <p:nvSpPr>
           <p:cNvPr id="452" name="PSY 348"/>
-          <p:cNvSpPr txBox="1"/>
+          <p:cNvSpPr txBox="1">
+            <a:spLocks noGrp="1"/>
+          </p:cNvSpPr>
           <p:nvPr>
             <p:ph type="body" idx="21"/>
           </p:nvPr>
@@ -13588,7 +13805,6 @@
           <a:bodyPr/>
           <a:lstStyle/>
           <a:p>
-            <a:pPr/>
             <a:r>
               <a:t>PSY 348</a:t>
             </a:r>
@@ -13598,7 +13814,9 @@
       <p:sp>
         <p:nvSpPr>
           <p:cNvPr id="453" name="Independent samples t-test: SPSS"/>
-          <p:cNvSpPr txBox="1"/>
+          <p:cNvSpPr txBox="1">
+            <a:spLocks noGrp="1"/>
+          </p:cNvSpPr>
           <p:nvPr>
             <p:ph type="title"/>
           </p:nvPr>
@@ -13619,7 +13837,6 @@
             </a:lvl1pPr>
           </a:lstStyle>
           <a:p>
-            <a:pPr/>
             <a:r>
               <a:t>Independent samples t-test: SPSS</a:t>
             </a:r>
@@ -13635,9 +13852,7 @@
           <p:nvPr/>
         </p:nvPicPr>
         <p:blipFill>
-          <a:blip r:embed="rId2">
-            <a:extLst/>
-          </a:blip>
+          <a:blip r:embed="rId2"/>
           <a:stretch>
             <a:fillRect/>
           </a:stretch>
@@ -13674,7 +13889,7 @@
           </a:ln>
           <a:extLst>
             <a:ext uri="{C572A759-6A51-4108-AA02-DFA0A04FC94B}">
-              <ma14:wrappingTextBoxFlag xmlns:ma14="http://schemas.microsoft.com/office/mac/drawingml/2011/main" val="1"/>
+              <ma14:wrappingTextBoxFlag xmlns:ma14="http://schemas.microsoft.com/office/mac/drawingml/2011/main" xmlns:a14="http://schemas.microsoft.com/office/drawing/2010/main" xmlns:m="http://schemas.openxmlformats.org/officeDocument/2006/math" xmlns="" val="1"/>
             </a:ext>
           </a:extLst>
         </p:spPr>
@@ -13690,7 +13905,7 @@
               <a:spcBef>
                 <a:spcPts val="0"/>
               </a:spcBef>
-              <a:defRPr cap="all" sz="13400">
+              <a:defRPr sz="13400" cap="all">
                 <a:solidFill>
                   <a:srgbClr val="FFFFFF"/>
                 </a:solidFill>
@@ -13702,7 +13917,6 @@
             </a:lvl1pPr>
           </a:lstStyle>
           <a:p>
-            <a:pPr/>
             <a:r>
               <a:t>Reporting the full findings:</a:t>
             </a:r>
@@ -13728,7 +13942,7 @@
           </a:ln>
           <a:extLst>
             <a:ext uri="{C572A759-6A51-4108-AA02-DFA0A04FC94B}">
-              <ma14:wrappingTextBoxFlag xmlns:ma14="http://schemas.microsoft.com/office/mac/drawingml/2011/main" val="1"/>
+              <ma14:wrappingTextBoxFlag xmlns:ma14="http://schemas.microsoft.com/office/mac/drawingml/2011/main" xmlns:a14="http://schemas.microsoft.com/office/drawing/2010/main" xmlns:m="http://schemas.openxmlformats.org/officeDocument/2006/math" xmlns="" val="1"/>
             </a:ext>
           </a:extLst>
         </p:spPr>
@@ -13738,7 +13952,6 @@
           </a:bodyPr>
           <a:lstStyle/>
           <a:p>
-            <a:pPr/>
             <a:r>
               <a:t>t()</a:t>
             </a:r>
@@ -13764,7 +13977,7 @@
           </a:ln>
           <a:extLst>
             <a:ext uri="{C572A759-6A51-4108-AA02-DFA0A04FC94B}">
-              <ma14:wrappingTextBoxFlag xmlns:ma14="http://schemas.microsoft.com/office/mac/drawingml/2011/main" val="1"/>
+              <ma14:wrappingTextBoxFlag xmlns:ma14="http://schemas.microsoft.com/office/mac/drawingml/2011/main" xmlns:a14="http://schemas.microsoft.com/office/drawing/2010/main" xmlns:m="http://schemas.openxmlformats.org/officeDocument/2006/math" xmlns="" val="1"/>
             </a:ext>
           </a:extLst>
         </p:spPr>
@@ -13785,8 +13998,8 @@
             </a:lvl1pPr>
           </a:lstStyle>
           <a:p>
-            <a:pPr/>
-            <a:r>
+            <a:r>
+              <a:rPr dirty="0"/>
               <a:t>Men (M = 43.92, s = 15.53) worked significantly more hours last week compared to women (M = 38.92, s = 14.085), t (893) = 5.038, p &lt; 0.001. </a:t>
             </a:r>
           </a:p>
@@ -13825,13 +14038,14 @@
               <a:spcBef>
                 <a:spcPts val="0"/>
               </a:spcBef>
-              <a:defRPr cap="all" sz="4000">
+              <a:defRPr sz="4000" cap="all">
                 <a:latin typeface="+mn-lt"/>
                 <a:ea typeface="+mn-ea"/>
                 <a:cs typeface="+mn-cs"/>
                 <a:sym typeface="DIN Condensed Bold"/>
               </a:defRPr>
             </a:pPr>
+            <a:endParaRPr/>
           </a:p>
         </p:txBody>
       </p:sp>
@@ -13840,12 +14054,12 @@
   <p:clrMapOvr>
     <a:masterClrMapping/>
   </p:clrMapOvr>
-  <p:transition xmlns:p14="http://schemas.microsoft.com/office/powerpoint/2010/main" spd="med" advClick="1"/>
+  <p:transition spd="med"/>
 </p:sld>
 </file>
 
 <file path=ppt/slides/slide6.xml><?xml version="1.0" encoding="utf-8"?>
-<p:sld xmlns:a="http://schemas.openxmlformats.org/drawingml/2006/main" xmlns:r="http://schemas.openxmlformats.org/officeDocument/2006/relationships" xmlns:p="http://schemas.openxmlformats.org/presentationml/2006/main" xmlns:m="http://schemas.openxmlformats.org/officeDocument/2006/math" xmlns:a14="http://schemas.microsoft.com/office/drawing/2010/main" showMasterSp="1" showMasterPhAnim="1">
+<p:sld xmlns:a="http://schemas.openxmlformats.org/drawingml/2006/main" xmlns:r="http://schemas.openxmlformats.org/officeDocument/2006/relationships" xmlns:p="http://schemas.openxmlformats.org/presentationml/2006/main">
   <p:cSld>
     <p:spTree>
       <p:nvGrpSpPr>
@@ -13864,7 +14078,9 @@
       <p:sp>
         <p:nvSpPr>
           <p:cNvPr id="191" name="PSY 348"/>
-          <p:cNvSpPr txBox="1"/>
+          <p:cNvSpPr txBox="1">
+            <a:spLocks noGrp="1"/>
+          </p:cNvSpPr>
           <p:nvPr>
             <p:ph type="body" idx="21"/>
           </p:nvPr>
@@ -13878,7 +14094,6 @@
           <a:bodyPr/>
           <a:lstStyle/>
           <a:p>
-            <a:pPr/>
             <a:r>
               <a:t>PSY 348</a:t>
             </a:r>
@@ -13888,7 +14103,9 @@
       <p:sp>
         <p:nvSpPr>
           <p:cNvPr id="192" name="Probability"/>
-          <p:cNvSpPr txBox="1"/>
+          <p:cNvSpPr txBox="1">
+            <a:spLocks noGrp="1"/>
+          </p:cNvSpPr>
           <p:nvPr>
             <p:ph type="title"/>
           </p:nvPr>
@@ -13909,7 +14126,6 @@
             </a:lvl1pPr>
           </a:lstStyle>
           <a:p>
-            <a:pPr/>
             <a:r>
               <a:t>Probability</a:t>
             </a:r>
@@ -13925,10 +14141,8 @@
           <p:nvPr/>
         </p:nvPicPr>
         <p:blipFill>
-          <a:blip r:embed="rId2">
-            <a:extLst/>
-          </a:blip>
-          <a:srcRect l="0" t="0" r="0" b="1"/>
+          <a:blip r:embed="rId2"/>
+          <a:srcRect b="1"/>
           <a:stretch>
             <a:fillRect/>
           </a:stretch>
@@ -13958,7 +14172,7 @@
             </a:cxnLst>
             <a:rect l="0" t="0" r="r" b="b"/>
             <a:pathLst>
-              <a:path w="21600" h="21600" fill="norm" stroke="1" extrusionOk="0">
+              <a:path w="21600" h="21600" extrusionOk="0">
                 <a:moveTo>
                   <a:pt x="452" y="0"/>
                 </a:moveTo>
@@ -14007,7 +14221,7 @@
             <a:miter/>
           </a:ln>
           <a:effectLst>
-            <a:outerShdw sx="100000" sy="100000" kx="0" ky="0" algn="b" rotWithShape="0" blurRad="508000" dist="0" dir="0">
+            <a:outerShdw blurRad="508000" rotWithShape="0">
               <a:srgbClr val="000000">
                 <a:alpha val="43000"/>
               </a:srgbClr>
@@ -14020,12 +14234,12 @@
   <p:clrMapOvr>
     <a:masterClrMapping/>
   </p:clrMapOvr>
-  <p:transition xmlns:p14="http://schemas.microsoft.com/office/powerpoint/2010/main" spd="med" advClick="1"/>
+  <p:transition spd="med"/>
 </p:sld>
 </file>
 
 <file path=ppt/slides/slide7.xml><?xml version="1.0" encoding="utf-8"?>
-<p:sld xmlns:a="http://schemas.openxmlformats.org/drawingml/2006/main" xmlns:r="http://schemas.openxmlformats.org/officeDocument/2006/relationships" xmlns:p="http://schemas.openxmlformats.org/presentationml/2006/main" xmlns:m="http://schemas.openxmlformats.org/officeDocument/2006/math" xmlns:a14="http://schemas.microsoft.com/office/drawing/2010/main" showMasterSp="1" showMasterPhAnim="1">
+<p:sld xmlns:a="http://schemas.openxmlformats.org/drawingml/2006/main" xmlns:r="http://schemas.openxmlformats.org/officeDocument/2006/relationships" xmlns:p="http://schemas.openxmlformats.org/presentationml/2006/main">
   <p:cSld>
     <p:spTree>
       <p:nvGrpSpPr>
@@ -14044,7 +14258,9 @@
       <p:sp>
         <p:nvSpPr>
           <p:cNvPr id="195" name="PSY 348"/>
-          <p:cNvSpPr txBox="1"/>
+          <p:cNvSpPr txBox="1">
+            <a:spLocks noGrp="1"/>
+          </p:cNvSpPr>
           <p:nvPr>
             <p:ph type="body" idx="21"/>
           </p:nvPr>
@@ -14058,7 +14274,6 @@
           <a:bodyPr/>
           <a:lstStyle/>
           <a:p>
-            <a:pPr/>
             <a:r>
               <a:t>PSY 348</a:t>
             </a:r>
@@ -14068,7 +14283,9 @@
       <p:sp>
         <p:nvSpPr>
           <p:cNvPr id="196" name="Sampling Theory"/>
-          <p:cNvSpPr txBox="1"/>
+          <p:cNvSpPr txBox="1">
+            <a:spLocks noGrp="1"/>
+          </p:cNvSpPr>
           <p:nvPr>
             <p:ph type="title"/>
           </p:nvPr>
@@ -14089,7 +14306,6 @@
             </a:lvl1pPr>
           </a:lstStyle>
           <a:p>
-            <a:pPr/>
             <a:r>
               <a:t>Sampling Theory</a:t>
             </a:r>
@@ -14105,9 +14321,7 @@
           <p:nvPr/>
         </p:nvPicPr>
         <p:blipFill>
-          <a:blip r:embed="rId2">
-            <a:extLst/>
-          </a:blip>
+          <a:blip r:embed="rId2"/>
           <a:stretch>
             <a:fillRect/>
           </a:stretch>
@@ -14157,13 +14371,14 @@
               <a:spcBef>
                 <a:spcPts val="0"/>
               </a:spcBef>
-              <a:defRPr cap="all" sz="4000">
+              <a:defRPr sz="4000" cap="all">
                 <a:latin typeface="+mn-lt"/>
                 <a:ea typeface="+mn-ea"/>
                 <a:cs typeface="+mn-cs"/>
                 <a:sym typeface="DIN Condensed Bold"/>
               </a:defRPr>
             </a:pPr>
+            <a:endParaRPr/>
           </a:p>
         </p:txBody>
       </p:sp>
@@ -14199,13 +14414,14 @@
               <a:spcBef>
                 <a:spcPts val="0"/>
               </a:spcBef>
-              <a:defRPr cap="all" sz="4000">
+              <a:defRPr sz="4000" cap="all">
                 <a:latin typeface="+mn-lt"/>
                 <a:ea typeface="+mn-ea"/>
                 <a:cs typeface="+mn-cs"/>
                 <a:sym typeface="DIN Condensed Bold"/>
               </a:defRPr>
             </a:pPr>
+            <a:endParaRPr/>
           </a:p>
         </p:txBody>
       </p:sp>
@@ -14228,7 +14444,7 @@
           </a:ln>
           <a:extLst>
             <a:ext uri="{C572A759-6A51-4108-AA02-DFA0A04FC94B}">
-              <ma14:wrappingTextBoxFlag xmlns:ma14="http://schemas.microsoft.com/office/mac/drawingml/2011/main" val="1"/>
+              <ma14:wrappingTextBoxFlag xmlns:ma14="http://schemas.microsoft.com/office/mac/drawingml/2011/main" xmlns:a14="http://schemas.microsoft.com/office/drawing/2010/main" xmlns:m="http://schemas.openxmlformats.org/officeDocument/2006/math" xmlns="" val="1"/>
             </a:ext>
           </a:extLst>
         </p:spPr>
@@ -14238,7 +14454,7 @@
           </a:bodyPr>
           <a:lstStyle>
             <a:lvl1pPr>
-              <a:defRPr b="1" sz="4100">
+              <a:defRPr sz="4100" b="1">
                 <a:solidFill>
                   <a:schemeClr val="accent5"/>
                 </a:solidFill>
@@ -14250,7 +14466,6 @@
             </a:lvl1pPr>
           </a:lstStyle>
           <a:p>
-            <a:pPr/>
             <a:r>
               <a:t>Critical value</a:t>
             </a:r>
@@ -14260,7 +14475,9 @@
       <p:sp>
         <p:nvSpPr>
           <p:cNvPr id="201" name="Setting alpha to 0.05, puts the critical value at a point where 5% of the null distribution’s area is to the right of it."/>
-          <p:cNvSpPr txBox="1"/>
+          <p:cNvSpPr txBox="1">
+            <a:spLocks noGrp="1"/>
+          </p:cNvSpPr>
           <p:nvPr>
             <p:ph type="body" sz="quarter" idx="1"/>
           </p:nvPr>
@@ -14285,7 +14502,6 @@
             </a:lvl1pPr>
           </a:lstStyle>
           <a:p>
-            <a:pPr/>
             <a:r>
               <a:t>Setting alpha to 0.05, puts the critical value at a point where 5% of the null distribution’s area is to the right of it.</a:t>
             </a:r>
@@ -14297,12 +14513,12 @@
   <p:clrMapOvr>
     <a:masterClrMapping/>
   </p:clrMapOvr>
-  <p:transition xmlns:p14="http://schemas.microsoft.com/office/powerpoint/2010/main" spd="med" advClick="1"/>
+  <p:transition spd="med"/>
 </p:sld>
 </file>
 
 <file path=ppt/slides/slide8.xml><?xml version="1.0" encoding="utf-8"?>
-<p:sld xmlns:a="http://schemas.openxmlformats.org/drawingml/2006/main" xmlns:r="http://schemas.openxmlformats.org/officeDocument/2006/relationships" xmlns:p="http://schemas.openxmlformats.org/presentationml/2006/main" xmlns:m="http://schemas.openxmlformats.org/officeDocument/2006/math" xmlns:a14="http://schemas.microsoft.com/office/drawing/2010/main" showMasterSp="1" showMasterPhAnim="1">
+<p:sld xmlns:a="http://schemas.openxmlformats.org/drawingml/2006/main" xmlns:r="http://schemas.openxmlformats.org/officeDocument/2006/relationships" xmlns:p="http://schemas.openxmlformats.org/presentationml/2006/main">
   <p:cSld>
     <p:spTree>
       <p:nvGrpSpPr>
@@ -14321,7 +14537,9 @@
       <p:sp>
         <p:nvSpPr>
           <p:cNvPr id="203" name="PSY 348"/>
-          <p:cNvSpPr txBox="1"/>
+          <p:cNvSpPr txBox="1">
+            <a:spLocks noGrp="1"/>
+          </p:cNvSpPr>
           <p:nvPr>
             <p:ph type="body" idx="21"/>
           </p:nvPr>
@@ -14335,7 +14553,6 @@
           <a:bodyPr/>
           <a:lstStyle/>
           <a:p>
-            <a:pPr/>
             <a:r>
               <a:t>PSY 348</a:t>
             </a:r>
@@ -14345,7 +14562,9 @@
       <p:sp>
         <p:nvSpPr>
           <p:cNvPr id="204" name="Title 1"/>
-          <p:cNvSpPr txBox="1"/>
+          <p:cNvSpPr txBox="1">
+            <a:spLocks noGrp="1"/>
+          </p:cNvSpPr>
           <p:nvPr>
             <p:ph type="title"/>
           </p:nvPr>
@@ -14366,7 +14585,6 @@
             </a:lvl1pPr>
           </a:lstStyle>
           <a:p>
-            <a:pPr/>
             <a:r>
               <a:t>Inferential Statistics</a:t>
             </a:r>
@@ -14376,7 +14594,9 @@
       <p:sp>
         <p:nvSpPr>
           <p:cNvPr id="205" name="Content Placeholder 2"/>
-          <p:cNvSpPr txBox="1"/>
+          <p:cNvSpPr txBox="1">
+            <a:spLocks noGrp="1"/>
+          </p:cNvSpPr>
           <p:nvPr>
             <p:ph type="body" idx="1"/>
           </p:nvPr>
@@ -14390,7 +14610,7 @@
           <a:bodyPr/>
           <a:lstStyle/>
           <a:p>
-            <a:pPr lvl="1" marL="0" indent="0">
+            <a:pPr marL="0" lvl="1" indent="0">
               <a:buClrTx/>
               <a:buSzTx/>
               <a:buFontTx/>
@@ -14423,12 +14643,12 @@
   <p:clrMapOvr>
     <a:masterClrMapping/>
   </p:clrMapOvr>
-  <p:transition xmlns:p14="http://schemas.microsoft.com/office/powerpoint/2010/main" spd="med" advClick="1"/>
+  <p:transition spd="med"/>
 </p:sld>
 </file>
 
 <file path=ppt/slides/slide9.xml><?xml version="1.0" encoding="utf-8"?>
-<p:sld xmlns:a="http://schemas.openxmlformats.org/drawingml/2006/main" xmlns:r="http://schemas.openxmlformats.org/officeDocument/2006/relationships" xmlns:p="http://schemas.openxmlformats.org/presentationml/2006/main" xmlns:m="http://schemas.openxmlformats.org/officeDocument/2006/math" xmlns:a14="http://schemas.microsoft.com/office/drawing/2010/main" showMasterSp="1" showMasterPhAnim="1">
+<p:sld xmlns:a="http://schemas.openxmlformats.org/drawingml/2006/main" xmlns:r="http://schemas.openxmlformats.org/officeDocument/2006/relationships" xmlns:p="http://schemas.openxmlformats.org/presentationml/2006/main">
   <p:cSld>
     <p:spTree>
       <p:nvGrpSpPr>
@@ -14447,7 +14667,9 @@
       <p:sp>
         <p:nvSpPr>
           <p:cNvPr id="207" name="PSY 348"/>
-          <p:cNvSpPr txBox="1"/>
+          <p:cNvSpPr txBox="1">
+            <a:spLocks noGrp="1"/>
+          </p:cNvSpPr>
           <p:nvPr>
             <p:ph type="body" idx="21"/>
           </p:nvPr>
@@ -14461,7 +14683,6 @@
           <a:bodyPr/>
           <a:lstStyle/>
           <a:p>
-            <a:pPr/>
             <a:r>
               <a:t>PSY 348</a:t>
             </a:r>
@@ -14471,7 +14692,9 @@
       <p:sp>
         <p:nvSpPr>
           <p:cNvPr id="208" name="Title 1"/>
-          <p:cNvSpPr txBox="1"/>
+          <p:cNvSpPr txBox="1">
+            <a:spLocks noGrp="1"/>
+          </p:cNvSpPr>
           <p:nvPr>
             <p:ph type="title"/>
           </p:nvPr>
@@ -14492,7 +14715,6 @@
             </a:lvl1pPr>
           </a:lstStyle>
           <a:p>
-            <a:pPr/>
             <a:r>
               <a:t>Inferential Statistics</a:t>
             </a:r>
@@ -14502,7 +14724,9 @@
       <p:sp>
         <p:nvSpPr>
           <p:cNvPr id="209" name="Content Placeholder 2"/>
-          <p:cNvSpPr txBox="1"/>
+          <p:cNvSpPr txBox="1">
+            <a:spLocks noGrp="1"/>
+          </p:cNvSpPr>
           <p:nvPr>
             <p:ph type="body" idx="1"/>
           </p:nvPr>
@@ -14516,7 +14740,7 @@
           <a:bodyPr/>
           <a:lstStyle/>
           <a:p>
-            <a:pPr lvl="1" marL="0" indent="0">
+            <a:pPr marL="0" lvl="1" indent="0">
               <a:buClrTx/>
               <a:buSzTx/>
               <a:buFontTx/>
@@ -14565,12 +14789,12 @@
   <p:clrMapOvr>
     <a:masterClrMapping/>
   </p:clrMapOvr>
-  <p:transition xmlns:p14="http://schemas.microsoft.com/office/powerpoint/2010/main" spd="med" advClick="1"/>
+  <p:transition spd="med"/>
 </p:sld>
 </file>
 
 <file path=ppt/theme/theme1.xml><?xml version="1.0" encoding="utf-8"?>
-<a:theme xmlns:a="http://schemas.openxmlformats.org/drawingml/2006/main" xmlns:r="http://schemas.openxmlformats.org/officeDocument/2006/relationships" name="New_Template7">
+<a:theme xmlns:a="http://schemas.openxmlformats.org/drawingml/2006/main" name="New_Template7">
   <a:themeElements>
     <a:clrScheme name="New_Template7">
       <a:dk1>
@@ -14769,7 +14993,7 @@
         <a:effectLst/>
         <a:sp3d/>
       </a:spPr>
-      <a:bodyPr rot="0" spcFirstLastPara="1" vertOverflow="overflow" horzOverflow="overflow" vert="horz" wrap="square" lIns="50800" tIns="50800" rIns="50800" bIns="50800" numCol="1" spcCol="38100" rtlCol="0" anchor="ctr" upright="0">
+      <a:bodyPr rot="0" spcFirstLastPara="1" vertOverflow="overflow" horzOverflow="overflow" vert="horz" wrap="square" lIns="50800" tIns="50800" rIns="50800" bIns="50800" numCol="1" spcCol="38100" rtlCol="0" anchor="ctr">
         <a:spAutoFit/>
       </a:bodyPr>
       <a:lstStyle>
@@ -14788,7 +15012,7 @@
           <a:buFontTx/>
           <a:buNone/>
           <a:tabLst/>
-          <a:defRPr b="0" baseline="0" cap="all" i="0" spc="0" strike="noStrike" sz="4000" u="none" kumimoji="0" normalizeH="0">
+          <a:defRPr kumimoji="0" sz="4000" b="0" i="0" u="none" strike="noStrike" cap="all" spc="0" normalizeH="0" baseline="0">
             <a:ln>
               <a:noFill/>
             </a:ln>
@@ -14818,7 +15042,7 @@
           <a:buFontTx/>
           <a:buNone/>
           <a:tabLst/>
-          <a:defRPr b="0" baseline="0" cap="none" i="0" spc="0" strike="noStrike" sz="1800" u="none" kumimoji="0" normalizeH="0">
+          <a:defRPr kumimoji="0" sz="1800" b="0" i="0" u="none" strike="noStrike" cap="none" spc="0" normalizeH="0" baseline="0">
             <a:ln>
               <a:noFill/>
             </a:ln>
@@ -14844,7 +15068,7 @@
           <a:buFontTx/>
           <a:buNone/>
           <a:tabLst/>
-          <a:defRPr b="0" baseline="0" cap="none" i="0" spc="0" strike="noStrike" sz="1800" u="none" kumimoji="0" normalizeH="0">
+          <a:defRPr kumimoji="0" sz="1800" b="0" i="0" u="none" strike="noStrike" cap="none" spc="0" normalizeH="0" baseline="0">
             <a:ln>
               <a:noFill/>
             </a:ln>
@@ -14870,7 +15094,7 @@
           <a:buFontTx/>
           <a:buNone/>
           <a:tabLst/>
-          <a:defRPr b="0" baseline="0" cap="none" i="0" spc="0" strike="noStrike" sz="1800" u="none" kumimoji="0" normalizeH="0">
+          <a:defRPr kumimoji="0" sz="1800" b="0" i="0" u="none" strike="noStrike" cap="none" spc="0" normalizeH="0" baseline="0">
             <a:ln>
               <a:noFill/>
             </a:ln>
@@ -14896,7 +15120,7 @@
           <a:buFontTx/>
           <a:buNone/>
           <a:tabLst/>
-          <a:defRPr b="0" baseline="0" cap="none" i="0" spc="0" strike="noStrike" sz="1800" u="none" kumimoji="0" normalizeH="0">
+          <a:defRPr kumimoji="0" sz="1800" b="0" i="0" u="none" strike="noStrike" cap="none" spc="0" normalizeH="0" baseline="0">
             <a:ln>
               <a:noFill/>
             </a:ln>
@@ -14922,7 +15146,7 @@
           <a:buFontTx/>
           <a:buNone/>
           <a:tabLst/>
-          <a:defRPr b="0" baseline="0" cap="none" i="0" spc="0" strike="noStrike" sz="1800" u="none" kumimoji="0" normalizeH="0">
+          <a:defRPr kumimoji="0" sz="1800" b="0" i="0" u="none" strike="noStrike" cap="none" spc="0" normalizeH="0" baseline="0">
             <a:ln>
               <a:noFill/>
             </a:ln>
@@ -14948,7 +15172,7 @@
           <a:buFontTx/>
           <a:buNone/>
           <a:tabLst/>
-          <a:defRPr b="0" baseline="0" cap="none" i="0" spc="0" strike="noStrike" sz="1800" u="none" kumimoji="0" normalizeH="0">
+          <a:defRPr kumimoji="0" sz="1800" b="0" i="0" u="none" strike="noStrike" cap="none" spc="0" normalizeH="0" baseline="0">
             <a:ln>
               <a:noFill/>
             </a:ln>
@@ -14974,7 +15198,7 @@
           <a:buFontTx/>
           <a:buNone/>
           <a:tabLst/>
-          <a:defRPr b="0" baseline="0" cap="none" i="0" spc="0" strike="noStrike" sz="1800" u="none" kumimoji="0" normalizeH="0">
+          <a:defRPr kumimoji="0" sz="1800" b="0" i="0" u="none" strike="noStrike" cap="none" spc="0" normalizeH="0" baseline="0">
             <a:ln>
               <a:noFill/>
             </a:ln>
@@ -15000,7 +15224,7 @@
           <a:buFontTx/>
           <a:buNone/>
           <a:tabLst/>
-          <a:defRPr b="0" baseline="0" cap="none" i="0" spc="0" strike="noStrike" sz="1800" u="none" kumimoji="0" normalizeH="0">
+          <a:defRPr kumimoji="0" sz="1800" b="0" i="0" u="none" strike="noStrike" cap="none" spc="0" normalizeH="0" baseline="0">
             <a:ln>
               <a:noFill/>
             </a:ln>
@@ -15026,7 +15250,7 @@
           <a:buFontTx/>
           <a:buNone/>
           <a:tabLst/>
-          <a:defRPr b="0" baseline="0" cap="none" i="0" spc="0" strike="noStrike" sz="1800" u="none" kumimoji="0" normalizeH="0">
+          <a:defRPr kumimoji="0" sz="1800" b="0" i="0" u="none" strike="noStrike" cap="none" spc="0" normalizeH="0" baseline="0">
             <a:ln>
               <a:noFill/>
             </a:ln>
@@ -15039,9 +15263,15 @@
         </a:lvl9pPr>
       </a:lstStyle>
       <a:style>
-        <a:lnRef idx="0"/>
-        <a:fillRef idx="0"/>
-        <a:effectRef idx="0"/>
+        <a:lnRef idx="0">
+          <a:scrgbClr r="0" g="0" b="0"/>
+        </a:lnRef>
+        <a:fillRef idx="0">
+          <a:scrgbClr r="0" g="0" b="0"/>
+        </a:fillRef>
+        <a:effectRef idx="0">
+          <a:scrgbClr r="0" g="0" b="0"/>
+        </a:effectRef>
         <a:fontRef idx="none"/>
       </a:style>
     </a:spDef>
@@ -15058,7 +15288,7 @@
         <a:effectLst/>
         <a:sp3d/>
       </a:spPr>
-      <a:bodyPr rot="0" spcFirstLastPara="1" vertOverflow="overflow" horzOverflow="overflow" vert="horz" wrap="square" lIns="91439" tIns="45719" rIns="91439" bIns="45719" numCol="1" spcCol="38100" rtlCol="0" anchor="t" upright="0">
+      <a:bodyPr rot="0" spcFirstLastPara="1" vertOverflow="overflow" horzOverflow="overflow" vert="horz" wrap="square" lIns="91439" tIns="45719" rIns="91439" bIns="45719" numCol="1" spcCol="38100" rtlCol="0" anchor="t">
         <a:noAutofit/>
       </a:bodyPr>
       <a:lstStyle>
@@ -15077,7 +15307,7 @@
           <a:buFontTx/>
           <a:buNone/>
           <a:tabLst/>
-          <a:defRPr b="0" baseline="0" cap="none" i="0" spc="0" strike="noStrike" sz="1800" u="none" kumimoji="0" normalizeH="0">
+          <a:defRPr kumimoji="0" sz="1800" b="0" i="0" u="none" strike="noStrike" cap="none" spc="0" normalizeH="0" baseline="0">
             <a:ln>
               <a:noFill/>
             </a:ln>
@@ -15103,7 +15333,7 @@
           <a:buFontTx/>
           <a:buNone/>
           <a:tabLst/>
-          <a:defRPr b="0" baseline="0" cap="none" i="0" spc="0" strike="noStrike" sz="1800" u="none" kumimoji="0" normalizeH="0">
+          <a:defRPr kumimoji="0" sz="1800" b="0" i="0" u="none" strike="noStrike" cap="none" spc="0" normalizeH="0" baseline="0">
             <a:ln>
               <a:noFill/>
             </a:ln>
@@ -15129,7 +15359,7 @@
           <a:buFontTx/>
           <a:buNone/>
           <a:tabLst/>
-          <a:defRPr b="0" baseline="0" cap="none" i="0" spc="0" strike="noStrike" sz="1800" u="none" kumimoji="0" normalizeH="0">
+          <a:defRPr kumimoji="0" sz="1800" b="0" i="0" u="none" strike="noStrike" cap="none" spc="0" normalizeH="0" baseline="0">
             <a:ln>
               <a:noFill/>
             </a:ln>
@@ -15155,7 +15385,7 @@
           <a:buFontTx/>
           <a:buNone/>
           <a:tabLst/>
-          <a:defRPr b="0" baseline="0" cap="none" i="0" spc="0" strike="noStrike" sz="1800" u="none" kumimoji="0" normalizeH="0">
+          <a:defRPr kumimoji="0" sz="1800" b="0" i="0" u="none" strike="noStrike" cap="none" spc="0" normalizeH="0" baseline="0">
             <a:ln>
               <a:noFill/>
             </a:ln>
@@ -15181,7 +15411,7 @@
           <a:buFontTx/>
           <a:buNone/>
           <a:tabLst/>
-          <a:defRPr b="0" baseline="0" cap="none" i="0" spc="0" strike="noStrike" sz="1800" u="none" kumimoji="0" normalizeH="0">
+          <a:defRPr kumimoji="0" sz="1800" b="0" i="0" u="none" strike="noStrike" cap="none" spc="0" normalizeH="0" baseline="0">
             <a:ln>
               <a:noFill/>
             </a:ln>
@@ -15207,7 +15437,7 @@
           <a:buFontTx/>
           <a:buNone/>
           <a:tabLst/>
-          <a:defRPr b="0" baseline="0" cap="none" i="0" spc="0" strike="noStrike" sz="1800" u="none" kumimoji="0" normalizeH="0">
+          <a:defRPr kumimoji="0" sz="1800" b="0" i="0" u="none" strike="noStrike" cap="none" spc="0" normalizeH="0" baseline="0">
             <a:ln>
               <a:noFill/>
             </a:ln>
@@ -15233,7 +15463,7 @@
           <a:buFontTx/>
           <a:buNone/>
           <a:tabLst/>
-          <a:defRPr b="0" baseline="0" cap="none" i="0" spc="0" strike="noStrike" sz="1800" u="none" kumimoji="0" normalizeH="0">
+          <a:defRPr kumimoji="0" sz="1800" b="0" i="0" u="none" strike="noStrike" cap="none" spc="0" normalizeH="0" baseline="0">
             <a:ln>
               <a:noFill/>
             </a:ln>
@@ -15259,7 +15489,7 @@
           <a:buFontTx/>
           <a:buNone/>
           <a:tabLst/>
-          <a:defRPr b="0" baseline="0" cap="none" i="0" spc="0" strike="noStrike" sz="1800" u="none" kumimoji="0" normalizeH="0">
+          <a:defRPr kumimoji="0" sz="1800" b="0" i="0" u="none" strike="noStrike" cap="none" spc="0" normalizeH="0" baseline="0">
             <a:ln>
               <a:noFill/>
             </a:ln>
@@ -15285,7 +15515,7 @@
           <a:buFontTx/>
           <a:buNone/>
           <a:tabLst/>
-          <a:defRPr b="0" baseline="0" cap="none" i="0" spc="0" strike="noStrike" sz="1800" u="none" kumimoji="0" normalizeH="0">
+          <a:defRPr kumimoji="0" sz="1800" b="0" i="0" u="none" strike="noStrike" cap="none" spc="0" normalizeH="0" baseline="0">
             <a:ln>
               <a:noFill/>
             </a:ln>
@@ -15311,7 +15541,7 @@
           <a:buFontTx/>
           <a:buNone/>
           <a:tabLst/>
-          <a:defRPr b="0" baseline="0" cap="none" i="0" spc="0" strike="noStrike" sz="1800" u="none" kumimoji="0" normalizeH="0">
+          <a:defRPr kumimoji="0" sz="1800" b="0" i="0" u="none" strike="noStrike" cap="none" spc="0" normalizeH="0" baseline="0">
             <a:ln>
               <a:noFill/>
             </a:ln>
@@ -15324,9 +15554,15 @@
         </a:lvl9pPr>
       </a:lstStyle>
       <a:style>
-        <a:lnRef idx="0"/>
-        <a:fillRef idx="0"/>
-        <a:effectRef idx="0"/>
+        <a:lnRef idx="0">
+          <a:scrgbClr r="0" g="0" b="0"/>
+        </a:lnRef>
+        <a:fillRef idx="0">
+          <a:scrgbClr r="0" g="0" b="0"/>
+        </a:fillRef>
+        <a:effectRef idx="0">
+          <a:scrgbClr r="0" g="0" b="0"/>
+        </a:effectRef>
         <a:fontRef idx="none"/>
       </a:style>
     </a:lnDef>
@@ -15340,7 +15576,7 @@
         <a:effectLst/>
         <a:sp3d/>
       </a:spPr>
-      <a:bodyPr rot="0" spcFirstLastPara="1" vertOverflow="overflow" horzOverflow="overflow" vert="horz" wrap="square" lIns="50800" tIns="50800" rIns="50800" bIns="50800" numCol="1" spcCol="38100" rtlCol="0" anchor="ctr" upright="0">
+      <a:bodyPr rot="0" spcFirstLastPara="1" vertOverflow="overflow" horzOverflow="overflow" vert="horz" wrap="square" lIns="50800" tIns="50800" rIns="50800" bIns="50800" numCol="1" spcCol="38100" rtlCol="0" anchor="ctr">
         <a:spAutoFit/>
       </a:bodyPr>
       <a:lstStyle>
@@ -15359,7 +15595,7 @@
           <a:buFontTx/>
           <a:buNone/>
           <a:tabLst/>
-          <a:defRPr b="0" baseline="0" cap="none" i="0" spc="0" strike="noStrike" sz="3000" u="none" kumimoji="0" normalizeH="0">
+          <a:defRPr kumimoji="0" sz="3000" b="0" i="0" u="none" strike="noStrike" cap="none" spc="0" normalizeH="0" baseline="0">
             <a:ln>
               <a:noFill/>
             </a:ln>
@@ -15389,7 +15625,7 @@
           <a:buFontTx/>
           <a:buNone/>
           <a:tabLst/>
-          <a:defRPr b="0" baseline="0" cap="none" i="0" spc="0" strike="noStrike" sz="1800" u="none" kumimoji="0" normalizeH="0">
+          <a:defRPr kumimoji="0" sz="1800" b="0" i="0" u="none" strike="noStrike" cap="none" spc="0" normalizeH="0" baseline="0">
             <a:ln>
               <a:noFill/>
             </a:ln>
@@ -15415,7 +15651,7 @@
           <a:buFontTx/>
           <a:buNone/>
           <a:tabLst/>
-          <a:defRPr b="0" baseline="0" cap="none" i="0" spc="0" strike="noStrike" sz="1800" u="none" kumimoji="0" normalizeH="0">
+          <a:defRPr kumimoji="0" sz="1800" b="0" i="0" u="none" strike="noStrike" cap="none" spc="0" normalizeH="0" baseline="0">
             <a:ln>
               <a:noFill/>
             </a:ln>
@@ -15441,7 +15677,7 @@
           <a:buFontTx/>
           <a:buNone/>
           <a:tabLst/>
-          <a:defRPr b="0" baseline="0" cap="none" i="0" spc="0" strike="noStrike" sz="1800" u="none" kumimoji="0" normalizeH="0">
+          <a:defRPr kumimoji="0" sz="1800" b="0" i="0" u="none" strike="noStrike" cap="none" spc="0" normalizeH="0" baseline="0">
             <a:ln>
               <a:noFill/>
             </a:ln>
@@ -15467,7 +15703,7 @@
           <a:buFontTx/>
           <a:buNone/>
           <a:tabLst/>
-          <a:defRPr b="0" baseline="0" cap="none" i="0" spc="0" strike="noStrike" sz="1800" u="none" kumimoji="0" normalizeH="0">
+          <a:defRPr kumimoji="0" sz="1800" b="0" i="0" u="none" strike="noStrike" cap="none" spc="0" normalizeH="0" baseline="0">
             <a:ln>
               <a:noFill/>
             </a:ln>
@@ -15493,7 +15729,7 @@
           <a:buFontTx/>
           <a:buNone/>
           <a:tabLst/>
-          <a:defRPr b="0" baseline="0" cap="none" i="0" spc="0" strike="noStrike" sz="1800" u="none" kumimoji="0" normalizeH="0">
+          <a:defRPr kumimoji="0" sz="1800" b="0" i="0" u="none" strike="noStrike" cap="none" spc="0" normalizeH="0" baseline="0">
             <a:ln>
               <a:noFill/>
             </a:ln>
@@ -15519,7 +15755,7 @@
           <a:buFontTx/>
           <a:buNone/>
           <a:tabLst/>
-          <a:defRPr b="0" baseline="0" cap="none" i="0" spc="0" strike="noStrike" sz="1800" u="none" kumimoji="0" normalizeH="0">
+          <a:defRPr kumimoji="0" sz="1800" b="0" i="0" u="none" strike="noStrike" cap="none" spc="0" normalizeH="0" baseline="0">
             <a:ln>
               <a:noFill/>
             </a:ln>
@@ -15545,7 +15781,7 @@
           <a:buFontTx/>
           <a:buNone/>
           <a:tabLst/>
-          <a:defRPr b="0" baseline="0" cap="none" i="0" spc="0" strike="noStrike" sz="1800" u="none" kumimoji="0" normalizeH="0">
+          <a:defRPr kumimoji="0" sz="1800" b="0" i="0" u="none" strike="noStrike" cap="none" spc="0" normalizeH="0" baseline="0">
             <a:ln>
               <a:noFill/>
             </a:ln>
@@ -15571,7 +15807,7 @@
           <a:buFontTx/>
           <a:buNone/>
           <a:tabLst/>
-          <a:defRPr b="0" baseline="0" cap="none" i="0" spc="0" strike="noStrike" sz="1800" u="none" kumimoji="0" normalizeH="0">
+          <a:defRPr kumimoji="0" sz="1800" b="0" i="0" u="none" strike="noStrike" cap="none" spc="0" normalizeH="0" baseline="0">
             <a:ln>
               <a:noFill/>
             </a:ln>
@@ -15597,7 +15833,7 @@
           <a:buFontTx/>
           <a:buNone/>
           <a:tabLst/>
-          <a:defRPr b="0" baseline="0" cap="none" i="0" spc="0" strike="noStrike" sz="1800" u="none" kumimoji="0" normalizeH="0">
+          <a:defRPr kumimoji="0" sz="1800" b="0" i="0" u="none" strike="noStrike" cap="none" spc="0" normalizeH="0" baseline="0">
             <a:ln>
               <a:noFill/>
             </a:ln>
@@ -15610,18 +15846,25 @@
         </a:lvl9pPr>
       </a:lstStyle>
       <a:style>
-        <a:lnRef idx="0"/>
-        <a:fillRef idx="0"/>
-        <a:effectRef idx="0"/>
+        <a:lnRef idx="0">
+          <a:scrgbClr r="0" g="0" b="0"/>
+        </a:lnRef>
+        <a:fillRef idx="0">
+          <a:scrgbClr r="0" g="0" b="0"/>
+        </a:fillRef>
+        <a:effectRef idx="0">
+          <a:scrgbClr r="0" g="0" b="0"/>
+        </a:effectRef>
         <a:fontRef idx="none"/>
       </a:style>
     </a:txDef>
   </a:objectDefaults>
+  <a:extraClrSchemeLst/>
 </a:theme>
 </file>
 
 <file path=ppt/theme/theme2.xml><?xml version="1.0" encoding="utf-8"?>
-<a:theme xmlns:a="http://schemas.openxmlformats.org/drawingml/2006/main" xmlns:r="http://schemas.openxmlformats.org/officeDocument/2006/relationships" name="New_Template7">
+<a:theme xmlns:a="http://schemas.openxmlformats.org/drawingml/2006/main" name="New_Template7">
   <a:themeElements>
     <a:clrScheme name="New_Template7">
       <a:dk1>
@@ -15820,7 +16063,7 @@
         <a:effectLst/>
         <a:sp3d/>
       </a:spPr>
-      <a:bodyPr rot="0" spcFirstLastPara="1" vertOverflow="overflow" horzOverflow="overflow" vert="horz" wrap="square" lIns="50800" tIns="50800" rIns="50800" bIns="50800" numCol="1" spcCol="38100" rtlCol="0" anchor="ctr" upright="0">
+      <a:bodyPr rot="0" spcFirstLastPara="1" vertOverflow="overflow" horzOverflow="overflow" vert="horz" wrap="square" lIns="50800" tIns="50800" rIns="50800" bIns="50800" numCol="1" spcCol="38100" rtlCol="0" anchor="ctr">
         <a:spAutoFit/>
       </a:bodyPr>
       <a:lstStyle>
@@ -15839,7 +16082,7 @@
           <a:buFontTx/>
           <a:buNone/>
           <a:tabLst/>
-          <a:defRPr b="0" baseline="0" cap="all" i="0" spc="0" strike="noStrike" sz="4000" u="none" kumimoji="0" normalizeH="0">
+          <a:defRPr kumimoji="0" sz="4000" b="0" i="0" u="none" strike="noStrike" cap="all" spc="0" normalizeH="0" baseline="0">
             <a:ln>
               <a:noFill/>
             </a:ln>
@@ -15869,7 +16112,7 @@
           <a:buFontTx/>
           <a:buNone/>
           <a:tabLst/>
-          <a:defRPr b="0" baseline="0" cap="none" i="0" spc="0" strike="noStrike" sz="1800" u="none" kumimoji="0" normalizeH="0">
+          <a:defRPr kumimoji="0" sz="1800" b="0" i="0" u="none" strike="noStrike" cap="none" spc="0" normalizeH="0" baseline="0">
             <a:ln>
               <a:noFill/>
             </a:ln>
@@ -15895,7 +16138,7 @@
           <a:buFontTx/>
           <a:buNone/>
           <a:tabLst/>
-          <a:defRPr b="0" baseline="0" cap="none" i="0" spc="0" strike="noStrike" sz="1800" u="none" kumimoji="0" normalizeH="0">
+          <a:defRPr kumimoji="0" sz="1800" b="0" i="0" u="none" strike="noStrike" cap="none" spc="0" normalizeH="0" baseline="0">
             <a:ln>
               <a:noFill/>
             </a:ln>
@@ -15921,7 +16164,7 @@
           <a:buFontTx/>
           <a:buNone/>
           <a:tabLst/>
-          <a:defRPr b="0" baseline="0" cap="none" i="0" spc="0" strike="noStrike" sz="1800" u="none" kumimoji="0" normalizeH="0">
+          <a:defRPr kumimoji="0" sz="1800" b="0" i="0" u="none" strike="noStrike" cap="none" spc="0" normalizeH="0" baseline="0">
             <a:ln>
               <a:noFill/>
             </a:ln>
@@ -15947,7 +16190,7 @@
           <a:buFontTx/>
           <a:buNone/>
           <a:tabLst/>
-          <a:defRPr b="0" baseline="0" cap="none" i="0" spc="0" strike="noStrike" sz="1800" u="none" kumimoji="0" normalizeH="0">
+          <a:defRPr kumimoji="0" sz="1800" b="0" i="0" u="none" strike="noStrike" cap="none" spc="0" normalizeH="0" baseline="0">
             <a:ln>
               <a:noFill/>
             </a:ln>
@@ -15973,7 +16216,7 @@
           <a:buFontTx/>
           <a:buNone/>
           <a:tabLst/>
-          <a:defRPr b="0" baseline="0" cap="none" i="0" spc="0" strike="noStrike" sz="1800" u="none" kumimoji="0" normalizeH="0">
+          <a:defRPr kumimoji="0" sz="1800" b="0" i="0" u="none" strike="noStrike" cap="none" spc="0" normalizeH="0" baseline="0">
             <a:ln>
               <a:noFill/>
             </a:ln>
@@ -15999,7 +16242,7 @@
           <a:buFontTx/>
           <a:buNone/>
           <a:tabLst/>
-          <a:defRPr b="0" baseline="0" cap="none" i="0" spc="0" strike="noStrike" sz="1800" u="none" kumimoji="0" normalizeH="0">
+          <a:defRPr kumimoji="0" sz="1800" b="0" i="0" u="none" strike="noStrike" cap="none" spc="0" normalizeH="0" baseline="0">
             <a:ln>
               <a:noFill/>
             </a:ln>
@@ -16025,7 +16268,7 @@
           <a:buFontTx/>
           <a:buNone/>
           <a:tabLst/>
-          <a:defRPr b="0" baseline="0" cap="none" i="0" spc="0" strike="noStrike" sz="1800" u="none" kumimoji="0" normalizeH="0">
+          <a:defRPr kumimoji="0" sz="1800" b="0" i="0" u="none" strike="noStrike" cap="none" spc="0" normalizeH="0" baseline="0">
             <a:ln>
               <a:noFill/>
             </a:ln>
@@ -16051,7 +16294,7 @@
           <a:buFontTx/>
           <a:buNone/>
           <a:tabLst/>
-          <a:defRPr b="0" baseline="0" cap="none" i="0" spc="0" strike="noStrike" sz="1800" u="none" kumimoji="0" normalizeH="0">
+          <a:defRPr kumimoji="0" sz="1800" b="0" i="0" u="none" strike="noStrike" cap="none" spc="0" normalizeH="0" baseline="0">
             <a:ln>
               <a:noFill/>
             </a:ln>
@@ -16077,7 +16320,7 @@
           <a:buFontTx/>
           <a:buNone/>
           <a:tabLst/>
-          <a:defRPr b="0" baseline="0" cap="none" i="0" spc="0" strike="noStrike" sz="1800" u="none" kumimoji="0" normalizeH="0">
+          <a:defRPr kumimoji="0" sz="1800" b="0" i="0" u="none" strike="noStrike" cap="none" spc="0" normalizeH="0" baseline="0">
             <a:ln>
               <a:noFill/>
             </a:ln>
@@ -16090,9 +16333,15 @@
         </a:lvl9pPr>
       </a:lstStyle>
       <a:style>
-        <a:lnRef idx="0"/>
-        <a:fillRef idx="0"/>
-        <a:effectRef idx="0"/>
+        <a:lnRef idx="0">
+          <a:scrgbClr r="0" g="0" b="0"/>
+        </a:lnRef>
+        <a:fillRef idx="0">
+          <a:scrgbClr r="0" g="0" b="0"/>
+        </a:fillRef>
+        <a:effectRef idx="0">
+          <a:scrgbClr r="0" g="0" b="0"/>
+        </a:effectRef>
         <a:fontRef idx="none"/>
       </a:style>
     </a:spDef>
@@ -16109,7 +16358,7 @@
         <a:effectLst/>
         <a:sp3d/>
       </a:spPr>
-      <a:bodyPr rot="0" spcFirstLastPara="1" vertOverflow="overflow" horzOverflow="overflow" vert="horz" wrap="square" lIns="91439" tIns="45719" rIns="91439" bIns="45719" numCol="1" spcCol="38100" rtlCol="0" anchor="t" upright="0">
+      <a:bodyPr rot="0" spcFirstLastPara="1" vertOverflow="overflow" horzOverflow="overflow" vert="horz" wrap="square" lIns="91439" tIns="45719" rIns="91439" bIns="45719" numCol="1" spcCol="38100" rtlCol="0" anchor="t">
         <a:noAutofit/>
       </a:bodyPr>
       <a:lstStyle>
@@ -16128,7 +16377,7 @@
           <a:buFontTx/>
           <a:buNone/>
           <a:tabLst/>
-          <a:defRPr b="0" baseline="0" cap="none" i="0" spc="0" strike="noStrike" sz="1800" u="none" kumimoji="0" normalizeH="0">
+          <a:defRPr kumimoji="0" sz="1800" b="0" i="0" u="none" strike="noStrike" cap="none" spc="0" normalizeH="0" baseline="0">
             <a:ln>
               <a:noFill/>
             </a:ln>
@@ -16154,7 +16403,7 @@
           <a:buFontTx/>
           <a:buNone/>
           <a:tabLst/>
-          <a:defRPr b="0" baseline="0" cap="none" i="0" spc="0" strike="noStrike" sz="1800" u="none" kumimoji="0" normalizeH="0">
+          <a:defRPr kumimoji="0" sz="1800" b="0" i="0" u="none" strike="noStrike" cap="none" spc="0" normalizeH="0" baseline="0">
             <a:ln>
               <a:noFill/>
             </a:ln>
@@ -16180,7 +16429,7 @@
           <a:buFontTx/>
           <a:buNone/>
           <a:tabLst/>
-          <a:defRPr b="0" baseline="0" cap="none" i="0" spc="0" strike="noStrike" sz="1800" u="none" kumimoji="0" normalizeH="0">
+          <a:defRPr kumimoji="0" sz="1800" b="0" i="0" u="none" strike="noStrike" cap="none" spc="0" normalizeH="0" baseline="0">
             <a:ln>
               <a:noFill/>
             </a:ln>
@@ -16206,7 +16455,7 @@
           <a:buFontTx/>
           <a:buNone/>
           <a:tabLst/>
-          <a:defRPr b="0" baseline="0" cap="none" i="0" spc="0" strike="noStrike" sz="1800" u="none" kumimoji="0" normalizeH="0">
+          <a:defRPr kumimoji="0" sz="1800" b="0" i="0" u="none" strike="noStrike" cap="none" spc="0" normalizeH="0" baseline="0">
             <a:ln>
               <a:noFill/>
             </a:ln>
@@ -16232,7 +16481,7 @@
           <a:buFontTx/>
           <a:buNone/>
           <a:tabLst/>
-          <a:defRPr b="0" baseline="0" cap="none" i="0" spc="0" strike="noStrike" sz="1800" u="none" kumimoji="0" normalizeH="0">
+          <a:defRPr kumimoji="0" sz="1800" b="0" i="0" u="none" strike="noStrike" cap="none" spc="0" normalizeH="0" baseline="0">
             <a:ln>
               <a:noFill/>
             </a:ln>
@@ -16258,7 +16507,7 @@
           <a:buFontTx/>
           <a:buNone/>
           <a:tabLst/>
-          <a:defRPr b="0" baseline="0" cap="none" i="0" spc="0" strike="noStrike" sz="1800" u="none" kumimoji="0" normalizeH="0">
+          <a:defRPr kumimoji="0" sz="1800" b="0" i="0" u="none" strike="noStrike" cap="none" spc="0" normalizeH="0" baseline="0">
             <a:ln>
               <a:noFill/>
             </a:ln>
@@ -16284,7 +16533,7 @@
           <a:buFontTx/>
           <a:buNone/>
           <a:tabLst/>
-          <a:defRPr b="0" baseline="0" cap="none" i="0" spc="0" strike="noStrike" sz="1800" u="none" kumimoji="0" normalizeH="0">
+          <a:defRPr kumimoji="0" sz="1800" b="0" i="0" u="none" strike="noStrike" cap="none" spc="0" normalizeH="0" baseline="0">
             <a:ln>
               <a:noFill/>
             </a:ln>
@@ -16310,7 +16559,7 @@
           <a:buFontTx/>
           <a:buNone/>
           <a:tabLst/>
-          <a:defRPr b="0" baseline="0" cap="none" i="0" spc="0" strike="noStrike" sz="1800" u="none" kumimoji="0" normalizeH="0">
+          <a:defRPr kumimoji="0" sz="1800" b="0" i="0" u="none" strike="noStrike" cap="none" spc="0" normalizeH="0" baseline="0">
             <a:ln>
               <a:noFill/>
             </a:ln>
@@ -16336,7 +16585,7 @@
           <a:buFontTx/>
           <a:buNone/>
           <a:tabLst/>
-          <a:defRPr b="0" baseline="0" cap="none" i="0" spc="0" strike="noStrike" sz="1800" u="none" kumimoji="0" normalizeH="0">
+          <a:defRPr kumimoji="0" sz="1800" b="0" i="0" u="none" strike="noStrike" cap="none" spc="0" normalizeH="0" baseline="0">
             <a:ln>
               <a:noFill/>
             </a:ln>
@@ -16362,7 +16611,7 @@
           <a:buFontTx/>
           <a:buNone/>
           <a:tabLst/>
-          <a:defRPr b="0" baseline="0" cap="none" i="0" spc="0" strike="noStrike" sz="1800" u="none" kumimoji="0" normalizeH="0">
+          <a:defRPr kumimoji="0" sz="1800" b="0" i="0" u="none" strike="noStrike" cap="none" spc="0" normalizeH="0" baseline="0">
             <a:ln>
               <a:noFill/>
             </a:ln>
@@ -16375,9 +16624,15 @@
         </a:lvl9pPr>
       </a:lstStyle>
       <a:style>
-        <a:lnRef idx="0"/>
-        <a:fillRef idx="0"/>
-        <a:effectRef idx="0"/>
+        <a:lnRef idx="0">
+          <a:scrgbClr r="0" g="0" b="0"/>
+        </a:lnRef>
+        <a:fillRef idx="0">
+          <a:scrgbClr r="0" g="0" b="0"/>
+        </a:fillRef>
+        <a:effectRef idx="0">
+          <a:scrgbClr r="0" g="0" b="0"/>
+        </a:effectRef>
         <a:fontRef idx="none"/>
       </a:style>
     </a:lnDef>
@@ -16391,7 +16646,7 @@
         <a:effectLst/>
         <a:sp3d/>
       </a:spPr>
-      <a:bodyPr rot="0" spcFirstLastPara="1" vertOverflow="overflow" horzOverflow="overflow" vert="horz" wrap="square" lIns="50800" tIns="50800" rIns="50800" bIns="50800" numCol="1" spcCol="38100" rtlCol="0" anchor="ctr" upright="0">
+      <a:bodyPr rot="0" spcFirstLastPara="1" vertOverflow="overflow" horzOverflow="overflow" vert="horz" wrap="square" lIns="50800" tIns="50800" rIns="50800" bIns="50800" numCol="1" spcCol="38100" rtlCol="0" anchor="ctr">
         <a:spAutoFit/>
       </a:bodyPr>
       <a:lstStyle>
@@ -16410,7 +16665,7 @@
           <a:buFontTx/>
           <a:buNone/>
           <a:tabLst/>
-          <a:defRPr b="0" baseline="0" cap="none" i="0" spc="0" strike="noStrike" sz="3000" u="none" kumimoji="0" normalizeH="0">
+          <a:defRPr kumimoji="0" sz="3000" b="0" i="0" u="none" strike="noStrike" cap="none" spc="0" normalizeH="0" baseline="0">
             <a:ln>
               <a:noFill/>
             </a:ln>
@@ -16440,7 +16695,7 @@
           <a:buFontTx/>
           <a:buNone/>
           <a:tabLst/>
-          <a:defRPr b="0" baseline="0" cap="none" i="0" spc="0" strike="noStrike" sz="1800" u="none" kumimoji="0" normalizeH="0">
+          <a:defRPr kumimoji="0" sz="1800" b="0" i="0" u="none" strike="noStrike" cap="none" spc="0" normalizeH="0" baseline="0">
             <a:ln>
               <a:noFill/>
             </a:ln>
@@ -16466,7 +16721,7 @@
           <a:buFontTx/>
           <a:buNone/>
           <a:tabLst/>
-          <a:defRPr b="0" baseline="0" cap="none" i="0" spc="0" strike="noStrike" sz="1800" u="none" kumimoji="0" normalizeH="0">
+          <a:defRPr kumimoji="0" sz="1800" b="0" i="0" u="none" strike="noStrike" cap="none" spc="0" normalizeH="0" baseline="0">
             <a:ln>
               <a:noFill/>
             </a:ln>
@@ -16492,7 +16747,7 @@
           <a:buFontTx/>
           <a:buNone/>
           <a:tabLst/>
-          <a:defRPr b="0" baseline="0" cap="none" i="0" spc="0" strike="noStrike" sz="1800" u="none" kumimoji="0" normalizeH="0">
+          <a:defRPr kumimoji="0" sz="1800" b="0" i="0" u="none" strike="noStrike" cap="none" spc="0" normalizeH="0" baseline="0">
             <a:ln>
               <a:noFill/>
             </a:ln>
@@ -16518,7 +16773,7 @@
           <a:buFontTx/>
           <a:buNone/>
           <a:tabLst/>
-          <a:defRPr b="0" baseline="0" cap="none" i="0" spc="0" strike="noStrike" sz="1800" u="none" kumimoji="0" normalizeH="0">
+          <a:defRPr kumimoji="0" sz="1800" b="0" i="0" u="none" strike="noStrike" cap="none" spc="0" normalizeH="0" baseline="0">
             <a:ln>
               <a:noFill/>
             </a:ln>
@@ -16544,7 +16799,7 @@
           <a:buFontTx/>
           <a:buNone/>
           <a:tabLst/>
-          <a:defRPr b="0" baseline="0" cap="none" i="0" spc="0" strike="noStrike" sz="1800" u="none" kumimoji="0" normalizeH="0">
+          <a:defRPr kumimoji="0" sz="1800" b="0" i="0" u="none" strike="noStrike" cap="none" spc="0" normalizeH="0" baseline="0">
             <a:ln>
               <a:noFill/>
             </a:ln>
@@ -16570,7 +16825,7 @@
           <a:buFontTx/>
           <a:buNone/>
           <a:tabLst/>
-          <a:defRPr b="0" baseline="0" cap="none" i="0" spc="0" strike="noStrike" sz="1800" u="none" kumimoji="0" normalizeH="0">
+          <a:defRPr kumimoji="0" sz="1800" b="0" i="0" u="none" strike="noStrike" cap="none" spc="0" normalizeH="0" baseline="0">
             <a:ln>
               <a:noFill/>
             </a:ln>
@@ -16596,7 +16851,7 @@
           <a:buFontTx/>
           <a:buNone/>
           <a:tabLst/>
-          <a:defRPr b="0" baseline="0" cap="none" i="0" spc="0" strike="noStrike" sz="1800" u="none" kumimoji="0" normalizeH="0">
+          <a:defRPr kumimoji="0" sz="1800" b="0" i="0" u="none" strike="noStrike" cap="none" spc="0" normalizeH="0" baseline="0">
             <a:ln>
               <a:noFill/>
             </a:ln>
@@ -16622,7 +16877,7 @@
           <a:buFontTx/>
           <a:buNone/>
           <a:tabLst/>
-          <a:defRPr b="0" baseline="0" cap="none" i="0" spc="0" strike="noStrike" sz="1800" u="none" kumimoji="0" normalizeH="0">
+          <a:defRPr kumimoji="0" sz="1800" b="0" i="0" u="none" strike="noStrike" cap="none" spc="0" normalizeH="0" baseline="0">
             <a:ln>
               <a:noFill/>
             </a:ln>
@@ -16648,7 +16903,7 @@
           <a:buFontTx/>
           <a:buNone/>
           <a:tabLst/>
-          <a:defRPr b="0" baseline="0" cap="none" i="0" spc="0" strike="noStrike" sz="1800" u="none" kumimoji="0" normalizeH="0">
+          <a:defRPr kumimoji="0" sz="1800" b="0" i="0" u="none" strike="noStrike" cap="none" spc="0" normalizeH="0" baseline="0">
             <a:ln>
               <a:noFill/>
             </a:ln>
@@ -16661,12 +16916,19 @@
         </a:lvl9pPr>
       </a:lstStyle>
       <a:style>
-        <a:lnRef idx="0"/>
-        <a:fillRef idx="0"/>
-        <a:effectRef idx="0"/>
+        <a:lnRef idx="0">
+          <a:scrgbClr r="0" g="0" b="0"/>
+        </a:lnRef>
+        <a:fillRef idx="0">
+          <a:scrgbClr r="0" g="0" b="0"/>
+        </a:fillRef>
+        <a:effectRef idx="0">
+          <a:scrgbClr r="0" g="0" b="0"/>
+        </a:effectRef>
         <a:fontRef idx="none"/>
       </a:style>
     </a:txDef>
   </a:objectDefaults>
+  <a:extraClrSchemeLst/>
 </a:theme>
 </file>